--- a/python_fundamentals/day_one/slides/Day 1.pptx
+++ b/python_fundamentals/day_one/slides/Day 1.pptx
@@ -43,6 +43,7 @@
     <p:sldId id="288" r:id="rId38"/>
     <p:sldId id="289" r:id="rId39"/>
     <p:sldId id="290" r:id="rId40"/>
+    <p:sldId id="291" r:id="rId41"/>
   </p:sldIdLst>
   <p:sldSz cy="5143500" cx="9144000"/>
   <p:notesSz cx="6858000" cy="9144000"/>
@@ -824,7 +825,7 @@
   <p:cSld>
     <p:spTree>
       <p:nvGrpSpPr>
-        <p:cNvPr id="107" name="Shape 107"/>
+        <p:cNvPr id="106" name="Shape 106"/>
         <p:cNvGrpSpPr/>
         <p:nvPr/>
       </p:nvGrpSpPr>
@@ -838,7 +839,7 @@
       </p:grpSpPr>
       <p:sp>
         <p:nvSpPr>
-          <p:cNvPr id="108" name="Google Shape;108;g2494eae80ca_0_18:notes"/>
+          <p:cNvPr id="107" name="Google Shape;107;g2494eae80ca_0_12:notes"/>
           <p:cNvSpPr/>
           <p:nvPr>
             <p:ph idx="2" type="sldImg"/>
@@ -873,7 +874,7 @@
       </p:sp>
       <p:sp>
         <p:nvSpPr>
-          <p:cNvPr id="109" name="Google Shape;109;g2494eae80ca_0_18:notes"/>
+          <p:cNvPr id="108" name="Google Shape;108;g2494eae80ca_0_12:notes"/>
           <p:cNvSpPr txBox="1"/>
           <p:nvPr>
             <p:ph idx="1" type="body"/>
@@ -923,7 +924,7 @@
   <p:cSld>
     <p:spTree>
       <p:nvGrpSpPr>
-        <p:cNvPr id="114" name="Shape 114"/>
+        <p:cNvPr id="113" name="Shape 113"/>
         <p:cNvGrpSpPr/>
         <p:nvPr/>
       </p:nvGrpSpPr>
@@ -937,7 +938,7 @@
       </p:grpSpPr>
       <p:sp>
         <p:nvSpPr>
-          <p:cNvPr id="115" name="Google Shape;115;g247e183acb1_0_37:notes"/>
+          <p:cNvPr id="114" name="Google Shape;114;g2494eae80ca_0_18:notes"/>
           <p:cNvSpPr/>
           <p:nvPr>
             <p:ph idx="2" type="sldImg"/>
@@ -972,7 +973,7 @@
       </p:sp>
       <p:sp>
         <p:nvSpPr>
-          <p:cNvPr id="116" name="Google Shape;116;g247e183acb1_0_37:notes"/>
+          <p:cNvPr id="115" name="Google Shape;115;g2494eae80ca_0_18:notes"/>
           <p:cNvSpPr txBox="1"/>
           <p:nvPr>
             <p:ph idx="1" type="body"/>
@@ -1036,7 +1037,7 @@
       </p:grpSpPr>
       <p:sp>
         <p:nvSpPr>
-          <p:cNvPr id="121" name="Google Shape;121;g2494eae80ca_0_24:notes"/>
+          <p:cNvPr id="121" name="Google Shape;121;g247e183acb1_0_37:notes"/>
           <p:cNvSpPr/>
           <p:nvPr>
             <p:ph idx="2" type="sldImg"/>
@@ -1071,7 +1072,7 @@
       </p:sp>
       <p:sp>
         <p:nvSpPr>
-          <p:cNvPr id="122" name="Google Shape;122;g2494eae80ca_0_24:notes"/>
+          <p:cNvPr id="122" name="Google Shape;122;g247e183acb1_0_37:notes"/>
           <p:cNvSpPr txBox="1"/>
           <p:nvPr>
             <p:ph idx="1" type="body"/>
@@ -1121,7 +1122,7 @@
   <p:cSld>
     <p:spTree>
       <p:nvGrpSpPr>
-        <p:cNvPr id="127" name="Shape 127"/>
+        <p:cNvPr id="126" name="Shape 126"/>
         <p:cNvGrpSpPr/>
         <p:nvPr/>
       </p:nvGrpSpPr>
@@ -1135,7 +1136,7 @@
       </p:grpSpPr>
       <p:sp>
         <p:nvSpPr>
-          <p:cNvPr id="128" name="Google Shape;128;g2494eae80ca_0_30:notes"/>
+          <p:cNvPr id="127" name="Google Shape;127;g2494eae80ca_0_24:notes"/>
           <p:cNvSpPr/>
           <p:nvPr>
             <p:ph idx="2" type="sldImg"/>
@@ -1170,7 +1171,7 @@
       </p:sp>
       <p:sp>
         <p:nvSpPr>
-          <p:cNvPr id="129" name="Google Shape;129;g2494eae80ca_0_30:notes"/>
+          <p:cNvPr id="128" name="Google Shape;128;g2494eae80ca_0_24:notes"/>
           <p:cNvSpPr txBox="1"/>
           <p:nvPr>
             <p:ph idx="1" type="body"/>
@@ -1220,7 +1221,7 @@
   <p:cSld>
     <p:spTree>
       <p:nvGrpSpPr>
-        <p:cNvPr id="134" name="Shape 134"/>
+        <p:cNvPr id="133" name="Shape 133"/>
         <p:cNvGrpSpPr/>
         <p:nvPr/>
       </p:nvGrpSpPr>
@@ -1234,7 +1235,7 @@
       </p:grpSpPr>
       <p:sp>
         <p:nvSpPr>
-          <p:cNvPr id="135" name="Google Shape;135;g2494eae80ca_0_36:notes"/>
+          <p:cNvPr id="134" name="Google Shape;134;g2494eae80ca_0_30:notes"/>
           <p:cNvSpPr/>
           <p:nvPr>
             <p:ph idx="2" type="sldImg"/>
@@ -1269,7 +1270,7 @@
       </p:sp>
       <p:sp>
         <p:nvSpPr>
-          <p:cNvPr id="136" name="Google Shape;136;g2494eae80ca_0_36:notes"/>
+          <p:cNvPr id="135" name="Google Shape;135;g2494eae80ca_0_30:notes"/>
           <p:cNvSpPr txBox="1"/>
           <p:nvPr>
             <p:ph idx="1" type="body"/>
@@ -1319,7 +1320,7 @@
   <p:cSld>
     <p:spTree>
       <p:nvGrpSpPr>
-        <p:cNvPr id="141" name="Shape 141"/>
+        <p:cNvPr id="140" name="Shape 140"/>
         <p:cNvGrpSpPr/>
         <p:nvPr/>
       </p:nvGrpSpPr>
@@ -1333,7 +1334,7 @@
       </p:grpSpPr>
       <p:sp>
         <p:nvSpPr>
-          <p:cNvPr id="142" name="Google Shape;142;g2494eae80ca_0_42:notes"/>
+          <p:cNvPr id="141" name="Google Shape;141;g2494eae80ca_0_36:notes"/>
           <p:cNvSpPr/>
           <p:nvPr>
             <p:ph idx="2" type="sldImg"/>
@@ -1368,7 +1369,7 @@
       </p:sp>
       <p:sp>
         <p:nvSpPr>
-          <p:cNvPr id="143" name="Google Shape;143;g2494eae80ca_0_42:notes"/>
+          <p:cNvPr id="142" name="Google Shape;142;g2494eae80ca_0_36:notes"/>
           <p:cNvSpPr txBox="1"/>
           <p:nvPr>
             <p:ph idx="1" type="body"/>
@@ -1418,7 +1419,7 @@
   <p:cSld>
     <p:spTree>
       <p:nvGrpSpPr>
-        <p:cNvPr id="148" name="Shape 148"/>
+        <p:cNvPr id="147" name="Shape 147"/>
         <p:cNvGrpSpPr/>
         <p:nvPr/>
       </p:nvGrpSpPr>
@@ -1432,7 +1433,7 @@
       </p:grpSpPr>
       <p:sp>
         <p:nvSpPr>
-          <p:cNvPr id="149" name="Google Shape;149;g2494eae80ca_0_53:notes"/>
+          <p:cNvPr id="148" name="Google Shape;148;g2494eae80ca_0_42:notes"/>
           <p:cNvSpPr/>
           <p:nvPr>
             <p:ph idx="2" type="sldImg"/>
@@ -1467,7 +1468,7 @@
       </p:sp>
       <p:sp>
         <p:nvSpPr>
-          <p:cNvPr id="150" name="Google Shape;150;g2494eae80ca_0_53:notes"/>
+          <p:cNvPr id="149" name="Google Shape;149;g2494eae80ca_0_42:notes"/>
           <p:cNvSpPr txBox="1"/>
           <p:nvPr>
             <p:ph idx="1" type="body"/>
@@ -1517,7 +1518,7 @@
   <p:cSld>
     <p:spTree>
       <p:nvGrpSpPr>
-        <p:cNvPr id="155" name="Shape 155"/>
+        <p:cNvPr id="154" name="Shape 154"/>
         <p:cNvGrpSpPr/>
         <p:nvPr/>
       </p:nvGrpSpPr>
@@ -1531,7 +1532,7 @@
       </p:grpSpPr>
       <p:sp>
         <p:nvSpPr>
-          <p:cNvPr id="156" name="Google Shape;156;g2494eae80ca_0_59:notes"/>
+          <p:cNvPr id="155" name="Google Shape;155;g2494eae80ca_0_53:notes"/>
           <p:cNvSpPr/>
           <p:nvPr>
             <p:ph idx="2" type="sldImg"/>
@@ -1566,7 +1567,7 @@
       </p:sp>
       <p:sp>
         <p:nvSpPr>
-          <p:cNvPr id="157" name="Google Shape;157;g2494eae80ca_0_59:notes"/>
+          <p:cNvPr id="156" name="Google Shape;156;g2494eae80ca_0_53:notes"/>
           <p:cNvSpPr txBox="1"/>
           <p:nvPr>
             <p:ph idx="1" type="body"/>
@@ -1616,7 +1617,7 @@
   <p:cSld>
     <p:spTree>
       <p:nvGrpSpPr>
-        <p:cNvPr id="162" name="Shape 162"/>
+        <p:cNvPr id="161" name="Shape 161"/>
         <p:cNvGrpSpPr/>
         <p:nvPr/>
       </p:nvGrpSpPr>
@@ -1630,7 +1631,7 @@
       </p:grpSpPr>
       <p:sp>
         <p:nvSpPr>
-          <p:cNvPr id="163" name="Google Shape;163;g247ba53dd3b_0_87:notes"/>
+          <p:cNvPr id="162" name="Google Shape;162;g2494eae80ca_0_59:notes"/>
           <p:cNvSpPr/>
           <p:nvPr>
             <p:ph idx="2" type="sldImg"/>
@@ -1665,7 +1666,7 @@
       </p:sp>
       <p:sp>
         <p:nvSpPr>
-          <p:cNvPr id="164" name="Google Shape;164;g247ba53dd3b_0_87:notes"/>
+          <p:cNvPr id="163" name="Google Shape;163;g2494eae80ca_0_59:notes"/>
           <p:cNvSpPr txBox="1"/>
           <p:nvPr>
             <p:ph idx="1" type="body"/>
@@ -1729,7 +1730,7 @@
       </p:grpSpPr>
       <p:sp>
         <p:nvSpPr>
-          <p:cNvPr id="169" name="Google Shape;169;g247f51caa41_0_17:notes"/>
+          <p:cNvPr id="169" name="Google Shape;169;g247ba53dd3b_0_87:notes"/>
           <p:cNvSpPr/>
           <p:nvPr>
             <p:ph idx="2" type="sldImg"/>
@@ -1764,7 +1765,7 @@
       </p:sp>
       <p:sp>
         <p:nvSpPr>
-          <p:cNvPr id="170" name="Google Shape;170;g247f51caa41_0_17:notes"/>
+          <p:cNvPr id="170" name="Google Shape;170;g247ba53dd3b_0_87:notes"/>
           <p:cNvSpPr txBox="1"/>
           <p:nvPr>
             <p:ph idx="1" type="body"/>
@@ -1828,7 +1829,7 @@
       </p:grpSpPr>
       <p:sp>
         <p:nvSpPr>
-          <p:cNvPr id="57" name="Google Shape;57;g247ba53dd3b_0_77:notes"/>
+          <p:cNvPr id="57" name="Google Shape;57;g225d5431f1d_0_5:notes"/>
           <p:cNvSpPr/>
           <p:nvPr>
             <p:ph idx="2" type="sldImg"/>
@@ -1863,7 +1864,7 @@
       </p:sp>
       <p:sp>
         <p:nvSpPr>
-          <p:cNvPr id="58" name="Google Shape;58;g247ba53dd3b_0_77:notes"/>
+          <p:cNvPr id="58" name="Google Shape;58;g225d5431f1d_0_5:notes"/>
           <p:cNvSpPr txBox="1"/>
           <p:nvPr>
             <p:ph idx="1" type="body"/>
@@ -1927,7 +1928,7 @@
       </p:grpSpPr>
       <p:sp>
         <p:nvSpPr>
-          <p:cNvPr id="175" name="Google Shape;175;g2494eae80ca_0_48:notes"/>
+          <p:cNvPr id="175" name="Google Shape;175;g247f51caa41_0_17:notes"/>
           <p:cNvSpPr/>
           <p:nvPr>
             <p:ph idx="2" type="sldImg"/>
@@ -1962,7 +1963,7 @@
       </p:sp>
       <p:sp>
         <p:nvSpPr>
-          <p:cNvPr id="176" name="Google Shape;176;g2494eae80ca_0_48:notes"/>
+          <p:cNvPr id="176" name="Google Shape;176;g247f51caa41_0_17:notes"/>
           <p:cNvSpPr txBox="1"/>
           <p:nvPr>
             <p:ph idx="1" type="body"/>
@@ -2012,7 +2013,7 @@
   <p:cSld>
     <p:spTree>
       <p:nvGrpSpPr>
-        <p:cNvPr id="181" name="Shape 181"/>
+        <p:cNvPr id="180" name="Shape 180"/>
         <p:cNvGrpSpPr/>
         <p:nvPr/>
       </p:nvGrpSpPr>
@@ -2026,7 +2027,7 @@
       </p:grpSpPr>
       <p:sp>
         <p:nvSpPr>
-          <p:cNvPr id="182" name="Google Shape;182;g247f51caa41_0_22:notes"/>
+          <p:cNvPr id="181" name="Google Shape;181;g2494eae80ca_0_48:notes"/>
           <p:cNvSpPr/>
           <p:nvPr>
             <p:ph idx="2" type="sldImg"/>
@@ -2061,7 +2062,7 @@
       </p:sp>
       <p:sp>
         <p:nvSpPr>
-          <p:cNvPr id="183" name="Google Shape;183;g247f51caa41_0_22:notes"/>
+          <p:cNvPr id="182" name="Google Shape;182;g2494eae80ca_0_48:notes"/>
           <p:cNvSpPr txBox="1"/>
           <p:nvPr>
             <p:ph idx="1" type="body"/>
@@ -2125,7 +2126,7 @@
       </p:grpSpPr>
       <p:sp>
         <p:nvSpPr>
-          <p:cNvPr id="188" name="Google Shape;188;g2494eae80ca_0_66:notes"/>
+          <p:cNvPr id="188" name="Google Shape;188;g247f51caa41_0_22:notes"/>
           <p:cNvSpPr/>
           <p:nvPr>
             <p:ph idx="2" type="sldImg"/>
@@ -2160,7 +2161,7 @@
       </p:sp>
       <p:sp>
         <p:nvSpPr>
-          <p:cNvPr id="189" name="Google Shape;189;g2494eae80ca_0_66:notes"/>
+          <p:cNvPr id="189" name="Google Shape;189;g247f51caa41_0_22:notes"/>
           <p:cNvSpPr txBox="1"/>
           <p:nvPr>
             <p:ph idx="1" type="body"/>
@@ -2210,7 +2211,7 @@
   <p:cSld>
     <p:spTree>
       <p:nvGrpSpPr>
-        <p:cNvPr id="194" name="Shape 194"/>
+        <p:cNvPr id="193" name="Shape 193"/>
         <p:cNvGrpSpPr/>
         <p:nvPr/>
       </p:nvGrpSpPr>
@@ -2224,7 +2225,7 @@
       </p:grpSpPr>
       <p:sp>
         <p:nvSpPr>
-          <p:cNvPr id="195" name="Google Shape;195;g2494eae80ca_0_72:notes"/>
+          <p:cNvPr id="194" name="Google Shape;194;g2494eae80ca_0_66:notes"/>
           <p:cNvSpPr/>
           <p:nvPr>
             <p:ph idx="2" type="sldImg"/>
@@ -2259,7 +2260,7 @@
       </p:sp>
       <p:sp>
         <p:nvSpPr>
-          <p:cNvPr id="196" name="Google Shape;196;g2494eae80ca_0_72:notes"/>
+          <p:cNvPr id="195" name="Google Shape;195;g2494eae80ca_0_66:notes"/>
           <p:cNvSpPr txBox="1"/>
           <p:nvPr>
             <p:ph idx="1" type="body"/>
@@ -2309,7 +2310,7 @@
   <p:cSld>
     <p:spTree>
       <p:nvGrpSpPr>
-        <p:cNvPr id="201" name="Shape 201"/>
+        <p:cNvPr id="200" name="Shape 200"/>
         <p:cNvGrpSpPr/>
         <p:nvPr/>
       </p:nvGrpSpPr>
@@ -2323,7 +2324,7 @@
       </p:grpSpPr>
       <p:sp>
         <p:nvSpPr>
-          <p:cNvPr id="202" name="Google Shape;202;g247ba53dd3b_0_92:notes"/>
+          <p:cNvPr id="201" name="Google Shape;201;g2494eae80ca_0_72:notes"/>
           <p:cNvSpPr/>
           <p:nvPr>
             <p:ph idx="2" type="sldImg"/>
@@ -2358,7 +2359,7 @@
       </p:sp>
       <p:sp>
         <p:nvSpPr>
-          <p:cNvPr id="203" name="Google Shape;203;g247ba53dd3b_0_92:notes"/>
+          <p:cNvPr id="202" name="Google Shape;202;g2494eae80ca_0_72:notes"/>
           <p:cNvSpPr txBox="1"/>
           <p:nvPr>
             <p:ph idx="1" type="body"/>
@@ -2422,7 +2423,7 @@
       </p:grpSpPr>
       <p:sp>
         <p:nvSpPr>
-          <p:cNvPr id="208" name="Google Shape;208;g247f51caa41_0_56:notes"/>
+          <p:cNvPr id="208" name="Google Shape;208;g247ba53dd3b_0_92:notes"/>
           <p:cNvSpPr/>
           <p:nvPr>
             <p:ph idx="2" type="sldImg"/>
@@ -2457,7 +2458,7 @@
       </p:sp>
       <p:sp>
         <p:nvSpPr>
-          <p:cNvPr id="209" name="Google Shape;209;g247f51caa41_0_56:notes"/>
+          <p:cNvPr id="209" name="Google Shape;209;g247ba53dd3b_0_92:notes"/>
           <p:cNvSpPr txBox="1"/>
           <p:nvPr>
             <p:ph idx="1" type="body"/>
@@ -2521,7 +2522,7 @@
       </p:grpSpPr>
       <p:sp>
         <p:nvSpPr>
-          <p:cNvPr id="214" name="Google Shape;214;g2494eae80ca_0_78:notes"/>
+          <p:cNvPr id="214" name="Google Shape;214;g247f51caa41_0_56:notes"/>
           <p:cNvSpPr/>
           <p:nvPr>
             <p:ph idx="2" type="sldImg"/>
@@ -2556,7 +2557,7 @@
       </p:sp>
       <p:sp>
         <p:nvSpPr>
-          <p:cNvPr id="215" name="Google Shape;215;g2494eae80ca_0_78:notes"/>
+          <p:cNvPr id="215" name="Google Shape;215;g247f51caa41_0_56:notes"/>
           <p:cNvSpPr txBox="1"/>
           <p:nvPr>
             <p:ph idx="1" type="body"/>
@@ -2606,7 +2607,7 @@
   <p:cSld>
     <p:spTree>
       <p:nvGrpSpPr>
-        <p:cNvPr id="220" name="Shape 220"/>
+        <p:cNvPr id="219" name="Shape 219"/>
         <p:cNvGrpSpPr/>
         <p:nvPr/>
       </p:nvGrpSpPr>
@@ -2620,7 +2621,7 @@
       </p:grpSpPr>
       <p:sp>
         <p:nvSpPr>
-          <p:cNvPr id="221" name="Google Shape;221;g2494eae80ca_0_84:notes"/>
+          <p:cNvPr id="220" name="Google Shape;220;g2494eae80ca_0_78:notes"/>
           <p:cNvSpPr/>
           <p:nvPr>
             <p:ph idx="2" type="sldImg"/>
@@ -2655,7 +2656,7 @@
       </p:sp>
       <p:sp>
         <p:nvSpPr>
-          <p:cNvPr id="222" name="Google Shape;222;g2494eae80ca_0_84:notes"/>
+          <p:cNvPr id="221" name="Google Shape;221;g2494eae80ca_0_78:notes"/>
           <p:cNvSpPr txBox="1"/>
           <p:nvPr>
             <p:ph idx="1" type="body"/>
@@ -2705,7 +2706,7 @@
   <p:cSld>
     <p:spTree>
       <p:nvGrpSpPr>
-        <p:cNvPr id="227" name="Shape 227"/>
+        <p:cNvPr id="226" name="Shape 226"/>
         <p:cNvGrpSpPr/>
         <p:nvPr/>
       </p:nvGrpSpPr>
@@ -2719,7 +2720,7 @@
       </p:grpSpPr>
       <p:sp>
         <p:nvSpPr>
-          <p:cNvPr id="228" name="Google Shape;228;g247f51caa41_0_88:notes"/>
+          <p:cNvPr id="227" name="Google Shape;227;g2494eae80ca_0_84:notes"/>
           <p:cNvSpPr/>
           <p:nvPr>
             <p:ph idx="2" type="sldImg"/>
@@ -2754,7 +2755,7 @@
       </p:sp>
       <p:sp>
         <p:nvSpPr>
-          <p:cNvPr id="229" name="Google Shape;229;g247f51caa41_0_88:notes"/>
+          <p:cNvPr id="228" name="Google Shape;228;g2494eae80ca_0_84:notes"/>
           <p:cNvSpPr txBox="1"/>
           <p:nvPr>
             <p:ph idx="1" type="body"/>
@@ -2818,7 +2819,7 @@
       </p:grpSpPr>
       <p:sp>
         <p:nvSpPr>
-          <p:cNvPr id="234" name="Google Shape;234;g247f51caa41_0_94:notes"/>
+          <p:cNvPr id="234" name="Google Shape;234;g247f51caa41_0_88:notes"/>
           <p:cNvSpPr/>
           <p:nvPr>
             <p:ph idx="2" type="sldImg"/>
@@ -2853,7 +2854,7 @@
       </p:sp>
       <p:sp>
         <p:nvSpPr>
-          <p:cNvPr id="235" name="Google Shape;235;g247f51caa41_0_94:notes"/>
+          <p:cNvPr id="235" name="Google Shape;235;g247f51caa41_0_88:notes"/>
           <p:cNvSpPr txBox="1"/>
           <p:nvPr>
             <p:ph idx="1" type="body"/>
@@ -2917,7 +2918,7 @@
       </p:grpSpPr>
       <p:sp>
         <p:nvSpPr>
-          <p:cNvPr id="63" name="Google Shape;63;g247e183acb1_0_1:notes"/>
+          <p:cNvPr id="63" name="Google Shape;63;g247ba53dd3b_0_77:notes"/>
           <p:cNvSpPr/>
           <p:nvPr>
             <p:ph idx="2" type="sldImg"/>
@@ -2952,7 +2953,7 @@
       </p:sp>
       <p:sp>
         <p:nvSpPr>
-          <p:cNvPr id="64" name="Google Shape;64;g247e183acb1_0_1:notes"/>
+          <p:cNvPr id="64" name="Google Shape;64;g247ba53dd3b_0_77:notes"/>
           <p:cNvSpPr txBox="1"/>
           <p:nvPr>
             <p:ph idx="1" type="body"/>
@@ -3016,7 +3017,7 @@
       </p:grpSpPr>
       <p:sp>
         <p:nvSpPr>
-          <p:cNvPr id="240" name="Google Shape;240;g2494eae80ca_0_90:notes"/>
+          <p:cNvPr id="240" name="Google Shape;240;g247f51caa41_0_94:notes"/>
           <p:cNvSpPr/>
           <p:nvPr>
             <p:ph idx="2" type="sldImg"/>
@@ -3051,7 +3052,7 @@
       </p:sp>
       <p:sp>
         <p:nvSpPr>
-          <p:cNvPr id="241" name="Google Shape;241;g2494eae80ca_0_90:notes"/>
+          <p:cNvPr id="241" name="Google Shape;241;g247f51caa41_0_94:notes"/>
           <p:cNvSpPr txBox="1"/>
           <p:nvPr>
             <p:ph idx="1" type="body"/>
@@ -3101,7 +3102,7 @@
   <p:cSld>
     <p:spTree>
       <p:nvGrpSpPr>
-        <p:cNvPr id="246" name="Shape 246"/>
+        <p:cNvPr id="245" name="Shape 245"/>
         <p:cNvGrpSpPr/>
         <p:nvPr/>
       </p:nvGrpSpPr>
@@ -3115,7 +3116,7 @@
       </p:grpSpPr>
       <p:sp>
         <p:nvSpPr>
-          <p:cNvPr id="247" name="Google Shape;247;g2494eae80ca_0_96:notes"/>
+          <p:cNvPr id="246" name="Google Shape;246;g2494eae80ca_0_90:notes"/>
           <p:cNvSpPr/>
           <p:nvPr>
             <p:ph idx="2" type="sldImg"/>
@@ -3150,7 +3151,7 @@
       </p:sp>
       <p:sp>
         <p:nvSpPr>
-          <p:cNvPr id="248" name="Google Shape;248;g2494eae80ca_0_96:notes"/>
+          <p:cNvPr id="247" name="Google Shape;247;g2494eae80ca_0_90:notes"/>
           <p:cNvSpPr txBox="1"/>
           <p:nvPr>
             <p:ph idx="1" type="body"/>
@@ -3200,7 +3201,7 @@
   <p:cSld>
     <p:spTree>
       <p:nvGrpSpPr>
-        <p:cNvPr id="253" name="Shape 253"/>
+        <p:cNvPr id="252" name="Shape 252"/>
         <p:cNvGrpSpPr/>
         <p:nvPr/>
       </p:nvGrpSpPr>
@@ -3214,7 +3215,7 @@
       </p:grpSpPr>
       <p:sp>
         <p:nvSpPr>
-          <p:cNvPr id="254" name="Google Shape;254;g247f51caa41_0_101:notes"/>
+          <p:cNvPr id="253" name="Google Shape;253;g2494eae80ca_0_96:notes"/>
           <p:cNvSpPr/>
           <p:nvPr>
             <p:ph idx="2" type="sldImg"/>
@@ -3249,7 +3250,7 @@
       </p:sp>
       <p:sp>
         <p:nvSpPr>
-          <p:cNvPr id="255" name="Google Shape;255;g247f51caa41_0_101:notes"/>
+          <p:cNvPr id="254" name="Google Shape;254;g2494eae80ca_0_96:notes"/>
           <p:cNvSpPr txBox="1"/>
           <p:nvPr>
             <p:ph idx="1" type="body"/>
@@ -3313,7 +3314,7 @@
       </p:grpSpPr>
       <p:sp>
         <p:nvSpPr>
-          <p:cNvPr id="260" name="Google Shape;260;g247f51caa41_0_107:notes"/>
+          <p:cNvPr id="260" name="Google Shape;260;g247f51caa41_0_101:notes"/>
           <p:cNvSpPr/>
           <p:nvPr>
             <p:ph idx="2" type="sldImg"/>
@@ -3348,7 +3349,7 @@
       </p:sp>
       <p:sp>
         <p:nvSpPr>
-          <p:cNvPr id="261" name="Google Shape;261;g247f51caa41_0_107:notes"/>
+          <p:cNvPr id="261" name="Google Shape;261;g247f51caa41_0_101:notes"/>
           <p:cNvSpPr txBox="1"/>
           <p:nvPr>
             <p:ph idx="1" type="body"/>
@@ -3591,12 +3592,12 @@
 </p:notes>
 </file>
 
-<file path=ppt/notesSlides/notesSlide4.xml><?xml version="1.0" encoding="utf-8"?>
+<file path=ppt/notesSlides/notesSlide36.xml><?xml version="1.0" encoding="utf-8"?>
 <p:notes xmlns:a="http://schemas.openxmlformats.org/drawingml/2006/main" xmlns:r="http://schemas.openxmlformats.org/officeDocument/2006/relationships" xmlns:mc="http://schemas.openxmlformats.org/markup-compatibility/2006" xmlns:mv="urn:schemas-microsoft-com:mac:vml" xmlns:p="http://schemas.openxmlformats.org/presentationml/2006/main" xmlns:c="http://schemas.openxmlformats.org/drawingml/2006/chart" xmlns:dgm="http://schemas.openxmlformats.org/drawingml/2006/diagram" xmlns:o="urn:schemas-microsoft-com:office:office" xmlns:v="urn:schemas-microsoft-com:vml" xmlns:pvml="urn:schemas-microsoft-com:office:powerpoint" xmlns:com="http://schemas.openxmlformats.org/drawingml/2006/compatibility" xmlns:p14="http://schemas.microsoft.com/office/powerpoint/2010/main" xmlns:p15="http://schemas.microsoft.com/office/powerpoint/2012/main" xmlns:ahyp="http://schemas.microsoft.com/office/drawing/2018/hyperlinkcolor" showMasterPhAnim="0" showMasterSp="0">
   <p:cSld>
     <p:spTree>
       <p:nvGrpSpPr>
-        <p:cNvPr id="68" name="Shape 68"/>
+        <p:cNvPr id="279" name="Shape 279"/>
         <p:cNvGrpSpPr/>
         <p:nvPr/>
       </p:nvGrpSpPr>
@@ -3610,7 +3611,7 @@
       </p:grpSpPr>
       <p:sp>
         <p:nvSpPr>
-          <p:cNvPr id="69" name="Google Shape;69;g247e183acb1_0_6:notes"/>
+          <p:cNvPr id="280" name="Google Shape;280;g225ba201504_0_6:notes"/>
           <p:cNvSpPr/>
           <p:nvPr>
             <p:ph idx="2" type="sldImg"/>
@@ -3645,7 +3646,106 @@
       </p:sp>
       <p:sp>
         <p:nvSpPr>
-          <p:cNvPr id="70" name="Google Shape;70;g247e183acb1_0_6:notes"/>
+          <p:cNvPr id="281" name="Google Shape;281;g225ba201504_0_6:notes"/>
+          <p:cNvSpPr txBox="1"/>
+          <p:nvPr>
+            <p:ph idx="1" type="body"/>
+          </p:nvPr>
+        </p:nvSpPr>
+        <p:spPr>
+          <a:xfrm>
+            <a:off x="685800" y="4343400"/>
+            <a:ext cx="5486400" cy="4114800"/>
+          </a:xfrm>
+          <a:prstGeom prst="rect">
+            <a:avLst/>
+          </a:prstGeom>
+        </p:spPr>
+        <p:txBody>
+          <a:bodyPr anchorCtr="0" anchor="t" bIns="91425" lIns="91425" spcFirstLastPara="1" rIns="91425" wrap="square" tIns="91425">
+            <a:noAutofit/>
+          </a:bodyPr>
+          <a:lstStyle/>
+          <a:p>
+            <a:pPr indent="0" lvl="0" marL="0" rtl="0" algn="l">
+              <a:spcBef>
+                <a:spcPts val="0"/>
+              </a:spcBef>
+              <a:spcAft>
+                <a:spcPts val="0"/>
+              </a:spcAft>
+              <a:buNone/>
+            </a:pPr>
+            <a:r>
+              <a:t/>
+            </a:r>
+            <a:endParaRPr/>
+          </a:p>
+        </p:txBody>
+      </p:sp>
+    </p:spTree>
+  </p:cSld>
+  <p:clrMapOvr>
+    <a:masterClrMapping/>
+  </p:clrMapOvr>
+</p:notes>
+</file>
+
+<file path=ppt/notesSlides/notesSlide4.xml><?xml version="1.0" encoding="utf-8"?>
+<p:notes xmlns:a="http://schemas.openxmlformats.org/drawingml/2006/main" xmlns:r="http://schemas.openxmlformats.org/officeDocument/2006/relationships" xmlns:mc="http://schemas.openxmlformats.org/markup-compatibility/2006" xmlns:mv="urn:schemas-microsoft-com:mac:vml" xmlns:p="http://schemas.openxmlformats.org/presentationml/2006/main" xmlns:c="http://schemas.openxmlformats.org/drawingml/2006/chart" xmlns:dgm="http://schemas.openxmlformats.org/drawingml/2006/diagram" xmlns:o="urn:schemas-microsoft-com:office:office" xmlns:v="urn:schemas-microsoft-com:vml" xmlns:pvml="urn:schemas-microsoft-com:office:powerpoint" xmlns:com="http://schemas.openxmlformats.org/drawingml/2006/compatibility" xmlns:p14="http://schemas.microsoft.com/office/powerpoint/2010/main" xmlns:p15="http://schemas.microsoft.com/office/powerpoint/2012/main" xmlns:ahyp="http://schemas.microsoft.com/office/drawing/2018/hyperlinkcolor" showMasterPhAnim="0" showMasterSp="0">
+  <p:cSld>
+    <p:spTree>
+      <p:nvGrpSpPr>
+        <p:cNvPr id="68" name="Shape 68"/>
+        <p:cNvGrpSpPr/>
+        <p:nvPr/>
+      </p:nvGrpSpPr>
+      <p:grpSpPr>
+        <a:xfrm>
+          <a:off x="0" y="0"/>
+          <a:ext cx="0" cy="0"/>
+          <a:chOff x="0" y="0"/>
+          <a:chExt cx="0" cy="0"/>
+        </a:xfrm>
+      </p:grpSpPr>
+      <p:sp>
+        <p:nvSpPr>
+          <p:cNvPr id="69" name="Google Shape;69;g247e183acb1_0_1:notes"/>
+          <p:cNvSpPr/>
+          <p:nvPr>
+            <p:ph idx="2" type="sldImg"/>
+          </p:nvPr>
+        </p:nvSpPr>
+        <p:spPr>
+          <a:xfrm>
+            <a:off x="381300" y="685800"/>
+            <a:ext cx="6096000" cy="3429000"/>
+          </a:xfrm>
+          <a:custGeom>
+            <a:rect b="b" l="l" r="r" t="t"/>
+            <a:pathLst>
+              <a:path extrusionOk="0" h="120000" w="120000">
+                <a:moveTo>
+                  <a:pt x="0" y="0"/>
+                </a:moveTo>
+                <a:lnTo>
+                  <a:pt x="120000" y="0"/>
+                </a:lnTo>
+                <a:lnTo>
+                  <a:pt x="120000" y="120000"/>
+                </a:lnTo>
+                <a:lnTo>
+                  <a:pt x="0" y="120000"/>
+                </a:lnTo>
+                <a:close/>
+              </a:path>
+            </a:pathLst>
+          </a:custGeom>
+        </p:spPr>
+      </p:sp>
+      <p:sp>
+        <p:nvSpPr>
+          <p:cNvPr id="70" name="Google Shape;70;g247e183acb1_0_1:notes"/>
           <p:cNvSpPr txBox="1"/>
           <p:nvPr>
             <p:ph idx="1" type="body"/>
@@ -3709,7 +3809,7 @@
       </p:grpSpPr>
       <p:sp>
         <p:nvSpPr>
-          <p:cNvPr id="75" name="Google Shape;75;g2494eae80ca_0_0:notes"/>
+          <p:cNvPr id="75" name="Google Shape;75;g247e183acb1_0_6:notes"/>
           <p:cNvSpPr/>
           <p:nvPr>
             <p:ph idx="2" type="sldImg"/>
@@ -3744,7 +3844,7 @@
       </p:sp>
       <p:sp>
         <p:nvSpPr>
-          <p:cNvPr id="76" name="Google Shape;76;g2494eae80ca_0_0:notes"/>
+          <p:cNvPr id="76" name="Google Shape;76;g247e183acb1_0_6:notes"/>
           <p:cNvSpPr txBox="1"/>
           <p:nvPr>
             <p:ph idx="1" type="body"/>
@@ -3794,7 +3894,7 @@
   <p:cSld>
     <p:spTree>
       <p:nvGrpSpPr>
-        <p:cNvPr id="81" name="Shape 81"/>
+        <p:cNvPr id="80" name="Shape 80"/>
         <p:cNvGrpSpPr/>
         <p:nvPr/>
       </p:nvGrpSpPr>
@@ -3808,7 +3908,7 @@
       </p:grpSpPr>
       <p:sp>
         <p:nvSpPr>
-          <p:cNvPr id="82" name="Google Shape;82;g247e183acb1_0_19:notes"/>
+          <p:cNvPr id="81" name="Google Shape;81;g2494eae80ca_0_0:notes"/>
           <p:cNvSpPr/>
           <p:nvPr>
             <p:ph idx="2" type="sldImg"/>
@@ -3843,7 +3943,7 @@
       </p:sp>
       <p:sp>
         <p:nvSpPr>
-          <p:cNvPr id="83" name="Google Shape;83;g247e183acb1_0_19:notes"/>
+          <p:cNvPr id="82" name="Google Shape;82;g2494eae80ca_0_0:notes"/>
           <p:cNvSpPr txBox="1"/>
           <p:nvPr>
             <p:ph idx="1" type="body"/>
@@ -3907,7 +4007,7 @@
       </p:grpSpPr>
       <p:sp>
         <p:nvSpPr>
-          <p:cNvPr id="88" name="Google Shape;88;g2494eae80ca_0_6:notes"/>
+          <p:cNvPr id="88" name="Google Shape;88;g247e183acb1_0_19:notes"/>
           <p:cNvSpPr/>
           <p:nvPr>
             <p:ph idx="2" type="sldImg"/>
@@ -3942,7 +4042,7 @@
       </p:sp>
       <p:sp>
         <p:nvSpPr>
-          <p:cNvPr id="89" name="Google Shape;89;g2494eae80ca_0_6:notes"/>
+          <p:cNvPr id="89" name="Google Shape;89;g247e183acb1_0_19:notes"/>
           <p:cNvSpPr txBox="1"/>
           <p:nvPr>
             <p:ph idx="1" type="body"/>
@@ -3992,7 +4092,7 @@
   <p:cSld>
     <p:spTree>
       <p:nvGrpSpPr>
-        <p:cNvPr id="94" name="Shape 94"/>
+        <p:cNvPr id="93" name="Shape 93"/>
         <p:cNvGrpSpPr/>
         <p:nvPr/>
       </p:nvGrpSpPr>
@@ -4006,7 +4106,7 @@
       </p:grpSpPr>
       <p:sp>
         <p:nvSpPr>
-          <p:cNvPr id="95" name="Google Shape;95;g247ba53dd3b_0_82:notes"/>
+          <p:cNvPr id="94" name="Google Shape;94;g2494eae80ca_0_6:notes"/>
           <p:cNvSpPr/>
           <p:nvPr>
             <p:ph idx="2" type="sldImg"/>
@@ -4041,7 +4141,7 @@
       </p:sp>
       <p:sp>
         <p:nvSpPr>
-          <p:cNvPr id="96" name="Google Shape;96;g247ba53dd3b_0_82:notes"/>
+          <p:cNvPr id="95" name="Google Shape;95;g2494eae80ca_0_6:notes"/>
           <p:cNvSpPr txBox="1"/>
           <p:nvPr>
             <p:ph idx="1" type="body"/>
@@ -4105,7 +4205,7 @@
       </p:grpSpPr>
       <p:sp>
         <p:nvSpPr>
-          <p:cNvPr id="101" name="Google Shape;101;g2494eae80ca_0_12:notes"/>
+          <p:cNvPr id="101" name="Google Shape;101;g247ba53dd3b_0_82:notes"/>
           <p:cNvSpPr/>
           <p:nvPr>
             <p:ph idx="2" type="sldImg"/>
@@ -4140,7 +4240,7 @@
       </p:sp>
       <p:sp>
         <p:nvSpPr>
-          <p:cNvPr id="102" name="Google Shape;102;g2494eae80ca_0_12:notes"/>
+          <p:cNvPr id="102" name="Google Shape;102;g247ba53dd3b_0_82:notes"/>
           <p:cNvSpPr txBox="1"/>
           <p:nvPr>
             <p:ph idx="1" type="body"/>
@@ -8944,7 +9044,7 @@
   <p:cSld>
     <p:spTree>
       <p:nvGrpSpPr>
-        <p:cNvPr id="110" name="Shape 110"/>
+        <p:cNvPr id="109" name="Shape 109"/>
         <p:cNvGrpSpPr/>
         <p:nvPr/>
       </p:nvGrpSpPr>
@@ -8958,7 +9058,7 @@
       </p:grpSpPr>
       <p:sp>
         <p:nvSpPr>
-          <p:cNvPr id="111" name="Google Shape;111;p22"/>
+          <p:cNvPr id="110" name="Google Shape;110;p22"/>
           <p:cNvSpPr txBox="1"/>
           <p:nvPr>
             <p:ph type="title"/>
@@ -8997,7 +9097,7 @@
       </p:sp>
       <p:sp>
         <p:nvSpPr>
-          <p:cNvPr id="112" name="Google Shape;112;p22"/>
+          <p:cNvPr id="111" name="Google Shape;111;p22"/>
           <p:cNvSpPr txBox="1"/>
           <p:nvPr>
             <p:ph idx="1" type="body"/>
@@ -9036,7 +9136,7 @@
       </p:sp>
       <p:pic>
         <p:nvPicPr>
-          <p:cNvPr id="113" name="Google Shape;113;p22"/>
+          <p:cNvPr id="112" name="Google Shape;112;p22"/>
           <p:cNvPicPr preferRelativeResize="0"/>
           <p:nvPr/>
         </p:nvPicPr>
@@ -9050,8 +9150,8 @@
         </p:blipFill>
         <p:spPr>
           <a:xfrm>
-            <a:off x="0" y="383759"/>
-            <a:ext cx="9143998" cy="4375981"/>
+            <a:off x="60983" y="0"/>
+            <a:ext cx="9022035" cy="5143501"/>
           </a:xfrm>
           <a:prstGeom prst="rect">
             <a:avLst/>
@@ -9075,7 +9175,7 @@
   <p:cSld>
     <p:spTree>
       <p:nvGrpSpPr>
-        <p:cNvPr id="117" name="Shape 117"/>
+        <p:cNvPr id="116" name="Shape 116"/>
         <p:cNvGrpSpPr/>
         <p:nvPr/>
       </p:nvGrpSpPr>
@@ -9089,7 +9189,7 @@
       </p:grpSpPr>
       <p:sp>
         <p:nvSpPr>
-          <p:cNvPr id="118" name="Google Shape;118;p23"/>
+          <p:cNvPr id="117" name="Google Shape;117;p23"/>
           <p:cNvSpPr txBox="1"/>
           <p:nvPr>
             <p:ph type="title"/>
@@ -9117,16 +9217,10 @@
               <a:spcAft>
                 <a:spcPts val="0"/>
               </a:spcAft>
-              <a:buClr>
-                <a:schemeClr val="dk1"/>
-              </a:buClr>
-              <a:buSzPct val="39285"/>
-              <a:buFont typeface="Arial"/>
-              <a:buNone/>
-            </a:pPr>
-            <a:r>
-              <a:rPr lang="en"/>
-              <a:t>Data Structures cont.</a:t>
+              <a:buNone/>
+            </a:pPr>
+            <a:r>
+              <a:t/>
             </a:r>
             <a:endParaRPr/>
           </a:p>
@@ -9134,7 +9228,7 @@
       </p:sp>
       <p:sp>
         <p:nvSpPr>
-          <p:cNvPr id="119" name="Google Shape;119;p23"/>
+          <p:cNvPr id="118" name="Google Shape;118;p23"/>
           <p:cNvSpPr txBox="1"/>
           <p:nvPr>
             <p:ph idx="1" type="body"/>
@@ -9151,65 +9245,16 @@
         </p:spPr>
         <p:txBody>
           <a:bodyPr anchorCtr="0" anchor="t" bIns="91425" lIns="91425" spcFirstLastPara="1" rIns="91425" wrap="square" tIns="91425">
-            <a:normAutofit lnSpcReduction="20000"/>
+            <a:normAutofit/>
           </a:bodyPr>
           <a:lstStyle/>
           <a:p>
-            <a:pPr indent="-342900" lvl="0" marL="457200" rtl="0" algn="l">
-              <a:spcBef>
-                <a:spcPts val="0"/>
-              </a:spcBef>
-              <a:spcAft>
-                <a:spcPts val="0"/>
-              </a:spcAft>
-              <a:buSzPts val="1800"/>
-              <a:buChar char="●"/>
-            </a:pPr>
-            <a:r>
-              <a:rPr lang="en"/>
-              <a:t>Dictionary: Dictionaries are </a:t>
-            </a:r>
-            <a:r>
-              <a:rPr b="1" i="1" lang="en"/>
-              <a:t>unordered collections of key-value pairs</a:t>
-            </a:r>
-            <a:r>
-              <a:rPr lang="en"/>
-              <a:t>. Each key is associated with a value, and you can use the key to access the corresponding value. Dictionaries are defined using curly braces (</a:t>
-            </a:r>
-            <a:r>
-              <a:rPr lang="en">
-                <a:solidFill>
-                  <a:srgbClr val="FF0000"/>
-                </a:solidFill>
-              </a:rPr>
-              <a:t>{}</a:t>
-            </a:r>
-            <a:r>
-              <a:rPr lang="en"/>
-              <a:t>) and colons (</a:t>
-            </a:r>
-            <a:r>
-              <a:rPr lang="en">
-                <a:solidFill>
-                  <a:srgbClr val="FF0000"/>
-                </a:solidFill>
-              </a:rPr>
-              <a:t>:</a:t>
-            </a:r>
-            <a:r>
-              <a:rPr lang="en"/>
-              <a:t>).</a:t>
-            </a:r>
-            <a:endParaRPr/>
-          </a:p>
-          <a:p>
-            <a:pPr indent="0" lvl="0" marL="457200" rtl="0" algn="l">
-              <a:spcBef>
+            <a:pPr indent="0" lvl="0" marL="0" rtl="0" algn="l">
+              <a:spcBef>
+                <a:spcPts val="0"/>
+              </a:spcBef>
+              <a:spcAft>
                 <a:spcPts val="1200"/>
-              </a:spcBef>
-              <a:spcAft>
-                <a:spcPts val="0"/>
               </a:spcAft>
               <a:buNone/>
             </a:pPr>
@@ -9218,88 +9263,36 @@
             </a:r>
             <a:endParaRPr/>
           </a:p>
-          <a:p>
-            <a:pPr indent="-342900" lvl="0" marL="457200" rtl="0" algn="l">
-              <a:spcBef>
-                <a:spcPts val="1200"/>
-              </a:spcBef>
-              <a:spcAft>
-                <a:spcPts val="0"/>
-              </a:spcAft>
-              <a:buSzPts val="1800"/>
-              <a:buChar char="●"/>
-            </a:pPr>
-            <a:r>
-              <a:rPr lang="en"/>
-              <a:t>Set: Sets are </a:t>
-            </a:r>
-            <a:r>
-              <a:rPr b="1" i="1" lang="en"/>
-              <a:t>unordered collections of unique elements</a:t>
-            </a:r>
-            <a:r>
-              <a:rPr lang="en"/>
-              <a:t>. They are useful for operations like union, intersection, and difference. Sets are defined using curly braces (</a:t>
-            </a:r>
-            <a:r>
-              <a:rPr lang="en">
-                <a:solidFill>
-                  <a:srgbClr val="FF0000"/>
-                </a:solidFill>
-              </a:rPr>
-              <a:t>{}</a:t>
-            </a:r>
-            <a:r>
-              <a:rPr lang="en"/>
-              <a:t>) or the </a:t>
-            </a:r>
-            <a:r>
-              <a:rPr lang="en">
-                <a:solidFill>
-                  <a:srgbClr val="FF0000"/>
-                </a:solidFill>
-              </a:rPr>
-              <a:t>set()</a:t>
-            </a:r>
-            <a:r>
-              <a:rPr lang="en"/>
-              <a:t> function.</a:t>
-            </a:r>
-            <a:endParaRPr/>
-          </a:p>
-          <a:p>
-            <a:pPr indent="0" lvl="0" marL="457200" rtl="0" algn="l">
-              <a:spcBef>
-                <a:spcPts val="1200"/>
-              </a:spcBef>
-              <a:spcAft>
-                <a:spcPts val="0"/>
-              </a:spcAft>
-              <a:buNone/>
-            </a:pPr>
-            <a:r>
-              <a:t/>
-            </a:r>
-            <a:endParaRPr/>
-          </a:p>
-          <a:p>
-            <a:pPr indent="0" lvl="0" marL="0" rtl="0" algn="l">
-              <a:spcBef>
-                <a:spcPts val="1200"/>
-              </a:spcBef>
-              <a:spcAft>
-                <a:spcPts val="1200"/>
-              </a:spcAft>
-              <a:buNone/>
-            </a:pPr>
-            <a:r>
-              <a:rPr lang="en"/>
-              <a:t> </a:t>
-            </a:r>
-            <a:endParaRPr/>
-          </a:p>
         </p:txBody>
       </p:sp>
+      <p:pic>
+        <p:nvPicPr>
+          <p:cNvPr id="119" name="Google Shape;119;p23"/>
+          <p:cNvPicPr preferRelativeResize="0"/>
+          <p:nvPr/>
+        </p:nvPicPr>
+        <p:blipFill>
+          <a:blip r:embed="rId3">
+            <a:alphaModFix/>
+          </a:blip>
+          <a:stretch>
+            <a:fillRect/>
+          </a:stretch>
+        </p:blipFill>
+        <p:spPr>
+          <a:xfrm>
+            <a:off x="0" y="383759"/>
+            <a:ext cx="9143998" cy="4375981"/>
+          </a:xfrm>
+          <a:prstGeom prst="rect">
+            <a:avLst/>
+          </a:prstGeom>
+          <a:noFill/>
+          <a:ln>
+            <a:noFill/>
+          </a:ln>
+        </p:spPr>
+      </p:pic>
     </p:spTree>
   </p:cSld>
   <p:clrMapOvr>
@@ -9355,10 +9348,16 @@
               <a:spcAft>
                 <a:spcPts val="0"/>
               </a:spcAft>
-              <a:buNone/>
-            </a:pPr>
-            <a:r>
-              <a:t/>
+              <a:buClr>
+                <a:schemeClr val="dk1"/>
+              </a:buClr>
+              <a:buSzPct val="39285"/>
+              <a:buFont typeface="Arial"/>
+              <a:buNone/>
+            </a:pPr>
+            <a:r>
+              <a:rPr lang="en"/>
+              <a:t>Data Structures cont.</a:t>
             </a:r>
             <a:endParaRPr/>
           </a:p>
@@ -9383,54 +9382,155 @@
         </p:spPr>
         <p:txBody>
           <a:bodyPr anchorCtr="0" anchor="t" bIns="91425" lIns="91425" spcFirstLastPara="1" rIns="91425" wrap="square" tIns="91425">
-            <a:normAutofit/>
+            <a:normAutofit lnSpcReduction="20000"/>
           </a:bodyPr>
           <a:lstStyle/>
           <a:p>
+            <a:pPr indent="-342900" lvl="0" marL="457200" rtl="0" algn="l">
+              <a:spcBef>
+                <a:spcPts val="0"/>
+              </a:spcBef>
+              <a:spcAft>
+                <a:spcPts val="0"/>
+              </a:spcAft>
+              <a:buSzPts val="1800"/>
+              <a:buChar char="●"/>
+            </a:pPr>
+            <a:r>
+              <a:rPr lang="en"/>
+              <a:t>Dictionary: Dictionaries are </a:t>
+            </a:r>
+            <a:r>
+              <a:rPr b="1" i="1" lang="en"/>
+              <a:t>unordered collections of key-value pairs</a:t>
+            </a:r>
+            <a:r>
+              <a:rPr lang="en"/>
+              <a:t>. Each key is associated with a value, and you can use the key to access the corresponding value. Dictionaries are defined using curly braces (</a:t>
+            </a:r>
+            <a:r>
+              <a:rPr lang="en">
+                <a:solidFill>
+                  <a:srgbClr val="FF0000"/>
+                </a:solidFill>
+              </a:rPr>
+              <a:t>{}</a:t>
+            </a:r>
+            <a:r>
+              <a:rPr lang="en"/>
+              <a:t>) and colons (</a:t>
+            </a:r>
+            <a:r>
+              <a:rPr lang="en">
+                <a:solidFill>
+                  <a:srgbClr val="FF0000"/>
+                </a:solidFill>
+              </a:rPr>
+              <a:t>:</a:t>
+            </a:r>
+            <a:r>
+              <a:rPr lang="en"/>
+              <a:t>).</a:t>
+            </a:r>
+            <a:endParaRPr/>
+          </a:p>
+          <a:p>
+            <a:pPr indent="0" lvl="0" marL="457200" rtl="0" algn="l">
+              <a:spcBef>
+                <a:spcPts val="1200"/>
+              </a:spcBef>
+              <a:spcAft>
+                <a:spcPts val="0"/>
+              </a:spcAft>
+              <a:buNone/>
+            </a:pPr>
+            <a:r>
+              <a:t/>
+            </a:r>
+            <a:endParaRPr/>
+          </a:p>
+          <a:p>
+            <a:pPr indent="-342900" lvl="0" marL="457200" rtl="0" algn="l">
+              <a:spcBef>
+                <a:spcPts val="1200"/>
+              </a:spcBef>
+              <a:spcAft>
+                <a:spcPts val="0"/>
+              </a:spcAft>
+              <a:buSzPts val="1800"/>
+              <a:buChar char="●"/>
+            </a:pPr>
+            <a:r>
+              <a:rPr lang="en"/>
+              <a:t>Set: Sets are </a:t>
+            </a:r>
+            <a:r>
+              <a:rPr b="1" i="1" lang="en"/>
+              <a:t>unordered collections of unique elements</a:t>
+            </a:r>
+            <a:r>
+              <a:rPr lang="en"/>
+              <a:t>. They are useful for operations like union, intersection, and difference. Sets are defined using curly braces (</a:t>
+            </a:r>
+            <a:r>
+              <a:rPr lang="en">
+                <a:solidFill>
+                  <a:srgbClr val="FF0000"/>
+                </a:solidFill>
+              </a:rPr>
+              <a:t>{}</a:t>
+            </a:r>
+            <a:r>
+              <a:rPr lang="en"/>
+              <a:t>) or the </a:t>
+            </a:r>
+            <a:r>
+              <a:rPr lang="en">
+                <a:solidFill>
+                  <a:srgbClr val="FF0000"/>
+                </a:solidFill>
+              </a:rPr>
+              <a:t>set()</a:t>
+            </a:r>
+            <a:r>
+              <a:rPr lang="en"/>
+              <a:t> function.</a:t>
+            </a:r>
+            <a:endParaRPr/>
+          </a:p>
+          <a:p>
+            <a:pPr indent="0" lvl="0" marL="457200" rtl="0" algn="l">
+              <a:spcBef>
+                <a:spcPts val="1200"/>
+              </a:spcBef>
+              <a:spcAft>
+                <a:spcPts val="0"/>
+              </a:spcAft>
+              <a:buNone/>
+            </a:pPr>
+            <a:r>
+              <a:t/>
+            </a:r>
+            <a:endParaRPr/>
+          </a:p>
+          <a:p>
             <a:pPr indent="0" lvl="0" marL="0" rtl="0" algn="l">
               <a:spcBef>
-                <a:spcPts val="0"/>
-              </a:spcBef>
-              <a:spcAft>
                 <a:spcPts val="1200"/>
-              </a:spcAft>
-              <a:buNone/>
-            </a:pPr>
-            <a:r>
-              <a:t/>
+              </a:spcBef>
+              <a:spcAft>
+                <a:spcPts val="1200"/>
+              </a:spcAft>
+              <a:buNone/>
+            </a:pPr>
+            <a:r>
+              <a:rPr lang="en"/>
+              <a:t> </a:t>
             </a:r>
             <a:endParaRPr/>
           </a:p>
         </p:txBody>
       </p:sp>
-      <p:pic>
-        <p:nvPicPr>
-          <p:cNvPr id="126" name="Google Shape;126;p24"/>
-          <p:cNvPicPr preferRelativeResize="0"/>
-          <p:nvPr/>
-        </p:nvPicPr>
-        <p:blipFill>
-          <a:blip r:embed="rId3">
-            <a:alphaModFix/>
-          </a:blip>
-          <a:stretch>
-            <a:fillRect/>
-          </a:stretch>
-        </p:blipFill>
-        <p:spPr>
-          <a:xfrm>
-            <a:off x="0" y="505609"/>
-            <a:ext cx="9143998" cy="4132282"/>
-          </a:xfrm>
-          <a:prstGeom prst="rect">
-            <a:avLst/>
-          </a:prstGeom>
-          <a:noFill/>
-          <a:ln>
-            <a:noFill/>
-          </a:ln>
-        </p:spPr>
-      </p:pic>
     </p:spTree>
   </p:cSld>
   <p:clrMapOvr>
@@ -9444,7 +9544,7 @@
   <p:cSld>
     <p:spTree>
       <p:nvGrpSpPr>
-        <p:cNvPr id="130" name="Shape 130"/>
+        <p:cNvPr id="129" name="Shape 129"/>
         <p:cNvGrpSpPr/>
         <p:nvPr/>
       </p:nvGrpSpPr>
@@ -9458,7 +9558,7 @@
       </p:grpSpPr>
       <p:sp>
         <p:nvSpPr>
-          <p:cNvPr id="131" name="Google Shape;131;p25"/>
+          <p:cNvPr id="130" name="Google Shape;130;p25"/>
           <p:cNvSpPr txBox="1"/>
           <p:nvPr>
             <p:ph type="title"/>
@@ -9497,7 +9597,7 @@
       </p:sp>
       <p:sp>
         <p:nvSpPr>
-          <p:cNvPr id="132" name="Google Shape;132;p25"/>
+          <p:cNvPr id="131" name="Google Shape;131;p25"/>
           <p:cNvSpPr txBox="1"/>
           <p:nvPr>
             <p:ph idx="1" type="body"/>
@@ -9536,7 +9636,7 @@
       </p:sp>
       <p:pic>
         <p:nvPicPr>
-          <p:cNvPr id="133" name="Google Shape;133;p25"/>
+          <p:cNvPr id="132" name="Google Shape;132;p25"/>
           <p:cNvPicPr preferRelativeResize="0"/>
           <p:nvPr/>
         </p:nvPicPr>
@@ -9550,8 +9650,8 @@
         </p:blipFill>
         <p:spPr>
           <a:xfrm>
-            <a:off x="0" y="897646"/>
-            <a:ext cx="9143998" cy="3348208"/>
+            <a:off x="0" y="505609"/>
+            <a:ext cx="9143998" cy="4132282"/>
           </a:xfrm>
           <a:prstGeom prst="rect">
             <a:avLst/>
@@ -9575,7 +9675,7 @@
   <p:cSld>
     <p:spTree>
       <p:nvGrpSpPr>
-        <p:cNvPr id="137" name="Shape 137"/>
+        <p:cNvPr id="136" name="Shape 136"/>
         <p:cNvGrpSpPr/>
         <p:nvPr/>
       </p:nvGrpSpPr>
@@ -9589,7 +9689,7 @@
       </p:grpSpPr>
       <p:sp>
         <p:nvSpPr>
-          <p:cNvPr id="138" name="Google Shape;138;p26"/>
+          <p:cNvPr id="137" name="Google Shape;137;p26"/>
           <p:cNvSpPr txBox="1"/>
           <p:nvPr>
             <p:ph type="title"/>
@@ -9628,7 +9728,7 @@
       </p:sp>
       <p:sp>
         <p:nvSpPr>
-          <p:cNvPr id="139" name="Google Shape;139;p26"/>
+          <p:cNvPr id="138" name="Google Shape;138;p26"/>
           <p:cNvSpPr txBox="1"/>
           <p:nvPr>
             <p:ph idx="1" type="body"/>
@@ -9667,7 +9767,7 @@
       </p:sp>
       <p:pic>
         <p:nvPicPr>
-          <p:cNvPr id="140" name="Google Shape;140;p26"/>
+          <p:cNvPr id="139" name="Google Shape;139;p26"/>
           <p:cNvPicPr preferRelativeResize="0"/>
           <p:nvPr/>
         </p:nvPicPr>
@@ -9681,8 +9781,8 @@
         </p:blipFill>
         <p:spPr>
           <a:xfrm>
-            <a:off x="0" y="1071563"/>
-            <a:ext cx="9144003" cy="3000376"/>
+            <a:off x="0" y="897646"/>
+            <a:ext cx="9143998" cy="3348208"/>
           </a:xfrm>
           <a:prstGeom prst="rect">
             <a:avLst/>
@@ -9706,7 +9806,7 @@
   <p:cSld>
     <p:spTree>
       <p:nvGrpSpPr>
-        <p:cNvPr id="144" name="Shape 144"/>
+        <p:cNvPr id="143" name="Shape 143"/>
         <p:cNvGrpSpPr/>
         <p:nvPr/>
       </p:nvGrpSpPr>
@@ -9720,7 +9820,7 @@
       </p:grpSpPr>
       <p:sp>
         <p:nvSpPr>
-          <p:cNvPr id="145" name="Google Shape;145;p27"/>
+          <p:cNvPr id="144" name="Google Shape;144;p27"/>
           <p:cNvSpPr txBox="1"/>
           <p:nvPr>
             <p:ph type="title"/>
@@ -9759,7 +9859,7 @@
       </p:sp>
       <p:sp>
         <p:nvSpPr>
-          <p:cNvPr id="146" name="Google Shape;146;p27"/>
+          <p:cNvPr id="145" name="Google Shape;145;p27"/>
           <p:cNvSpPr txBox="1"/>
           <p:nvPr>
             <p:ph idx="1" type="body"/>
@@ -9798,7 +9898,7 @@
       </p:sp>
       <p:pic>
         <p:nvPicPr>
-          <p:cNvPr id="147" name="Google Shape;147;p27"/>
+          <p:cNvPr id="146" name="Google Shape;146;p27"/>
           <p:cNvPicPr preferRelativeResize="0"/>
           <p:nvPr/>
         </p:nvPicPr>
@@ -9812,8 +9912,8 @@
         </p:blipFill>
         <p:spPr>
           <a:xfrm>
-            <a:off x="0" y="1260332"/>
-            <a:ext cx="9144002" cy="2622837"/>
+            <a:off x="0" y="1071563"/>
+            <a:ext cx="9144003" cy="3000376"/>
           </a:xfrm>
           <a:prstGeom prst="rect">
             <a:avLst/>
@@ -9837,7 +9937,7 @@
   <p:cSld>
     <p:spTree>
       <p:nvGrpSpPr>
-        <p:cNvPr id="151" name="Shape 151"/>
+        <p:cNvPr id="150" name="Shape 150"/>
         <p:cNvGrpSpPr/>
         <p:nvPr/>
       </p:nvGrpSpPr>
@@ -9851,7 +9951,7 @@
       </p:grpSpPr>
       <p:sp>
         <p:nvSpPr>
-          <p:cNvPr id="152" name="Google Shape;152;p28"/>
+          <p:cNvPr id="151" name="Google Shape;151;p28"/>
           <p:cNvSpPr txBox="1"/>
           <p:nvPr>
             <p:ph type="title"/>
@@ -9890,7 +9990,7 @@
       </p:sp>
       <p:sp>
         <p:nvSpPr>
-          <p:cNvPr id="153" name="Google Shape;153;p28"/>
+          <p:cNvPr id="152" name="Google Shape;152;p28"/>
           <p:cNvSpPr txBox="1"/>
           <p:nvPr>
             <p:ph idx="1" type="body"/>
@@ -9929,7 +10029,7 @@
       </p:sp>
       <p:pic>
         <p:nvPicPr>
-          <p:cNvPr id="154" name="Google Shape;154;p28"/>
+          <p:cNvPr id="153" name="Google Shape;153;p28"/>
           <p:cNvPicPr preferRelativeResize="0"/>
           <p:nvPr/>
         </p:nvPicPr>
@@ -9968,7 +10068,7 @@
   <p:cSld>
     <p:spTree>
       <p:nvGrpSpPr>
-        <p:cNvPr id="158" name="Shape 158"/>
+        <p:cNvPr id="157" name="Shape 157"/>
         <p:cNvGrpSpPr/>
         <p:nvPr/>
       </p:nvGrpSpPr>
@@ -9982,7 +10082,7 @@
       </p:grpSpPr>
       <p:sp>
         <p:nvSpPr>
-          <p:cNvPr id="159" name="Google Shape;159;p29"/>
+          <p:cNvPr id="158" name="Google Shape;158;p29"/>
           <p:cNvSpPr txBox="1"/>
           <p:nvPr>
             <p:ph type="title"/>
@@ -10021,7 +10121,7 @@
       </p:sp>
       <p:sp>
         <p:nvSpPr>
-          <p:cNvPr id="160" name="Google Shape;160;p29"/>
+          <p:cNvPr id="159" name="Google Shape;159;p29"/>
           <p:cNvSpPr txBox="1"/>
           <p:nvPr>
             <p:ph idx="1" type="body"/>
@@ -10060,7 +10160,7 @@
       </p:sp>
       <p:pic>
         <p:nvPicPr>
-          <p:cNvPr id="161" name="Google Shape;161;p29"/>
+          <p:cNvPr id="160" name="Google Shape;160;p29"/>
           <p:cNvPicPr preferRelativeResize="0"/>
           <p:nvPr/>
         </p:nvPicPr>
@@ -10074,8 +10174,8 @@
         </p:blipFill>
         <p:spPr>
           <a:xfrm>
-            <a:off x="0" y="1149478"/>
-            <a:ext cx="9144002" cy="2844545"/>
+            <a:off x="0" y="1260332"/>
+            <a:ext cx="9144002" cy="2622837"/>
           </a:xfrm>
           <a:prstGeom prst="rect">
             <a:avLst/>
@@ -10099,7 +10199,7 @@
   <p:cSld>
     <p:spTree>
       <p:nvGrpSpPr>
-        <p:cNvPr id="165" name="Shape 165"/>
+        <p:cNvPr id="164" name="Shape 164"/>
         <p:cNvGrpSpPr/>
         <p:nvPr/>
       </p:nvGrpSpPr>
@@ -10113,7 +10213,7 @@
       </p:grpSpPr>
       <p:sp>
         <p:nvSpPr>
-          <p:cNvPr id="166" name="Google Shape;166;p30"/>
+          <p:cNvPr id="165" name="Google Shape;165;p30"/>
           <p:cNvSpPr txBox="1"/>
           <p:nvPr>
             <p:ph type="title"/>
@@ -10144,8 +10244,7 @@
               <a:buNone/>
             </a:pPr>
             <a:r>
-              <a:rPr lang="en"/>
-              <a:t>Control Flow: Conditionals, Loops</a:t>
+              <a:t/>
             </a:r>
             <a:endParaRPr/>
           </a:p>
@@ -10153,7 +10252,7 @@
       </p:sp>
       <p:sp>
         <p:nvSpPr>
-          <p:cNvPr id="167" name="Google Shape;167;p30"/>
+          <p:cNvPr id="166" name="Google Shape;166;p30"/>
           <p:cNvSpPr txBox="1"/>
           <p:nvPr>
             <p:ph idx="1" type="body"/>
@@ -10174,29 +10273,12 @@
           </a:bodyPr>
           <a:lstStyle/>
           <a:p>
-            <a:pPr indent="-342900" lvl="0" marL="457200" rtl="0" algn="l">
-              <a:spcBef>
-                <a:spcPts val="0"/>
-              </a:spcBef>
-              <a:spcAft>
-                <a:spcPts val="0"/>
-              </a:spcAft>
-              <a:buSzPts val="1800"/>
-              <a:buChar char="●"/>
-            </a:pPr>
-            <a:r>
-              <a:rPr lang="en"/>
-              <a:t>Conditionals and for loops are fundamental constructs in Python that allow you to control the flow of your program and perform repetitive tasks. </a:t>
-            </a:r>
-            <a:endParaRPr/>
-          </a:p>
-          <a:p>
             <a:pPr indent="0" lvl="0" marL="0" rtl="0" algn="l">
               <a:spcBef>
+                <a:spcPts val="0"/>
+              </a:spcBef>
+              <a:spcAft>
                 <a:spcPts val="1200"/>
-              </a:spcBef>
-              <a:spcAft>
-                <a:spcPts val="0"/>
               </a:spcAft>
               <a:buNone/>
             </a:pPr>
@@ -10205,55 +10287,36 @@
             </a:r>
             <a:endParaRPr/>
           </a:p>
-          <a:p>
-            <a:pPr indent="-342900" lvl="0" marL="457200" rtl="0" algn="l">
-              <a:spcBef>
-                <a:spcPts val="1200"/>
-              </a:spcBef>
-              <a:spcAft>
-                <a:spcPts val="0"/>
-              </a:spcAft>
-              <a:buSzPts val="1800"/>
-              <a:buChar char="●"/>
-            </a:pPr>
-            <a:r>
-              <a:rPr lang="en"/>
-              <a:t>Conditionals (if-elif-else statements): Conditionals allow you to make decisions in your code based on certain conditions. In Python, the if-elif-else statement is used to implement conditionals.</a:t>
-            </a:r>
-            <a:endParaRPr/>
-          </a:p>
-          <a:p>
-            <a:pPr indent="0" lvl="0" marL="457200" rtl="0" algn="l">
-              <a:spcBef>
-                <a:spcPts val="1200"/>
-              </a:spcBef>
-              <a:spcAft>
-                <a:spcPts val="0"/>
-              </a:spcAft>
-              <a:buNone/>
-            </a:pPr>
-            <a:r>
-              <a:t/>
-            </a:r>
-            <a:endParaRPr/>
-          </a:p>
-          <a:p>
-            <a:pPr indent="0" lvl="0" marL="457200" rtl="0" algn="l">
-              <a:spcBef>
-                <a:spcPts val="1200"/>
-              </a:spcBef>
-              <a:spcAft>
-                <a:spcPts val="1200"/>
-              </a:spcAft>
-              <a:buNone/>
-            </a:pPr>
-            <a:r>
-              <a:t/>
-            </a:r>
-            <a:endParaRPr/>
-          </a:p>
         </p:txBody>
       </p:sp>
+      <p:pic>
+        <p:nvPicPr>
+          <p:cNvPr id="167" name="Google Shape;167;p30"/>
+          <p:cNvPicPr preferRelativeResize="0"/>
+          <p:nvPr/>
+        </p:nvPicPr>
+        <p:blipFill>
+          <a:blip r:embed="rId3">
+            <a:alphaModFix/>
+          </a:blip>
+          <a:stretch>
+            <a:fillRect/>
+          </a:stretch>
+        </p:blipFill>
+        <p:spPr>
+          <a:xfrm>
+            <a:off x="0" y="1149478"/>
+            <a:ext cx="9144002" cy="2844545"/>
+          </a:xfrm>
+          <a:prstGeom prst="rect">
+            <a:avLst/>
+          </a:prstGeom>
+          <a:noFill/>
+          <a:ln>
+            <a:noFill/>
+          </a:ln>
+        </p:spPr>
+      </p:pic>
     </p:spTree>
   </p:cSld>
   <p:clrMapOvr>
@@ -10313,7 +10376,7 @@
             </a:pPr>
             <a:r>
               <a:rPr lang="en"/>
-              <a:t>Control Flow: Conditionals, Loops cont.</a:t>
+              <a:t>Control Flow: Conditionals, Loops</a:t>
             </a:r>
             <a:endParaRPr/>
           </a:p>
@@ -10338,134 +10401,57 @@
         </p:spPr>
         <p:txBody>
           <a:bodyPr anchorCtr="0" anchor="t" bIns="91425" lIns="91425" spcFirstLastPara="1" rIns="91425" wrap="square" tIns="91425">
-            <a:normAutofit lnSpcReduction="20000"/>
+            <a:normAutofit/>
           </a:bodyPr>
           <a:lstStyle/>
           <a:p>
-            <a:pPr indent="0" lvl="0" marL="457200" rtl="0" algn="l">
-              <a:spcBef>
-                <a:spcPts val="0"/>
-              </a:spcBef>
-              <a:spcAft>
-                <a:spcPts val="0"/>
-              </a:spcAft>
-              <a:buClr>
-                <a:schemeClr val="dk1"/>
-              </a:buClr>
-              <a:buSzPts val="1100"/>
-              <a:buFont typeface="Arial"/>
-              <a:buNone/>
-            </a:pPr>
-            <a:r>
-              <a:rPr i="1" lang="en"/>
-              <a:t>if condition1:</a:t>
-            </a:r>
-            <a:endParaRPr i="1"/>
-          </a:p>
-          <a:p>
-            <a:pPr indent="0" lvl="0" marL="457200" rtl="0" algn="l">
+            <a:pPr indent="-342900" lvl="0" marL="457200" rtl="0" algn="l">
+              <a:spcBef>
+                <a:spcPts val="0"/>
+              </a:spcBef>
+              <a:spcAft>
+                <a:spcPts val="0"/>
+              </a:spcAft>
+              <a:buSzPts val="1800"/>
+              <a:buChar char="●"/>
+            </a:pPr>
+            <a:r>
+              <a:rPr lang="en"/>
+              <a:t>Conditionals and for loops are fundamental constructs in Python that allow you to control the flow of your program and perform repetitive tasks. </a:t>
+            </a:r>
+            <a:endParaRPr/>
+          </a:p>
+          <a:p>
+            <a:pPr indent="0" lvl="0" marL="0" rtl="0" algn="l">
               <a:spcBef>
                 <a:spcPts val="1200"/>
               </a:spcBef>
               <a:spcAft>
                 <a:spcPts val="0"/>
               </a:spcAft>
-              <a:buClr>
-                <a:schemeClr val="dk1"/>
-              </a:buClr>
-              <a:buSzPts val="1100"/>
-              <a:buFont typeface="Arial"/>
-              <a:buNone/>
-            </a:pPr>
-            <a:r>
-              <a:rPr i="1" lang="en"/>
-              <a:t>   # code to execute if condition1 is True</a:t>
-            </a:r>
-            <a:endParaRPr i="1"/>
-          </a:p>
-          <a:p>
-            <a:pPr indent="0" lvl="0" marL="457200" rtl="0" algn="l">
+              <a:buNone/>
+            </a:pPr>
+            <a:r>
+              <a:t/>
+            </a:r>
+            <a:endParaRPr/>
+          </a:p>
+          <a:p>
+            <a:pPr indent="-342900" lvl="0" marL="457200" rtl="0" algn="l">
               <a:spcBef>
                 <a:spcPts val="1200"/>
               </a:spcBef>
               <a:spcAft>
                 <a:spcPts val="0"/>
               </a:spcAft>
-              <a:buClr>
-                <a:schemeClr val="dk1"/>
-              </a:buClr>
-              <a:buSzPts val="1100"/>
-              <a:buFont typeface="Arial"/>
-              <a:buNone/>
-            </a:pPr>
-            <a:r>
-              <a:rPr i="1" lang="en"/>
-              <a:t>elif condition2:</a:t>
-            </a:r>
-            <a:endParaRPr i="1"/>
-          </a:p>
-          <a:p>
-            <a:pPr indent="0" lvl="0" marL="457200" rtl="0" algn="l">
-              <a:spcBef>
-                <a:spcPts val="1200"/>
-              </a:spcBef>
-              <a:spcAft>
-                <a:spcPts val="0"/>
-              </a:spcAft>
-              <a:buClr>
-                <a:schemeClr val="dk1"/>
-              </a:buClr>
-              <a:buSzPts val="1100"/>
-              <a:buFont typeface="Arial"/>
-              <a:buNone/>
-            </a:pPr>
-            <a:r>
-              <a:rPr i="1" lang="en"/>
-              <a:t>  # code to execute if condition2 is True</a:t>
-            </a:r>
-            <a:endParaRPr i="1"/>
-          </a:p>
-          <a:p>
-            <a:pPr indent="0" lvl="0" marL="457200" rtl="0" algn="l">
-              <a:spcBef>
-                <a:spcPts val="1200"/>
-              </a:spcBef>
-              <a:spcAft>
-                <a:spcPts val="0"/>
-              </a:spcAft>
-              <a:buClr>
-                <a:schemeClr val="dk1"/>
-              </a:buClr>
-              <a:buSzPts val="1100"/>
-              <a:buFont typeface="Arial"/>
-              <a:buNone/>
-            </a:pPr>
-            <a:r>
-              <a:rPr i="1" lang="en"/>
-              <a:t>else:</a:t>
-            </a:r>
-            <a:endParaRPr i="1"/>
-          </a:p>
-          <a:p>
-            <a:pPr indent="0" lvl="0" marL="457200" rtl="0" algn="l">
-              <a:spcBef>
-                <a:spcPts val="1200"/>
-              </a:spcBef>
-              <a:spcAft>
-                <a:spcPts val="0"/>
-              </a:spcAft>
-              <a:buClr>
-                <a:schemeClr val="dk1"/>
-              </a:buClr>
-              <a:buSzPts val="1100"/>
-              <a:buFont typeface="Arial"/>
-              <a:buNone/>
-            </a:pPr>
-            <a:r>
-              <a:rPr i="1" lang="en"/>
-              <a:t>    # code to execute if neither condition1 nor condition2 is True</a:t>
-            </a:r>
-            <a:endParaRPr i="1"/>
+              <a:buSzPts val="1800"/>
+              <a:buChar char="●"/>
+            </a:pPr>
+            <a:r>
+              <a:rPr lang="en"/>
+              <a:t>Conditionals (if-elif-else statements): Conditionals allow you to make decisions in your code based on certain conditions. In Python, the if-elif-else statement is used to implement conditionals.</a:t>
+            </a:r>
+            <a:endParaRPr/>
           </a:p>
           <a:p>
             <a:pPr indent="0" lvl="0" marL="457200" rtl="0" algn="l">
@@ -10558,7 +10544,7 @@
             </a:pPr>
             <a:r>
               <a:rPr lang="en"/>
-              <a:t>Basic Data Types</a:t>
+              <a:t>About Me</a:t>
             </a:r>
             <a:endParaRPr/>
           </a:p>
@@ -10583,35 +10569,46 @@
         </p:spPr>
         <p:txBody>
           <a:bodyPr anchorCtr="0" anchor="t" bIns="91425" lIns="91425" spcFirstLastPara="1" rIns="91425" wrap="square" tIns="91425">
-            <a:normAutofit/>
+            <a:normAutofit fontScale="85000" lnSpcReduction="20000"/>
           </a:bodyPr>
           <a:lstStyle/>
           <a:p>
-            <a:pPr indent="-342900" lvl="0" marL="457200" rtl="0" algn="l">
-              <a:spcBef>
-                <a:spcPts val="0"/>
-              </a:spcBef>
-              <a:spcAft>
-                <a:spcPts val="0"/>
-              </a:spcAft>
-              <a:buSzPts val="1800"/>
-              <a:buChar char="●"/>
-            </a:pPr>
+            <a:pPr indent="0" lvl="0" marL="0" rtl="0" algn="l">
+              <a:spcBef>
+                <a:spcPts val="0"/>
+              </a:spcBef>
+              <a:spcAft>
+                <a:spcPts val="0"/>
+              </a:spcAft>
+              <a:buNone/>
+            </a:pPr>
+            <a:r>
+              <a:rPr b="1" lang="en"/>
+              <a:t>Current</a:t>
+            </a:r>
             <a:r>
               <a:rPr lang="en"/>
-              <a:t>Integer (</a:t>
-            </a:r>
-            <a:r>
-              <a:rPr lang="en">
-                <a:solidFill>
-                  <a:srgbClr val="FF0000"/>
-                </a:solidFill>
-              </a:rPr>
-              <a:t>int</a:t>
+              <a:t>: PhD student in Biomedical Health Informatics (2nd Year), specializing in Medical Data Science and Software Design.</a:t>
+            </a:r>
+            <a:endParaRPr/>
+          </a:p>
+          <a:p>
+            <a:pPr indent="0" lvl="0" marL="0" rtl="0" algn="l">
+              <a:spcBef>
+                <a:spcPts val="1200"/>
+              </a:spcBef>
+              <a:spcAft>
+                <a:spcPts val="0"/>
+              </a:spcAft>
+              <a:buNone/>
+            </a:pPr>
+            <a:r>
+              <a:rPr b="1" lang="en"/>
+              <a:t>Education</a:t>
             </a:r>
             <a:r>
               <a:rPr lang="en"/>
-              <a:t>): Integers are whole numbers without any fractional or decimal parts. For example: -5, 10, 0</a:t>
+              <a:t>:  MS in CS from the University of Wisconsin-Milwaukee.</a:t>
             </a:r>
             <a:endParaRPr/>
           </a:p>
@@ -10626,44 +10623,91 @@
               <a:buNone/>
             </a:pPr>
             <a:r>
+              <a:rPr b="1" lang="en"/>
+              <a:t>Recent to Past Experiences</a:t>
+            </a:r>
+            <a:r>
+              <a:rPr lang="en"/>
+              <a:t>: </a:t>
+            </a:r>
+            <a:endParaRPr/>
+          </a:p>
+          <a:p>
+            <a:pPr indent="457200" lvl="0" marL="0" rtl="0" algn="l">
+              <a:spcBef>
+                <a:spcPts val="1200"/>
+              </a:spcBef>
+              <a:spcAft>
+                <a:spcPts val="0"/>
+              </a:spcAft>
+              <a:buNone/>
+            </a:pPr>
+            <a:r>
+              <a:rPr lang="en"/>
+              <a:t>- Graduate Teaching Assistant at UWM – Computer Science department (2018 - present).</a:t>
+            </a:r>
+            <a:endParaRPr/>
+          </a:p>
+          <a:p>
+            <a:pPr indent="457200" lvl="0" marL="0" rtl="0" algn="l">
+              <a:spcBef>
+                <a:spcPts val="1200"/>
+              </a:spcBef>
+              <a:spcAft>
+                <a:spcPts val="0"/>
+              </a:spcAft>
+              <a:buNone/>
+            </a:pPr>
+            <a:r>
+              <a:rPr lang="en"/>
+              <a:t>- Artificial Intelligence Intern at NeoSoft (May 2022 - December 2022)</a:t>
+            </a:r>
+            <a:endParaRPr/>
+          </a:p>
+          <a:p>
+            <a:pPr indent="0" lvl="0" marL="457200" rtl="0" algn="l">
+              <a:spcBef>
+                <a:spcPts val="1200"/>
+              </a:spcBef>
+              <a:spcAft>
+                <a:spcPts val="0"/>
+              </a:spcAft>
+              <a:buNone/>
+            </a:pPr>
+            <a:r>
+              <a:rPr lang="en"/>
+              <a:t>- Software Engineer at Pearson Vue (2016 - 2018).</a:t>
+            </a:r>
+            <a:endParaRPr/>
+          </a:p>
+          <a:p>
+            <a:pPr indent="0" lvl="0" marL="457200" rtl="0" algn="l">
+              <a:spcBef>
+                <a:spcPts val="1200"/>
+              </a:spcBef>
+              <a:spcAft>
+                <a:spcPts val="0"/>
+              </a:spcAft>
+              <a:buNone/>
+            </a:pPr>
+            <a:r>
+              <a:rPr lang="en"/>
+              <a:t>- Java Developer at LexisNexis Risk Solutions (2015 - 2016).</a:t>
+            </a:r>
+            <a:endParaRPr/>
+          </a:p>
+          <a:p>
+            <a:pPr indent="0" lvl="0" marL="457200" rtl="0" algn="l">
+              <a:spcBef>
+                <a:spcPts val="1200"/>
+              </a:spcBef>
+              <a:spcAft>
+                <a:spcPts val="1200"/>
+              </a:spcAft>
+              <a:buNone/>
+            </a:pPr>
+            <a:r>
               <a:t/>
-            </a:r>
-            <a:endParaRPr/>
-          </a:p>
-          <a:p>
-            <a:pPr indent="-342900" lvl="0" marL="457200" rtl="0" algn="l">
-              <a:spcBef>
-                <a:spcPts val="1200"/>
-              </a:spcBef>
-              <a:spcAft>
-                <a:spcPts val="0"/>
-              </a:spcAft>
-              <a:buSzPts val="1800"/>
-              <a:buChar char="●"/>
-            </a:pPr>
-            <a:r>
-              <a:rPr lang="en"/>
-              <a:t>Floating point number (</a:t>
-            </a:r>
-            <a:r>
-              <a:rPr lang="en">
-                <a:solidFill>
-                  <a:srgbClr val="FF0000"/>
-                </a:solidFill>
-              </a:rPr>
-              <a:t>float</a:t>
-            </a:r>
-            <a:r>
-              <a:rPr lang="en"/>
-              <a:t>): Floating point numbers represent real numbers with both integer and fractional parts. They are </a:t>
-            </a:r>
-            <a:r>
-              <a:rPr lang="en"/>
-              <a:t>written</a:t>
-            </a:r>
-            <a:r>
-              <a:rPr lang="en"/>
-              <a:t> with a decimal point. For example: 3.14, -0.5, 2.0</a:t>
             </a:r>
             <a:endParaRPr/>
           </a:p>
@@ -10727,7 +10771,8 @@
               <a:buNone/>
             </a:pPr>
             <a:r>
-              <a:t/>
+              <a:rPr lang="en"/>
+              <a:t>Control Flow: Conditionals, Loops cont.</a:t>
             </a:r>
             <a:endParaRPr/>
           </a:p>
@@ -10752,16 +10797,142 @@
         </p:spPr>
         <p:txBody>
           <a:bodyPr anchorCtr="0" anchor="t" bIns="91425" lIns="91425" spcFirstLastPara="1" rIns="91425" wrap="square" tIns="91425">
-            <a:normAutofit/>
+            <a:normAutofit lnSpcReduction="20000"/>
           </a:bodyPr>
           <a:lstStyle/>
           <a:p>
-            <a:pPr indent="0" lvl="0" marL="0" rtl="0" algn="l">
-              <a:spcBef>
-                <a:spcPts val="0"/>
-              </a:spcBef>
-              <a:spcAft>
+            <a:pPr indent="0" lvl="0" marL="457200" rtl="0" algn="l">
+              <a:spcBef>
+                <a:spcPts val="0"/>
+              </a:spcBef>
+              <a:spcAft>
+                <a:spcPts val="0"/>
+              </a:spcAft>
+              <a:buClr>
+                <a:schemeClr val="dk1"/>
+              </a:buClr>
+              <a:buSzPts val="1100"/>
+              <a:buFont typeface="Arial"/>
+              <a:buNone/>
+            </a:pPr>
+            <a:r>
+              <a:rPr i="1" lang="en"/>
+              <a:t>if condition1:</a:t>
+            </a:r>
+            <a:endParaRPr i="1"/>
+          </a:p>
+          <a:p>
+            <a:pPr indent="0" lvl="0" marL="457200" rtl="0" algn="l">
+              <a:spcBef>
                 <a:spcPts val="1200"/>
+              </a:spcBef>
+              <a:spcAft>
+                <a:spcPts val="0"/>
+              </a:spcAft>
+              <a:buClr>
+                <a:schemeClr val="dk1"/>
+              </a:buClr>
+              <a:buSzPts val="1100"/>
+              <a:buFont typeface="Arial"/>
+              <a:buNone/>
+            </a:pPr>
+            <a:r>
+              <a:rPr i="1" lang="en"/>
+              <a:t>   # code to execute if condition1 is True</a:t>
+            </a:r>
+            <a:endParaRPr i="1"/>
+          </a:p>
+          <a:p>
+            <a:pPr indent="0" lvl="0" marL="457200" rtl="0" algn="l">
+              <a:spcBef>
+                <a:spcPts val="1200"/>
+              </a:spcBef>
+              <a:spcAft>
+                <a:spcPts val="0"/>
+              </a:spcAft>
+              <a:buClr>
+                <a:schemeClr val="dk1"/>
+              </a:buClr>
+              <a:buSzPts val="1100"/>
+              <a:buFont typeface="Arial"/>
+              <a:buNone/>
+            </a:pPr>
+            <a:r>
+              <a:rPr i="1" lang="en"/>
+              <a:t>elif condition2:</a:t>
+            </a:r>
+            <a:endParaRPr i="1"/>
+          </a:p>
+          <a:p>
+            <a:pPr indent="0" lvl="0" marL="457200" rtl="0" algn="l">
+              <a:spcBef>
+                <a:spcPts val="1200"/>
+              </a:spcBef>
+              <a:spcAft>
+                <a:spcPts val="0"/>
+              </a:spcAft>
+              <a:buClr>
+                <a:schemeClr val="dk1"/>
+              </a:buClr>
+              <a:buSzPts val="1100"/>
+              <a:buFont typeface="Arial"/>
+              <a:buNone/>
+            </a:pPr>
+            <a:r>
+              <a:rPr i="1" lang="en"/>
+              <a:t>  # code to execute if condition2 is True</a:t>
+            </a:r>
+            <a:endParaRPr i="1"/>
+          </a:p>
+          <a:p>
+            <a:pPr indent="0" lvl="0" marL="457200" rtl="0" algn="l">
+              <a:spcBef>
+                <a:spcPts val="1200"/>
+              </a:spcBef>
+              <a:spcAft>
+                <a:spcPts val="0"/>
+              </a:spcAft>
+              <a:buClr>
+                <a:schemeClr val="dk1"/>
+              </a:buClr>
+              <a:buSzPts val="1100"/>
+              <a:buFont typeface="Arial"/>
+              <a:buNone/>
+            </a:pPr>
+            <a:r>
+              <a:rPr i="1" lang="en"/>
+              <a:t>else:</a:t>
+            </a:r>
+            <a:endParaRPr i="1"/>
+          </a:p>
+          <a:p>
+            <a:pPr indent="0" lvl="0" marL="457200" rtl="0" algn="l">
+              <a:spcBef>
+                <a:spcPts val="1200"/>
+              </a:spcBef>
+              <a:spcAft>
+                <a:spcPts val="0"/>
+              </a:spcAft>
+              <a:buClr>
+                <a:schemeClr val="dk1"/>
+              </a:buClr>
+              <a:buSzPts val="1100"/>
+              <a:buFont typeface="Arial"/>
+              <a:buNone/>
+            </a:pPr>
+            <a:r>
+              <a:rPr i="1" lang="en"/>
+              <a:t>    # code to execute if neither condition1 nor condition2 is True</a:t>
+            </a:r>
+            <a:endParaRPr i="1"/>
+          </a:p>
+          <a:p>
+            <a:pPr indent="0" lvl="0" marL="457200" rtl="0" algn="l">
+              <a:spcBef>
+                <a:spcPts val="1200"/>
+              </a:spcBef>
+              <a:spcAft>
+                <a:spcPts val="0"/>
               </a:spcAft>
               <a:buNone/>
             </a:pPr>
@@ -10770,36 +10941,23 @@
             </a:r>
             <a:endParaRPr/>
           </a:p>
+          <a:p>
+            <a:pPr indent="0" lvl="0" marL="457200" rtl="0" algn="l">
+              <a:spcBef>
+                <a:spcPts val="1200"/>
+              </a:spcBef>
+              <a:spcAft>
+                <a:spcPts val="1200"/>
+              </a:spcAft>
+              <a:buNone/>
+            </a:pPr>
+            <a:r>
+              <a:t/>
+            </a:r>
+            <a:endParaRPr/>
+          </a:p>
         </p:txBody>
       </p:sp>
-      <p:pic>
-        <p:nvPicPr>
-          <p:cNvPr id="180" name="Google Shape;180;p32"/>
-          <p:cNvPicPr preferRelativeResize="0"/>
-          <p:nvPr/>
-        </p:nvPicPr>
-        <p:blipFill>
-          <a:blip r:embed="rId3">
-            <a:alphaModFix/>
-          </a:blip>
-          <a:stretch>
-            <a:fillRect/>
-          </a:stretch>
-        </p:blipFill>
-        <p:spPr>
-          <a:xfrm>
-            <a:off x="0" y="959458"/>
-            <a:ext cx="9144002" cy="3224585"/>
-          </a:xfrm>
-          <a:prstGeom prst="rect">
-            <a:avLst/>
-          </a:prstGeom>
-          <a:noFill/>
-          <a:ln>
-            <a:noFill/>
-          </a:ln>
-        </p:spPr>
-      </p:pic>
     </p:spTree>
   </p:cSld>
   <p:clrMapOvr>
@@ -10813,7 +10971,7 @@
   <p:cSld>
     <p:spTree>
       <p:nvGrpSpPr>
-        <p:cNvPr id="184" name="Shape 184"/>
+        <p:cNvPr id="183" name="Shape 183"/>
         <p:cNvGrpSpPr/>
         <p:nvPr/>
       </p:nvGrpSpPr>
@@ -10827,7 +10985,7 @@
       </p:grpSpPr>
       <p:sp>
         <p:nvSpPr>
-          <p:cNvPr id="185" name="Google Shape;185;p33"/>
+          <p:cNvPr id="184" name="Google Shape;184;p33"/>
           <p:cNvSpPr txBox="1"/>
           <p:nvPr>
             <p:ph type="title"/>
@@ -10858,8 +11016,7 @@
               <a:buNone/>
             </a:pPr>
             <a:r>
-              <a:rPr lang="en"/>
-              <a:t>Control Flow: Conditionals, Loops cont.</a:t>
+              <a:t/>
             </a:r>
             <a:endParaRPr/>
           </a:p>
@@ -10867,7 +11024,7 @@
       </p:sp>
       <p:sp>
         <p:nvSpPr>
-          <p:cNvPr id="186" name="Google Shape;186;p33"/>
+          <p:cNvPr id="185" name="Google Shape;185;p33"/>
           <p:cNvSpPr txBox="1"/>
           <p:nvPr>
             <p:ph idx="1" type="body"/>
@@ -10884,144 +11041,16 @@
         </p:spPr>
         <p:txBody>
           <a:bodyPr anchorCtr="0" anchor="t" bIns="91425" lIns="91425" spcFirstLastPara="1" rIns="91425" wrap="square" tIns="91425">
-            <a:normAutofit fontScale="92500" lnSpcReduction="20000"/>
+            <a:normAutofit/>
           </a:bodyPr>
           <a:lstStyle/>
           <a:p>
-            <a:pPr indent="-334327" lvl="0" marL="457200" rtl="0" algn="l">
-              <a:spcBef>
-                <a:spcPts val="0"/>
-              </a:spcBef>
-              <a:spcAft>
-                <a:spcPts val="0"/>
-              </a:spcAft>
-              <a:buSzPct val="100000"/>
-              <a:buChar char="●"/>
-            </a:pPr>
-            <a:r>
-              <a:rPr lang="en"/>
-              <a:t>For Loops: For loops allow you to iterate over a sequence (such as a list, tuple, or string) or any iterable object in Python. The basic syntax is as follows:</a:t>
-            </a:r>
-            <a:endParaRPr/>
-          </a:p>
-          <a:p>
-            <a:pPr indent="0" lvl="0" marL="457200" rtl="0" algn="l">
-              <a:spcBef>
+            <a:pPr indent="0" lvl="0" marL="0" rtl="0" algn="l">
+              <a:spcBef>
+                <a:spcPts val="0"/>
+              </a:spcBef>
+              <a:spcAft>
                 <a:spcPts val="1200"/>
-              </a:spcBef>
-              <a:spcAft>
-                <a:spcPts val="0"/>
-              </a:spcAft>
-              <a:buNone/>
-            </a:pPr>
-            <a:r>
-              <a:rPr i="1" lang="en"/>
-              <a:t>for item in sequence:</a:t>
-            </a:r>
-            <a:endParaRPr i="1"/>
-          </a:p>
-          <a:p>
-            <a:pPr indent="457200" lvl="0" marL="457200" rtl="0" algn="l">
-              <a:spcBef>
-                <a:spcPts val="1200"/>
-              </a:spcBef>
-              <a:spcAft>
-                <a:spcPts val="0"/>
-              </a:spcAft>
-              <a:buNone/>
-            </a:pPr>
-            <a:r>
-              <a:rPr i="1" lang="en"/>
-              <a:t># code to execute for each item in the sequence</a:t>
-            </a:r>
-            <a:endParaRPr i="1"/>
-          </a:p>
-          <a:p>
-            <a:pPr indent="-334327" lvl="0" marL="914400" rtl="0" algn="l">
-              <a:spcBef>
-                <a:spcPts val="1200"/>
-              </a:spcBef>
-              <a:spcAft>
-                <a:spcPts val="0"/>
-              </a:spcAft>
-              <a:buSzPct val="100000"/>
-              <a:buChar char="●"/>
-            </a:pPr>
-            <a:r>
-              <a:rPr lang="en"/>
-              <a:t>The </a:t>
-            </a:r>
-            <a:r>
-              <a:rPr lang="en">
-                <a:solidFill>
-                  <a:srgbClr val="FF0000"/>
-                </a:solidFill>
-              </a:rPr>
-              <a:t>for</a:t>
-            </a:r>
-            <a:r>
-              <a:rPr lang="en"/>
-              <a:t> keyword is used to start the loop.</a:t>
-            </a:r>
-            <a:endParaRPr/>
-          </a:p>
-          <a:p>
-            <a:pPr indent="-334327" lvl="0" marL="914400" rtl="0" algn="l">
-              <a:spcBef>
-                <a:spcPts val="0"/>
-              </a:spcBef>
-              <a:spcAft>
-                <a:spcPts val="0"/>
-              </a:spcAft>
-              <a:buSzPct val="100000"/>
-              <a:buChar char="●"/>
-            </a:pPr>
-            <a:r>
-              <a:rPr lang="en">
-                <a:solidFill>
-                  <a:srgbClr val="FF0000"/>
-                </a:solidFill>
-              </a:rPr>
-              <a:t>item</a:t>
-            </a:r>
-            <a:r>
-              <a:rPr lang="en"/>
-              <a:t> is a variable that represents the current item in the sequence for each iteration.</a:t>
-            </a:r>
-            <a:endParaRPr/>
-          </a:p>
-          <a:p>
-            <a:pPr indent="-334327" lvl="0" marL="914400" rtl="0" algn="l">
-              <a:spcBef>
-                <a:spcPts val="0"/>
-              </a:spcBef>
-              <a:spcAft>
-                <a:spcPts val="0"/>
-              </a:spcAft>
-              <a:buSzPct val="100000"/>
-              <a:buChar char="●"/>
-            </a:pPr>
-            <a:r>
-              <a:rPr lang="en">
-                <a:solidFill>
-                  <a:srgbClr val="FF0000"/>
-                </a:solidFill>
-              </a:rPr>
-              <a:t>sequence</a:t>
-            </a:r>
-            <a:r>
-              <a:rPr lang="en"/>
-              <a:t> is the iterable object that the loop iterates over.</a:t>
-            </a:r>
-            <a:endParaRPr/>
-          </a:p>
-          <a:p>
-            <a:pPr indent="0" lvl="0" marL="0" rtl="0" algn="l">
-              <a:spcBef>
-                <a:spcPts val="1200"/>
-              </a:spcBef>
-              <a:spcAft>
-                <a:spcPts val="0"/>
               </a:spcAft>
               <a:buNone/>
             </a:pPr>
@@ -11030,23 +11059,36 @@
             </a:r>
             <a:endParaRPr/>
           </a:p>
-          <a:p>
-            <a:pPr indent="0" lvl="0" marL="0" rtl="0" algn="l">
-              <a:spcBef>
-                <a:spcPts val="1200"/>
-              </a:spcBef>
-              <a:spcAft>
-                <a:spcPts val="1200"/>
-              </a:spcAft>
-              <a:buNone/>
-            </a:pPr>
-            <a:r>
-              <a:t/>
-            </a:r>
-            <a:endParaRPr/>
-          </a:p>
         </p:txBody>
       </p:sp>
+      <p:pic>
+        <p:nvPicPr>
+          <p:cNvPr id="186" name="Google Shape;186;p33"/>
+          <p:cNvPicPr preferRelativeResize="0"/>
+          <p:nvPr/>
+        </p:nvPicPr>
+        <p:blipFill>
+          <a:blip r:embed="rId3">
+            <a:alphaModFix/>
+          </a:blip>
+          <a:stretch>
+            <a:fillRect/>
+          </a:stretch>
+        </p:blipFill>
+        <p:spPr>
+          <a:xfrm>
+            <a:off x="0" y="959458"/>
+            <a:ext cx="9144002" cy="3224585"/>
+          </a:xfrm>
+          <a:prstGeom prst="rect">
+            <a:avLst/>
+          </a:prstGeom>
+          <a:noFill/>
+          <a:ln>
+            <a:noFill/>
+          </a:ln>
+        </p:spPr>
+      </p:pic>
     </p:spTree>
   </p:cSld>
   <p:clrMapOvr>
@@ -11105,7 +11147,8 @@
               <a:buNone/>
             </a:pPr>
             <a:r>
-              <a:t/>
+              <a:rPr lang="en"/>
+              <a:t>Control Flow: Conditionals, Loops cont.</a:t>
             </a:r>
             <a:endParaRPr/>
           </a:p>
@@ -11130,16 +11173,144 @@
         </p:spPr>
         <p:txBody>
           <a:bodyPr anchorCtr="0" anchor="t" bIns="91425" lIns="91425" spcFirstLastPara="1" rIns="91425" wrap="square" tIns="91425">
-            <a:normAutofit/>
+            <a:normAutofit fontScale="92500" lnSpcReduction="20000"/>
           </a:bodyPr>
           <a:lstStyle/>
           <a:p>
+            <a:pPr indent="-334327" lvl="0" marL="457200" rtl="0" algn="l">
+              <a:spcBef>
+                <a:spcPts val="0"/>
+              </a:spcBef>
+              <a:spcAft>
+                <a:spcPts val="0"/>
+              </a:spcAft>
+              <a:buSzPct val="100000"/>
+              <a:buChar char="●"/>
+            </a:pPr>
+            <a:r>
+              <a:rPr lang="en"/>
+              <a:t>For Loops: For loops allow you to iterate over a sequence (such as a list, tuple, or string) or any iterable object in Python. The basic syntax is as follows:</a:t>
+            </a:r>
+            <a:endParaRPr/>
+          </a:p>
+          <a:p>
+            <a:pPr indent="0" lvl="0" marL="457200" rtl="0" algn="l">
+              <a:spcBef>
+                <a:spcPts val="1200"/>
+              </a:spcBef>
+              <a:spcAft>
+                <a:spcPts val="0"/>
+              </a:spcAft>
+              <a:buNone/>
+            </a:pPr>
+            <a:r>
+              <a:rPr i="1" lang="en"/>
+              <a:t>for item in sequence:</a:t>
+            </a:r>
+            <a:endParaRPr i="1"/>
+          </a:p>
+          <a:p>
+            <a:pPr indent="457200" lvl="0" marL="457200" rtl="0" algn="l">
+              <a:spcBef>
+                <a:spcPts val="1200"/>
+              </a:spcBef>
+              <a:spcAft>
+                <a:spcPts val="0"/>
+              </a:spcAft>
+              <a:buNone/>
+            </a:pPr>
+            <a:r>
+              <a:rPr i="1" lang="en"/>
+              <a:t># code to execute for each item in the sequence</a:t>
+            </a:r>
+            <a:endParaRPr i="1"/>
+          </a:p>
+          <a:p>
+            <a:pPr indent="-334327" lvl="0" marL="914400" rtl="0" algn="l">
+              <a:spcBef>
+                <a:spcPts val="1200"/>
+              </a:spcBef>
+              <a:spcAft>
+                <a:spcPts val="0"/>
+              </a:spcAft>
+              <a:buSzPct val="100000"/>
+              <a:buChar char="●"/>
+            </a:pPr>
+            <a:r>
+              <a:rPr lang="en"/>
+              <a:t>The </a:t>
+            </a:r>
+            <a:r>
+              <a:rPr lang="en">
+                <a:solidFill>
+                  <a:srgbClr val="FF0000"/>
+                </a:solidFill>
+              </a:rPr>
+              <a:t>for</a:t>
+            </a:r>
+            <a:r>
+              <a:rPr lang="en"/>
+              <a:t> keyword is used to start the loop.</a:t>
+            </a:r>
+            <a:endParaRPr/>
+          </a:p>
+          <a:p>
+            <a:pPr indent="-334327" lvl="0" marL="914400" rtl="0" algn="l">
+              <a:spcBef>
+                <a:spcPts val="0"/>
+              </a:spcBef>
+              <a:spcAft>
+                <a:spcPts val="0"/>
+              </a:spcAft>
+              <a:buSzPct val="100000"/>
+              <a:buChar char="●"/>
+            </a:pPr>
+            <a:r>
+              <a:rPr lang="en">
+                <a:solidFill>
+                  <a:srgbClr val="FF0000"/>
+                </a:solidFill>
+              </a:rPr>
+              <a:t>item</a:t>
+            </a:r>
+            <a:r>
+              <a:rPr lang="en"/>
+              <a:t> is a variable that represents the current item in the sequence for each iteration.</a:t>
+            </a:r>
+            <a:endParaRPr/>
+          </a:p>
+          <a:p>
+            <a:pPr indent="-334327" lvl="0" marL="914400" rtl="0" algn="l">
+              <a:spcBef>
+                <a:spcPts val="0"/>
+              </a:spcBef>
+              <a:spcAft>
+                <a:spcPts val="0"/>
+              </a:spcAft>
+              <a:buSzPct val="100000"/>
+              <a:buChar char="●"/>
+            </a:pPr>
+            <a:r>
+              <a:rPr lang="en">
+                <a:solidFill>
+                  <a:srgbClr val="FF0000"/>
+                </a:solidFill>
+              </a:rPr>
+              <a:t>sequence</a:t>
+            </a:r>
+            <a:r>
+              <a:rPr lang="en"/>
+              <a:t> is the iterable object that the loop iterates over.</a:t>
+            </a:r>
+            <a:endParaRPr/>
+          </a:p>
+          <a:p>
             <a:pPr indent="0" lvl="0" marL="0" rtl="0" algn="l">
               <a:spcBef>
-                <a:spcPts val="0"/>
-              </a:spcBef>
-              <a:spcAft>
                 <a:spcPts val="1200"/>
+              </a:spcBef>
+              <a:spcAft>
+                <a:spcPts val="0"/>
               </a:spcAft>
               <a:buNone/>
             </a:pPr>
@@ -11148,36 +11319,23 @@
             </a:r>
             <a:endParaRPr/>
           </a:p>
+          <a:p>
+            <a:pPr indent="0" lvl="0" marL="0" rtl="0" algn="l">
+              <a:spcBef>
+                <a:spcPts val="1200"/>
+              </a:spcBef>
+              <a:spcAft>
+                <a:spcPts val="1200"/>
+              </a:spcAft>
+              <a:buNone/>
+            </a:pPr>
+            <a:r>
+              <a:t/>
+            </a:r>
+            <a:endParaRPr/>
+          </a:p>
         </p:txBody>
       </p:sp>
-      <p:pic>
-        <p:nvPicPr>
-          <p:cNvPr id="193" name="Google Shape;193;p34"/>
-          <p:cNvPicPr preferRelativeResize="0"/>
-          <p:nvPr/>
-        </p:nvPicPr>
-        <p:blipFill>
-          <a:blip r:embed="rId3">
-            <a:alphaModFix/>
-          </a:blip>
-          <a:stretch>
-            <a:fillRect/>
-          </a:stretch>
-        </p:blipFill>
-        <p:spPr>
-          <a:xfrm>
-            <a:off x="0" y="1196043"/>
-            <a:ext cx="9144002" cy="2751414"/>
-          </a:xfrm>
-          <a:prstGeom prst="rect">
-            <a:avLst/>
-          </a:prstGeom>
-          <a:noFill/>
-          <a:ln>
-            <a:noFill/>
-          </a:ln>
-        </p:spPr>
-      </p:pic>
     </p:spTree>
   </p:cSld>
   <p:clrMapOvr>
@@ -11191,7 +11349,7 @@
   <p:cSld>
     <p:spTree>
       <p:nvGrpSpPr>
-        <p:cNvPr id="197" name="Shape 197"/>
+        <p:cNvPr id="196" name="Shape 196"/>
         <p:cNvGrpSpPr/>
         <p:nvPr/>
       </p:nvGrpSpPr>
@@ -11205,7 +11363,7 @@
       </p:grpSpPr>
       <p:sp>
         <p:nvSpPr>
-          <p:cNvPr id="198" name="Google Shape;198;p35"/>
+          <p:cNvPr id="197" name="Google Shape;197;p35"/>
           <p:cNvSpPr txBox="1"/>
           <p:nvPr>
             <p:ph type="title"/>
@@ -11244,7 +11402,7 @@
       </p:sp>
       <p:sp>
         <p:nvSpPr>
-          <p:cNvPr id="199" name="Google Shape;199;p35"/>
+          <p:cNvPr id="198" name="Google Shape;198;p35"/>
           <p:cNvSpPr txBox="1"/>
           <p:nvPr>
             <p:ph idx="1" type="body"/>
@@ -11283,7 +11441,7 @@
       </p:sp>
       <p:pic>
         <p:nvPicPr>
-          <p:cNvPr id="200" name="Google Shape;200;p35"/>
+          <p:cNvPr id="199" name="Google Shape;199;p35"/>
           <p:cNvPicPr preferRelativeResize="0"/>
           <p:nvPr/>
         </p:nvPicPr>
@@ -11322,7 +11480,7 @@
   <p:cSld>
     <p:spTree>
       <p:nvGrpSpPr>
-        <p:cNvPr id="204" name="Shape 204"/>
+        <p:cNvPr id="203" name="Shape 203"/>
         <p:cNvGrpSpPr/>
         <p:nvPr/>
       </p:nvGrpSpPr>
@@ -11336,7 +11494,7 @@
       </p:grpSpPr>
       <p:sp>
         <p:nvSpPr>
-          <p:cNvPr id="205" name="Google Shape;205;p36"/>
+          <p:cNvPr id="204" name="Google Shape;204;p36"/>
           <p:cNvSpPr txBox="1"/>
           <p:nvPr>
             <p:ph type="title"/>
@@ -11367,8 +11525,7 @@
               <a:buNone/>
             </a:pPr>
             <a:r>
-              <a:rPr lang="en"/>
-              <a:t>Control Flow: While Loops</a:t>
+              <a:t/>
             </a:r>
             <a:endParaRPr/>
           </a:p>
@@ -11376,7 +11533,7 @@
       </p:sp>
       <p:sp>
         <p:nvSpPr>
-          <p:cNvPr id="206" name="Google Shape;206;p36"/>
+          <p:cNvPr id="205" name="Google Shape;205;p36"/>
           <p:cNvSpPr txBox="1"/>
           <p:nvPr>
             <p:ph idx="1" type="body"/>
@@ -11393,33 +11550,16 @@
         </p:spPr>
         <p:txBody>
           <a:bodyPr anchorCtr="0" anchor="t" bIns="91425" lIns="91425" spcFirstLastPara="1" rIns="91425" wrap="square" tIns="91425">
-            <a:normAutofit lnSpcReduction="10000"/>
+            <a:normAutofit/>
           </a:bodyPr>
           <a:lstStyle/>
           <a:p>
-            <a:pPr indent="-342900" lvl="0" marL="457200" rtl="0" algn="l">
-              <a:spcBef>
-                <a:spcPts val="0"/>
-              </a:spcBef>
-              <a:spcAft>
-                <a:spcPts val="0"/>
-              </a:spcAft>
-              <a:buSzPts val="1800"/>
-              <a:buChar char="●"/>
-            </a:pPr>
-            <a:r>
-              <a:rPr lang="en"/>
-              <a:t>The while loop in Python allows you to repeatedly execute a block of code as long as a certain condition remains true. It is useful when you want to perform a task repeatedly until a specific condition is met.</a:t>
-            </a:r>
-            <a:endParaRPr/>
-          </a:p>
-          <a:p>
-            <a:pPr indent="0" lvl="0" marL="457200" rtl="0" algn="l">
-              <a:spcBef>
+            <a:pPr indent="0" lvl="0" marL="0" rtl="0" algn="l">
+              <a:spcBef>
+                <a:spcPts val="0"/>
+              </a:spcBef>
+              <a:spcAft>
                 <a:spcPts val="1200"/>
-              </a:spcBef>
-              <a:spcAft>
-                <a:spcPts val="0"/>
               </a:spcAft>
               <a:buNone/>
             </a:pPr>
@@ -11428,72 +11568,36 @@
             </a:r>
             <a:endParaRPr/>
           </a:p>
-          <a:p>
-            <a:pPr indent="-342900" lvl="0" marL="457200" rtl="0" algn="l">
-              <a:spcBef>
-                <a:spcPts val="1200"/>
-              </a:spcBef>
-              <a:spcAft>
-                <a:spcPts val="0"/>
-              </a:spcAft>
-              <a:buSzPts val="1800"/>
-              <a:buChar char="●"/>
-            </a:pPr>
-            <a:r>
-              <a:rPr lang="en"/>
-              <a:t>The basic syntax of a while loop is as follows:</a:t>
-            </a:r>
-            <a:endParaRPr/>
-          </a:p>
-          <a:p>
-            <a:pPr indent="0" lvl="0" marL="457200" rtl="0" algn="l">
-              <a:spcBef>
-                <a:spcPts val="1200"/>
-              </a:spcBef>
-              <a:spcAft>
-                <a:spcPts val="0"/>
-              </a:spcAft>
-              <a:buNone/>
-            </a:pPr>
-            <a:r>
-              <a:rPr i="1" lang="en"/>
-              <a:t>while condition:</a:t>
-            </a:r>
-            <a:endParaRPr i="1"/>
-          </a:p>
-          <a:p>
-            <a:pPr indent="0" lvl="0" marL="457200" rtl="0" algn="l">
-              <a:spcBef>
-                <a:spcPts val="1200"/>
-              </a:spcBef>
-              <a:spcAft>
-                <a:spcPts val="0"/>
-              </a:spcAft>
-              <a:buNone/>
-            </a:pPr>
-            <a:r>
-              <a:rPr i="1" lang="en"/>
-              <a:t>    # code to execute while the condition is True</a:t>
-            </a:r>
-            <a:endParaRPr i="1"/>
-          </a:p>
-          <a:p>
-            <a:pPr indent="0" lvl="0" marL="457200" rtl="0" algn="l">
-              <a:spcBef>
-                <a:spcPts val="1200"/>
-              </a:spcBef>
-              <a:spcAft>
-                <a:spcPts val="1200"/>
-              </a:spcAft>
-              <a:buNone/>
-            </a:pPr>
-            <a:r>
-              <a:t/>
-            </a:r>
-            <a:endParaRPr/>
-          </a:p>
         </p:txBody>
       </p:sp>
+      <p:pic>
+        <p:nvPicPr>
+          <p:cNvPr id="206" name="Google Shape;206;p36"/>
+          <p:cNvPicPr preferRelativeResize="0"/>
+          <p:nvPr/>
+        </p:nvPicPr>
+        <p:blipFill>
+          <a:blip r:embed="rId3">
+            <a:alphaModFix/>
+          </a:blip>
+          <a:stretch>
+            <a:fillRect/>
+          </a:stretch>
+        </p:blipFill>
+        <p:spPr>
+          <a:xfrm>
+            <a:off x="0" y="1196043"/>
+            <a:ext cx="9144002" cy="2751414"/>
+          </a:xfrm>
+          <a:prstGeom prst="rect">
+            <a:avLst/>
+          </a:prstGeom>
+          <a:noFill/>
+          <a:ln>
+            <a:noFill/>
+          </a:ln>
+        </p:spPr>
+      </p:pic>
     </p:spTree>
   </p:cSld>
   <p:clrMapOvr>
@@ -11553,7 +11657,7 @@
             </a:pPr>
             <a:r>
               <a:rPr lang="en"/>
-              <a:t>Control Flow: While Loops cont.</a:t>
+              <a:t>Control Flow: While Loops</a:t>
             </a:r>
             <a:endParaRPr/>
           </a:p>
@@ -11578,7 +11682,7 @@
         </p:spPr>
         <p:txBody>
           <a:bodyPr anchorCtr="0" anchor="t" bIns="91425" lIns="91425" spcFirstLastPara="1" rIns="91425" wrap="square" tIns="91425">
-            <a:normAutofit/>
+            <a:normAutofit lnSpcReduction="10000"/>
           </a:bodyPr>
           <a:lstStyle/>
           <a:p>
@@ -11594,19 +11698,7 @@
             </a:pPr>
             <a:r>
               <a:rPr lang="en"/>
-              <a:t>The </a:t>
-            </a:r>
-            <a:r>
-              <a:rPr lang="en">
-                <a:solidFill>
-                  <a:srgbClr val="FF0000"/>
-                </a:solidFill>
-              </a:rPr>
-              <a:t>while</a:t>
-            </a:r>
-            <a:r>
-              <a:rPr lang="en"/>
-              <a:t> keyword is used to start the loop.</a:t>
+              <a:t>The while loop in Python allows you to repeatedly execute a block of code as long as a certain condition remains true. It is useful when you want to perform a task repeatedly until a specific condition is met.</a:t>
             </a:r>
             <a:endParaRPr/>
           </a:p>
@@ -11637,16 +11729,8 @@
               <a:buChar char="●"/>
             </a:pPr>
             <a:r>
-              <a:rPr lang="en">
-                <a:solidFill>
-                  <a:srgbClr val="FF0000"/>
-                </a:solidFill>
-              </a:rPr>
-              <a:t>condition</a:t>
-            </a:r>
-            <a:r>
               <a:rPr lang="en"/>
-              <a:t> is an expression that is evaluated before each iteration. If the condition is true, the code block under the while loop is executed.</a:t>
+              <a:t>The basic syntax of a while loop is as follows:</a:t>
             </a:r>
             <a:endParaRPr/>
           </a:p>
@@ -11661,24 +11745,39 @@
               <a:buNone/>
             </a:pPr>
             <a:r>
+              <a:rPr i="1" lang="en"/>
+              <a:t>while condition:</a:t>
+            </a:r>
+            <a:endParaRPr i="1"/>
+          </a:p>
+          <a:p>
+            <a:pPr indent="0" lvl="0" marL="457200" rtl="0" algn="l">
+              <a:spcBef>
+                <a:spcPts val="1200"/>
+              </a:spcBef>
+              <a:spcAft>
+                <a:spcPts val="0"/>
+              </a:spcAft>
+              <a:buNone/>
+            </a:pPr>
+            <a:r>
+              <a:rPr i="1" lang="en"/>
+              <a:t>    # code to execute while the condition is True</a:t>
+            </a:r>
+            <a:endParaRPr i="1"/>
+          </a:p>
+          <a:p>
+            <a:pPr indent="0" lvl="0" marL="457200" rtl="0" algn="l">
+              <a:spcBef>
+                <a:spcPts val="1200"/>
+              </a:spcBef>
+              <a:spcAft>
+                <a:spcPts val="1200"/>
+              </a:spcAft>
+              <a:buNone/>
+            </a:pPr>
+            <a:r>
               <a:t/>
-            </a:r>
-            <a:endParaRPr/>
-          </a:p>
-          <a:p>
-            <a:pPr indent="-342900" lvl="0" marL="457200" rtl="0" algn="l">
-              <a:spcBef>
-                <a:spcPts val="1200"/>
-              </a:spcBef>
-              <a:spcAft>
-                <a:spcPts val="0"/>
-              </a:spcAft>
-              <a:buSzPts val="1800"/>
-              <a:buChar char="●"/>
-            </a:pPr>
-            <a:r>
-              <a:rPr lang="en"/>
-              <a:t>If the condition is false, the program exits the loop and continues with the next line of code after the loop.</a:t>
             </a:r>
             <a:endParaRPr/>
           </a:p>
@@ -11742,7 +11841,8 @@
               <a:buNone/>
             </a:pPr>
             <a:r>
-              <a:t/>
+              <a:rPr lang="en"/>
+              <a:t>Control Flow: While Loops cont.</a:t>
             </a:r>
             <a:endParaRPr/>
           </a:p>
@@ -11771,12 +11871,41 @@
           </a:bodyPr>
           <a:lstStyle/>
           <a:p>
-            <a:pPr indent="0" lvl="0" marL="0" rtl="0" algn="l">
-              <a:spcBef>
-                <a:spcPts val="0"/>
-              </a:spcBef>
-              <a:spcAft>
+            <a:pPr indent="-342900" lvl="0" marL="457200" rtl="0" algn="l">
+              <a:spcBef>
+                <a:spcPts val="0"/>
+              </a:spcBef>
+              <a:spcAft>
+                <a:spcPts val="0"/>
+              </a:spcAft>
+              <a:buSzPts val="1800"/>
+              <a:buChar char="●"/>
+            </a:pPr>
+            <a:r>
+              <a:rPr lang="en"/>
+              <a:t>The </a:t>
+            </a:r>
+            <a:r>
+              <a:rPr lang="en">
+                <a:solidFill>
+                  <a:srgbClr val="FF0000"/>
+                </a:solidFill>
+              </a:rPr>
+              <a:t>while</a:t>
+            </a:r>
+            <a:r>
+              <a:rPr lang="en"/>
+              <a:t> keyword is used to start the loop.</a:t>
+            </a:r>
+            <a:endParaRPr/>
+          </a:p>
+          <a:p>
+            <a:pPr indent="0" lvl="0" marL="457200" rtl="0" algn="l">
+              <a:spcBef>
                 <a:spcPts val="1200"/>
+              </a:spcBef>
+              <a:spcAft>
+                <a:spcPts val="0"/>
               </a:spcAft>
               <a:buNone/>
             </a:pPr>
@@ -11785,36 +11914,65 @@
             </a:r>
             <a:endParaRPr/>
           </a:p>
+          <a:p>
+            <a:pPr indent="-342900" lvl="0" marL="457200" rtl="0" algn="l">
+              <a:spcBef>
+                <a:spcPts val="1200"/>
+              </a:spcBef>
+              <a:spcAft>
+                <a:spcPts val="0"/>
+              </a:spcAft>
+              <a:buSzPts val="1800"/>
+              <a:buChar char="●"/>
+            </a:pPr>
+            <a:r>
+              <a:rPr lang="en">
+                <a:solidFill>
+                  <a:srgbClr val="FF0000"/>
+                </a:solidFill>
+              </a:rPr>
+              <a:t>condition</a:t>
+            </a:r>
+            <a:r>
+              <a:rPr lang="en"/>
+              <a:t> is an expression that is evaluated before each iteration. If the condition is true, the code block under the while loop is executed.</a:t>
+            </a:r>
+            <a:endParaRPr/>
+          </a:p>
+          <a:p>
+            <a:pPr indent="0" lvl="0" marL="457200" rtl="0" algn="l">
+              <a:spcBef>
+                <a:spcPts val="1200"/>
+              </a:spcBef>
+              <a:spcAft>
+                <a:spcPts val="0"/>
+              </a:spcAft>
+              <a:buNone/>
+            </a:pPr>
+            <a:r>
+              <a:t/>
+            </a:r>
+            <a:endParaRPr/>
+          </a:p>
+          <a:p>
+            <a:pPr indent="-342900" lvl="0" marL="457200" rtl="0" algn="l">
+              <a:spcBef>
+                <a:spcPts val="1200"/>
+              </a:spcBef>
+              <a:spcAft>
+                <a:spcPts val="0"/>
+              </a:spcAft>
+              <a:buSzPts val="1800"/>
+              <a:buChar char="●"/>
+            </a:pPr>
+            <a:r>
+              <a:rPr lang="en"/>
+              <a:t>If the condition is false, the program exits the loop and continues with the next line of code after the loop.</a:t>
+            </a:r>
+            <a:endParaRPr/>
+          </a:p>
         </p:txBody>
       </p:sp>
-      <p:pic>
-        <p:nvPicPr>
-          <p:cNvPr id="219" name="Google Shape;219;p38"/>
-          <p:cNvPicPr preferRelativeResize="0"/>
-          <p:nvPr/>
-        </p:nvPicPr>
-        <p:blipFill>
-          <a:blip r:embed="rId3">
-            <a:alphaModFix/>
-          </a:blip>
-          <a:stretch>
-            <a:fillRect/>
-          </a:stretch>
-        </p:blipFill>
-        <p:spPr>
-          <a:xfrm>
-            <a:off x="0" y="1196043"/>
-            <a:ext cx="9144002" cy="2751414"/>
-          </a:xfrm>
-          <a:prstGeom prst="rect">
-            <a:avLst/>
-          </a:prstGeom>
-          <a:noFill/>
-          <a:ln>
-            <a:noFill/>
-          </a:ln>
-        </p:spPr>
-      </p:pic>
     </p:spTree>
   </p:cSld>
   <p:clrMapOvr>
@@ -11828,7 +11986,7 @@
   <p:cSld>
     <p:spTree>
       <p:nvGrpSpPr>
-        <p:cNvPr id="223" name="Shape 223"/>
+        <p:cNvPr id="222" name="Shape 222"/>
         <p:cNvGrpSpPr/>
         <p:nvPr/>
       </p:nvGrpSpPr>
@@ -11842,7 +12000,7 @@
       </p:grpSpPr>
       <p:sp>
         <p:nvSpPr>
-          <p:cNvPr id="224" name="Google Shape;224;p39"/>
+          <p:cNvPr id="223" name="Google Shape;223;p39"/>
           <p:cNvSpPr txBox="1"/>
           <p:nvPr>
             <p:ph type="title"/>
@@ -11881,7 +12039,7 @@
       </p:sp>
       <p:sp>
         <p:nvSpPr>
-          <p:cNvPr id="225" name="Google Shape;225;p39"/>
+          <p:cNvPr id="224" name="Google Shape;224;p39"/>
           <p:cNvSpPr txBox="1"/>
           <p:nvPr>
             <p:ph idx="1" type="body"/>
@@ -11920,7 +12078,7 @@
       </p:sp>
       <p:pic>
         <p:nvPicPr>
-          <p:cNvPr id="226" name="Google Shape;226;p39"/>
+          <p:cNvPr id="225" name="Google Shape;225;p39"/>
           <p:cNvPicPr preferRelativeResize="0"/>
           <p:nvPr/>
         </p:nvPicPr>
@@ -11934,8 +12092,8 @@
         </p:blipFill>
         <p:spPr>
           <a:xfrm>
-            <a:off x="0" y="1314665"/>
-            <a:ext cx="9144001" cy="2514170"/>
+            <a:off x="0" y="1196043"/>
+            <a:ext cx="9144002" cy="2751414"/>
           </a:xfrm>
           <a:prstGeom prst="rect">
             <a:avLst/>
@@ -11959,7 +12117,7 @@
   <p:cSld>
     <p:spTree>
       <p:nvGrpSpPr>
-        <p:cNvPr id="230" name="Shape 230"/>
+        <p:cNvPr id="229" name="Shape 229"/>
         <p:cNvGrpSpPr/>
         <p:nvPr/>
       </p:nvGrpSpPr>
@@ -11973,7 +12131,7 @@
       </p:grpSpPr>
       <p:sp>
         <p:nvSpPr>
-          <p:cNvPr id="231" name="Google Shape;231;p40"/>
+          <p:cNvPr id="230" name="Google Shape;230;p40"/>
           <p:cNvSpPr txBox="1"/>
           <p:nvPr>
             <p:ph type="title"/>
@@ -12004,8 +12162,7 @@
               <a:buNone/>
             </a:pPr>
             <a:r>
-              <a:rPr lang="en"/>
-              <a:t>Code Demo: Student Scores</a:t>
+              <a:t/>
             </a:r>
             <a:endParaRPr/>
           </a:p>
@@ -12013,7 +12170,7 @@
       </p:sp>
       <p:sp>
         <p:nvSpPr>
-          <p:cNvPr id="232" name="Google Shape;232;p40"/>
+          <p:cNvPr id="231" name="Google Shape;231;p40"/>
           <p:cNvSpPr txBox="1"/>
           <p:nvPr>
             <p:ph idx="1" type="body"/>
@@ -12039,34 +12196,8 @@
                 <a:spcPts val="0"/>
               </a:spcBef>
               <a:spcAft>
-                <a:spcPts val="0"/>
-              </a:spcAft>
-              <a:buClr>
-                <a:schemeClr val="dk1"/>
-              </a:buClr>
-              <a:buSzPts val="1100"/>
-              <a:buFont typeface="Arial"/>
-              <a:buNone/>
-            </a:pPr>
-            <a:r>
-              <a:rPr lang="en"/>
-              <a:t>Write a Python program to store and manipulate student scores. The program should have the following functionalities:</a:t>
-            </a:r>
-            <a:endParaRPr/>
-          </a:p>
-          <a:p>
-            <a:pPr indent="0" lvl="0" marL="0" rtl="0" algn="l">
-              <a:spcBef>
                 <a:spcPts val="1200"/>
-              </a:spcBef>
-              <a:spcAft>
-                <a:spcPts val="0"/>
-              </a:spcAft>
-              <a:buClr>
-                <a:schemeClr val="dk1"/>
-              </a:buClr>
-              <a:buSzPts val="1100"/>
-              <a:buFont typeface="Arial"/>
+              </a:spcAft>
               <a:buNone/>
             </a:pPr>
             <a:r>
@@ -12074,91 +12205,36 @@
             </a:r>
             <a:endParaRPr/>
           </a:p>
-          <a:p>
-            <a:pPr indent="-342900" lvl="0" marL="457200" rtl="0" algn="l">
-              <a:spcBef>
-                <a:spcPts val="1200"/>
-              </a:spcBef>
-              <a:spcAft>
-                <a:spcPts val="0"/>
-              </a:spcAft>
-              <a:buSzPts val="1800"/>
-              <a:buChar char="●"/>
-            </a:pPr>
-            <a:r>
-              <a:rPr lang="en"/>
-              <a:t>Initialize an empty dictionary to store the student scores.</a:t>
-            </a:r>
-            <a:endParaRPr/>
-          </a:p>
-          <a:p>
-            <a:pPr indent="-342900" lvl="0" marL="457200" rtl="0" algn="l">
-              <a:spcBef>
-                <a:spcPts val="0"/>
-              </a:spcBef>
-              <a:spcAft>
-                <a:spcPts val="0"/>
-              </a:spcAft>
-              <a:buSzPts val="1800"/>
-              <a:buChar char="●"/>
-            </a:pPr>
-            <a:r>
-              <a:rPr lang="en"/>
-              <a:t>Allow the user to add a new student's name and their score.</a:t>
-            </a:r>
-            <a:endParaRPr/>
-          </a:p>
-          <a:p>
-            <a:pPr indent="-342900" lvl="0" marL="457200" rtl="0" algn="l">
-              <a:spcBef>
-                <a:spcPts val="0"/>
-              </a:spcBef>
-              <a:spcAft>
-                <a:spcPts val="0"/>
-              </a:spcAft>
-              <a:buSzPts val="1800"/>
-              <a:buChar char="●"/>
-            </a:pPr>
-            <a:r>
-              <a:rPr lang="en"/>
-              <a:t>Display the current list of students and their scores.</a:t>
-            </a:r>
-            <a:endParaRPr/>
-          </a:p>
-          <a:p>
-            <a:pPr indent="-342900" lvl="0" marL="457200" rtl="0" algn="l">
-              <a:spcBef>
-                <a:spcPts val="0"/>
-              </a:spcBef>
-              <a:spcAft>
-                <a:spcPts val="0"/>
-              </a:spcAft>
-              <a:buSzPts val="1800"/>
-              <a:buChar char="●"/>
-            </a:pPr>
-            <a:r>
-              <a:rPr lang="en"/>
-              <a:t>Determine and display the highest score and the corresponding student.</a:t>
-            </a:r>
-            <a:endParaRPr/>
-          </a:p>
-          <a:p>
-            <a:pPr indent="0" lvl="0" marL="0" rtl="0" algn="l">
-              <a:spcBef>
-                <a:spcPts val="1200"/>
-              </a:spcBef>
-              <a:spcAft>
-                <a:spcPts val="1200"/>
-              </a:spcAft>
-              <a:buNone/>
-            </a:pPr>
-            <a:r>
-              <a:t/>
-            </a:r>
-            <a:endParaRPr/>
-          </a:p>
         </p:txBody>
       </p:sp>
+      <p:pic>
+        <p:nvPicPr>
+          <p:cNvPr id="232" name="Google Shape;232;p40"/>
+          <p:cNvPicPr preferRelativeResize="0"/>
+          <p:nvPr/>
+        </p:nvPicPr>
+        <p:blipFill>
+          <a:blip r:embed="rId3">
+            <a:alphaModFix/>
+          </a:blip>
+          <a:stretch>
+            <a:fillRect/>
+          </a:stretch>
+        </p:blipFill>
+        <p:spPr>
+          <a:xfrm>
+            <a:off x="0" y="1314665"/>
+            <a:ext cx="9144001" cy="2514170"/>
+          </a:xfrm>
+          <a:prstGeom prst="rect">
+            <a:avLst/>
+          </a:prstGeom>
+          <a:noFill/>
+          <a:ln>
+            <a:noFill/>
+          </a:ln>
+        </p:spPr>
+      </p:pic>
     </p:spTree>
   </p:cSld>
   <p:clrMapOvr>
@@ -12214,32 +12290,11 @@
               <a:spcAft>
                 <a:spcPts val="0"/>
               </a:spcAft>
-              <a:buClr>
-                <a:schemeClr val="dk1"/>
-              </a:buClr>
-              <a:buSzPct val="39285"/>
-              <a:buFont typeface="Arial"/>
               <a:buNone/>
             </a:pPr>
             <a:r>
               <a:rPr lang="en"/>
-              <a:t>Code Demo: Student Scores cont.</a:t>
-            </a:r>
-            <a:endParaRPr/>
-          </a:p>
-          <a:p>
-            <a:pPr indent="0" lvl="0" marL="0" rtl="0" algn="l">
-              <a:spcBef>
-                <a:spcPts val="0"/>
-              </a:spcBef>
-              <a:spcAft>
-                <a:spcPts val="0"/>
-              </a:spcAft>
-              <a:buNone/>
-            </a:pPr>
-            <a:r>
-              <a:rPr lang="en"/>
-              <a:t> </a:t>
+              <a:t>Code Demo: Student Scores</a:t>
             </a:r>
             <a:endParaRPr/>
           </a:p>
@@ -12284,7 +12339,27 @@
             </a:pPr>
             <a:r>
               <a:rPr lang="en"/>
-              <a:t>Instructions:</a:t>
+              <a:t>Write a Python program to store and manipulate student scores. The program should have the following functionalities:</a:t>
+            </a:r>
+            <a:endParaRPr/>
+          </a:p>
+          <a:p>
+            <a:pPr indent="0" lvl="0" marL="0" rtl="0" algn="l">
+              <a:spcBef>
+                <a:spcPts val="1200"/>
+              </a:spcBef>
+              <a:spcAft>
+                <a:spcPts val="0"/>
+              </a:spcAft>
+              <a:buClr>
+                <a:schemeClr val="dk1"/>
+              </a:buClr>
+              <a:buSzPts val="1100"/>
+              <a:buFont typeface="Arial"/>
+              <a:buNone/>
+            </a:pPr>
+            <a:r>
+              <a:t/>
             </a:r>
             <a:endParaRPr/>
           </a:p>
@@ -12301,7 +12376,7 @@
             </a:pPr>
             <a:r>
               <a:rPr lang="en"/>
-              <a:t>Use a dictionary to store the student names as keys and their scores as values.</a:t>
+              <a:t>Initialize an empty dictionary to store the student scores.</a:t>
             </a:r>
             <a:endParaRPr/>
           </a:p>
@@ -12318,22 +12393,41 @@
             </a:pPr>
             <a:r>
               <a:rPr lang="en"/>
-              <a:t>Use a list to keep track of the students in the order they are entered.</a:t>
-            </a:r>
-            <a:endParaRPr/>
-          </a:p>
-          <a:p>
-            <a:pPr indent="0" lvl="0" marL="0" rtl="0" algn="l">
-              <a:spcBef>
-                <a:spcPts val="1200"/>
-              </a:spcBef>
-              <a:spcAft>
-                <a:spcPts val="0"/>
-              </a:spcAft>
-              <a:buNone/>
-            </a:pPr>
-            <a:r>
-              <a:t/>
+              <a:t>Allow the user to add a new student's name and their score.</a:t>
+            </a:r>
+            <a:endParaRPr/>
+          </a:p>
+          <a:p>
+            <a:pPr indent="-342900" lvl="0" marL="457200" rtl="0" algn="l">
+              <a:spcBef>
+                <a:spcPts val="0"/>
+              </a:spcBef>
+              <a:spcAft>
+                <a:spcPts val="0"/>
+              </a:spcAft>
+              <a:buSzPts val="1800"/>
+              <a:buChar char="●"/>
+            </a:pPr>
+            <a:r>
+              <a:rPr lang="en"/>
+              <a:t>Display the current list of students and their scores.</a:t>
+            </a:r>
+            <a:endParaRPr/>
+          </a:p>
+          <a:p>
+            <a:pPr indent="-342900" lvl="0" marL="457200" rtl="0" algn="l">
+              <a:spcBef>
+                <a:spcPts val="0"/>
+              </a:spcBef>
+              <a:spcAft>
+                <a:spcPts val="0"/>
+              </a:spcAft>
+              <a:buSzPts val="1800"/>
+              <a:buChar char="●"/>
+            </a:pPr>
+            <a:r>
+              <a:rPr lang="en"/>
+              <a:t>Determine and display the highest score and the corresponding student.</a:t>
             </a:r>
             <a:endParaRPr/>
           </a:p>
@@ -12413,7 +12507,7 @@
             </a:pPr>
             <a:r>
               <a:rPr lang="en"/>
-              <a:t>Basic Data Types cont. </a:t>
+              <a:t>Basic Data Types</a:t>
             </a:r>
             <a:endParaRPr/>
           </a:p>
@@ -12454,7 +12548,7 @@
             </a:pPr>
             <a:r>
               <a:rPr lang="en"/>
-              <a:t>String (</a:t>
+              <a:t>Integer (</a:t>
             </a:r>
             <a:r>
               <a:rPr lang="en">
@@ -12462,11 +12556,11 @@
                   <a:srgbClr val="FF0000"/>
                 </a:solidFill>
               </a:rPr>
-              <a:t>str</a:t>
+              <a:t>int</a:t>
             </a:r>
             <a:r>
               <a:rPr lang="en"/>
-              <a:t>): Strings are sequences of characters enclosed in single ('') or double ("") quotes. They are used to represent text. For example: "Hello,world!", 'Python'.</a:t>
+              <a:t>): Integers are whole numbers without any fractional or decimal parts. For example: -5, 10, 0</a:t>
             </a:r>
             <a:endParaRPr/>
           </a:p>
@@ -12498,7 +12592,7 @@
             </a:pPr>
             <a:r>
               <a:rPr lang="en"/>
-              <a:t>Boolean (</a:t>
+              <a:t>Floating point number (</a:t>
             </a:r>
             <a:r>
               <a:rPr lang="en">
@@ -12506,11 +12600,19 @@
                   <a:srgbClr val="FF0000"/>
                 </a:solidFill>
               </a:rPr>
-              <a:t>bool</a:t>
+              <a:t>float</a:t>
             </a:r>
             <a:r>
               <a:rPr lang="en"/>
-              <a:t>): Booleans represent truth values. They can have two possible values: True or False. Booleans are often used in conditional statements and logical operations.</a:t>
+              <a:t>): Floating point numbers represent real numbers with both integer and fractional parts. They are </a:t>
+            </a:r>
+            <a:r>
+              <a:rPr lang="en"/>
+              <a:t>written</a:t>
+            </a:r>
+            <a:r>
+              <a:rPr lang="en"/>
+              <a:t> with a decimal point. For example: 3.14, -0.5, 2.0</a:t>
             </a:r>
             <a:endParaRPr/>
           </a:p>
@@ -12571,10 +12673,32 @@
               <a:spcAft>
                 <a:spcPts val="0"/>
               </a:spcAft>
-              <a:buNone/>
-            </a:pPr>
-            <a:r>
-              <a:t/>
+              <a:buClr>
+                <a:schemeClr val="dk1"/>
+              </a:buClr>
+              <a:buSzPct val="39285"/>
+              <a:buFont typeface="Arial"/>
+              <a:buNone/>
+            </a:pPr>
+            <a:r>
+              <a:rPr lang="en"/>
+              <a:t>Code Demo: Student Scores cont.</a:t>
+            </a:r>
+            <a:endParaRPr/>
+          </a:p>
+          <a:p>
+            <a:pPr indent="0" lvl="0" marL="0" rtl="0" algn="l">
+              <a:spcBef>
+                <a:spcPts val="0"/>
+              </a:spcBef>
+              <a:spcAft>
+                <a:spcPts val="0"/>
+              </a:spcAft>
+              <a:buNone/>
+            </a:pPr>
+            <a:r>
+              <a:rPr lang="en"/>
+              <a:t> </a:t>
             </a:r>
             <a:endParaRPr/>
           </a:p>
@@ -12608,7 +12732,62 @@
                 <a:spcPts val="0"/>
               </a:spcBef>
               <a:spcAft>
+                <a:spcPts val="0"/>
+              </a:spcAft>
+              <a:buClr>
+                <a:schemeClr val="dk1"/>
+              </a:buClr>
+              <a:buSzPts val="1100"/>
+              <a:buFont typeface="Arial"/>
+              <a:buNone/>
+            </a:pPr>
+            <a:r>
+              <a:rPr lang="en"/>
+              <a:t>Instructions:</a:t>
+            </a:r>
+            <a:endParaRPr/>
+          </a:p>
+          <a:p>
+            <a:pPr indent="-342900" lvl="0" marL="457200" rtl="0" algn="l">
+              <a:spcBef>
                 <a:spcPts val="1200"/>
+              </a:spcBef>
+              <a:spcAft>
+                <a:spcPts val="0"/>
+              </a:spcAft>
+              <a:buSzPts val="1800"/>
+              <a:buChar char="●"/>
+            </a:pPr>
+            <a:r>
+              <a:rPr lang="en"/>
+              <a:t>Use a dictionary to store the student names as keys and their scores as values.</a:t>
+            </a:r>
+            <a:endParaRPr/>
+          </a:p>
+          <a:p>
+            <a:pPr indent="-342900" lvl="0" marL="457200" rtl="0" algn="l">
+              <a:spcBef>
+                <a:spcPts val="0"/>
+              </a:spcBef>
+              <a:spcAft>
+                <a:spcPts val="0"/>
+              </a:spcAft>
+              <a:buSzPts val="1800"/>
+              <a:buChar char="●"/>
+            </a:pPr>
+            <a:r>
+              <a:rPr lang="en"/>
+              <a:t>Use a list to keep track of the students in the order they are entered.</a:t>
+            </a:r>
+            <a:endParaRPr/>
+          </a:p>
+          <a:p>
+            <a:pPr indent="0" lvl="0" marL="0" rtl="0" algn="l">
+              <a:spcBef>
+                <a:spcPts val="1200"/>
+              </a:spcBef>
+              <a:spcAft>
+                <a:spcPts val="0"/>
               </a:spcAft>
               <a:buNone/>
             </a:pPr>
@@ -12617,36 +12796,23 @@
             </a:r>
             <a:endParaRPr/>
           </a:p>
+          <a:p>
+            <a:pPr indent="0" lvl="0" marL="0" rtl="0" algn="l">
+              <a:spcBef>
+                <a:spcPts val="1200"/>
+              </a:spcBef>
+              <a:spcAft>
+                <a:spcPts val="1200"/>
+              </a:spcAft>
+              <a:buNone/>
+            </a:pPr>
+            <a:r>
+              <a:t/>
+            </a:r>
+            <a:endParaRPr/>
+          </a:p>
         </p:txBody>
       </p:sp>
-      <p:pic>
-        <p:nvPicPr>
-          <p:cNvPr id="245" name="Google Shape;245;p42"/>
-          <p:cNvPicPr preferRelativeResize="0"/>
-          <p:nvPr/>
-        </p:nvPicPr>
-        <p:blipFill>
-          <a:blip r:embed="rId3">
-            <a:alphaModFix/>
-          </a:blip>
-          <a:stretch>
-            <a:fillRect/>
-          </a:stretch>
-        </p:blipFill>
-        <p:spPr>
-          <a:xfrm>
-            <a:off x="0" y="603087"/>
-            <a:ext cx="9144001" cy="3937327"/>
-          </a:xfrm>
-          <a:prstGeom prst="rect">
-            <a:avLst/>
-          </a:prstGeom>
-          <a:noFill/>
-          <a:ln>
-            <a:noFill/>
-          </a:ln>
-        </p:spPr>
-      </p:pic>
     </p:spTree>
   </p:cSld>
   <p:clrMapOvr>
@@ -12660,7 +12826,7 @@
   <p:cSld>
     <p:spTree>
       <p:nvGrpSpPr>
-        <p:cNvPr id="249" name="Shape 249"/>
+        <p:cNvPr id="248" name="Shape 248"/>
         <p:cNvGrpSpPr/>
         <p:nvPr/>
       </p:nvGrpSpPr>
@@ -12674,7 +12840,7 @@
       </p:grpSpPr>
       <p:sp>
         <p:nvSpPr>
-          <p:cNvPr id="250" name="Google Shape;250;p43"/>
+          <p:cNvPr id="249" name="Google Shape;249;p43"/>
           <p:cNvSpPr txBox="1"/>
           <p:nvPr>
             <p:ph type="title"/>
@@ -12713,7 +12879,7 @@
       </p:sp>
       <p:sp>
         <p:nvSpPr>
-          <p:cNvPr id="251" name="Google Shape;251;p43"/>
+          <p:cNvPr id="250" name="Google Shape;250;p43"/>
           <p:cNvSpPr txBox="1"/>
           <p:nvPr>
             <p:ph idx="1" type="body"/>
@@ -12752,7 +12918,7 @@
       </p:sp>
       <p:pic>
         <p:nvPicPr>
-          <p:cNvPr id="252" name="Google Shape;252;p43"/>
+          <p:cNvPr id="251" name="Google Shape;251;p43"/>
           <p:cNvPicPr preferRelativeResize="0"/>
           <p:nvPr/>
         </p:nvPicPr>
@@ -12766,8 +12932,8 @@
         </p:blipFill>
         <p:spPr>
           <a:xfrm>
-            <a:off x="0" y="714742"/>
-            <a:ext cx="9144001" cy="3714016"/>
+            <a:off x="0" y="603087"/>
+            <a:ext cx="9144001" cy="3937327"/>
           </a:xfrm>
           <a:prstGeom prst="rect">
             <a:avLst/>
@@ -12791,7 +12957,7 @@
   <p:cSld>
     <p:spTree>
       <p:nvGrpSpPr>
-        <p:cNvPr id="256" name="Shape 256"/>
+        <p:cNvPr id="255" name="Shape 255"/>
         <p:cNvGrpSpPr/>
         <p:nvPr/>
       </p:nvGrpSpPr>
@@ -12805,7 +12971,7 @@
       </p:grpSpPr>
       <p:sp>
         <p:nvSpPr>
-          <p:cNvPr id="257" name="Google Shape;257;p44"/>
+          <p:cNvPr id="256" name="Google Shape;256;p44"/>
           <p:cNvSpPr txBox="1"/>
           <p:nvPr>
             <p:ph type="title"/>
@@ -12836,8 +13002,7 @@
               <a:buNone/>
             </a:pPr>
             <a:r>
-              <a:rPr lang="en"/>
-              <a:t>Exercise: Shopping Cart</a:t>
+              <a:t/>
             </a:r>
             <a:endParaRPr/>
           </a:p>
@@ -12845,7 +13010,7 @@
       </p:sp>
       <p:sp>
         <p:nvSpPr>
-          <p:cNvPr id="258" name="Google Shape;258;p44"/>
+          <p:cNvPr id="257" name="Google Shape;257;p44"/>
           <p:cNvSpPr txBox="1"/>
           <p:nvPr>
             <p:ph idx="1" type="body"/>
@@ -12871,34 +13036,8 @@
                 <a:spcPts val="0"/>
               </a:spcBef>
               <a:spcAft>
-                <a:spcPts val="0"/>
-              </a:spcAft>
-              <a:buClr>
-                <a:schemeClr val="dk1"/>
-              </a:buClr>
-              <a:buSzPts val="1100"/>
-              <a:buFont typeface="Arial"/>
-              <a:buNone/>
-            </a:pPr>
-            <a:r>
-              <a:rPr lang="en"/>
-              <a:t>Write a Python program to simulate a shopping cart. The program should have the following functionalities:</a:t>
-            </a:r>
-            <a:endParaRPr/>
-          </a:p>
-          <a:p>
-            <a:pPr indent="0" lvl="0" marL="0" rtl="0" algn="l">
-              <a:spcBef>
                 <a:spcPts val="1200"/>
-              </a:spcBef>
-              <a:spcAft>
-                <a:spcPts val="0"/>
-              </a:spcAft>
-              <a:buClr>
-                <a:schemeClr val="dk1"/>
-              </a:buClr>
-              <a:buSzPts val="1100"/>
-              <a:buFont typeface="Arial"/>
+              </a:spcAft>
               <a:buNone/>
             </a:pPr>
             <a:r>
@@ -12906,91 +13045,36 @@
             </a:r>
             <a:endParaRPr/>
           </a:p>
-          <a:p>
-            <a:pPr indent="-342900" lvl="0" marL="457200" rtl="0" algn="l">
-              <a:spcBef>
-                <a:spcPts val="1200"/>
-              </a:spcBef>
-              <a:spcAft>
-                <a:spcPts val="0"/>
-              </a:spcAft>
-              <a:buSzPts val="1800"/>
-              <a:buChar char="●"/>
-            </a:pPr>
-            <a:r>
-              <a:rPr lang="en"/>
-              <a:t>Initialize an empty list to represent the shopping cart.</a:t>
-            </a:r>
-            <a:endParaRPr/>
-          </a:p>
-          <a:p>
-            <a:pPr indent="-342900" lvl="0" marL="457200" rtl="0" algn="l">
-              <a:spcBef>
-                <a:spcPts val="0"/>
-              </a:spcBef>
-              <a:spcAft>
-                <a:spcPts val="0"/>
-              </a:spcAft>
-              <a:buSzPts val="1800"/>
-              <a:buChar char="●"/>
-            </a:pPr>
-            <a:r>
-              <a:rPr lang="en"/>
-              <a:t>Allow the user to add items to the shopping cart.</a:t>
-            </a:r>
-            <a:endParaRPr/>
-          </a:p>
-          <a:p>
-            <a:pPr indent="-342900" lvl="0" marL="457200" rtl="0" algn="l">
-              <a:spcBef>
-                <a:spcPts val="0"/>
-              </a:spcBef>
-              <a:spcAft>
-                <a:spcPts val="0"/>
-              </a:spcAft>
-              <a:buSzPts val="1800"/>
-              <a:buChar char="●"/>
-            </a:pPr>
-            <a:r>
-              <a:rPr lang="en"/>
-              <a:t>Display the current items in the shopping cart.</a:t>
-            </a:r>
-            <a:endParaRPr/>
-          </a:p>
-          <a:p>
-            <a:pPr indent="-342900" lvl="0" marL="457200" rtl="0" algn="l">
-              <a:spcBef>
-                <a:spcPts val="0"/>
-              </a:spcBef>
-              <a:spcAft>
-                <a:spcPts val="0"/>
-              </a:spcAft>
-              <a:buSzPts val="1800"/>
-              <a:buChar char="●"/>
-            </a:pPr>
-            <a:r>
-              <a:rPr lang="en"/>
-              <a:t>Calculate and display the total cost of the items in the shopping cart.</a:t>
-            </a:r>
-            <a:endParaRPr/>
-          </a:p>
-          <a:p>
-            <a:pPr indent="0" lvl="0" marL="0" rtl="0" algn="l">
-              <a:spcBef>
-                <a:spcPts val="1200"/>
-              </a:spcBef>
-              <a:spcAft>
-                <a:spcPts val="1200"/>
-              </a:spcAft>
-              <a:buNone/>
-            </a:pPr>
-            <a:r>
-              <a:t/>
-            </a:r>
-            <a:endParaRPr/>
-          </a:p>
         </p:txBody>
       </p:sp>
+      <p:pic>
+        <p:nvPicPr>
+          <p:cNvPr id="258" name="Google Shape;258;p44"/>
+          <p:cNvPicPr preferRelativeResize="0"/>
+          <p:nvPr/>
+        </p:nvPicPr>
+        <p:blipFill>
+          <a:blip r:embed="rId3">
+            <a:alphaModFix/>
+          </a:blip>
+          <a:stretch>
+            <a:fillRect/>
+          </a:stretch>
+        </p:blipFill>
+        <p:spPr>
+          <a:xfrm>
+            <a:off x="0" y="714742"/>
+            <a:ext cx="9144001" cy="3714016"/>
+          </a:xfrm>
+          <a:prstGeom prst="rect">
+            <a:avLst/>
+          </a:prstGeom>
+          <a:noFill/>
+          <a:ln>
+            <a:noFill/>
+          </a:ln>
+        </p:spPr>
+      </p:pic>
     </p:spTree>
   </p:cSld>
   <p:clrMapOvr>
@@ -13046,31 +13130,11 @@
               <a:spcAft>
                 <a:spcPts val="0"/>
               </a:spcAft>
-              <a:buClr>
-                <a:schemeClr val="dk1"/>
-              </a:buClr>
-              <a:buSzPct val="39285"/>
-              <a:buFont typeface="Arial"/>
               <a:buNone/>
             </a:pPr>
             <a:r>
               <a:rPr lang="en"/>
-              <a:t>Exercise: Shopping Cart cont.</a:t>
-            </a:r>
-            <a:endParaRPr/>
-          </a:p>
-          <a:p>
-            <a:pPr indent="0" lvl="0" marL="0" rtl="0" algn="l">
-              <a:spcBef>
-                <a:spcPts val="0"/>
-              </a:spcBef>
-              <a:spcAft>
-                <a:spcPts val="0"/>
-              </a:spcAft>
-              <a:buNone/>
-            </a:pPr>
-            <a:r>
-              <a:t/>
+              <a:t>Exercise 1: Shopping Cart</a:t>
             </a:r>
             <a:endParaRPr/>
           </a:p>
@@ -13106,71 +13170,50 @@
               <a:spcAft>
                 <a:spcPts val="0"/>
               </a:spcAft>
-              <a:buClr>
-                <a:schemeClr val="dk1"/>
-              </a:buClr>
-              <a:buSzPts val="1100"/>
-              <a:buFont typeface="Arial"/>
+              <a:buNone/>
+            </a:pPr>
+            <a:r>
+              <a:t/>
+            </a:r>
+            <a:endParaRPr/>
+          </a:p>
+          <a:p>
+            <a:pPr indent="0" lvl="0" marL="0" rtl="0" algn="l">
+              <a:spcBef>
+                <a:spcPts val="1200"/>
+              </a:spcBef>
+              <a:spcAft>
+                <a:spcPts val="0"/>
+              </a:spcAft>
               <a:buNone/>
             </a:pPr>
             <a:r>
               <a:rPr lang="en"/>
-              <a:t>Implementation Requirements</a:t>
-            </a:r>
-            <a:r>
-              <a:rPr lang="en"/>
-              <a:t>:</a:t>
-            </a:r>
-            <a:endParaRPr/>
-          </a:p>
-          <a:p>
-            <a:pPr indent="-342900" lvl="0" marL="457200" rtl="0" algn="l">
+              <a:t>Link: </a:t>
+            </a:r>
+            <a:r>
+              <a:rPr lang="en" u="sng">
+                <a:solidFill>
+                  <a:schemeClr val="hlink"/>
+                </a:solidFill>
+                <a:hlinkClick r:id="rId3"/>
+              </a:rPr>
+              <a:t>https://docs.google.com/document/d/1xgePh5s0JjyEaf2eFY85l0vNmDzlOY6IUHXyxAAgBSY/edit?usp=sharing</a:t>
+            </a:r>
+            <a:endParaRPr/>
+          </a:p>
+          <a:p>
+            <a:pPr indent="0" lvl="0" marL="0" rtl="0" algn="l">
               <a:spcBef>
                 <a:spcPts val="1200"/>
               </a:spcBef>
               <a:spcAft>
                 <a:spcPts val="0"/>
               </a:spcAft>
-              <a:buSzPts val="1800"/>
-              <a:buChar char="●"/>
-            </a:pPr>
-            <a:r>
-              <a:rPr lang="en"/>
-              <a:t>Use a list to store the items in the shopping cart.</a:t>
-            </a:r>
-            <a:endParaRPr/>
-          </a:p>
-          <a:p>
-            <a:pPr indent="-342900" lvl="0" marL="457200" rtl="0" algn="l">
-              <a:spcBef>
-                <a:spcPts val="0"/>
-              </a:spcBef>
-              <a:spcAft>
-                <a:spcPts val="0"/>
-              </a:spcAft>
-              <a:buSzPts val="1800"/>
-              <a:buChar char="●"/>
-            </a:pPr>
-            <a:r>
-              <a:rPr lang="en"/>
-              <a:t>Each item in the shopping cart can be represented as a dictionary with keys like "name" and "price".</a:t>
-            </a:r>
-            <a:endParaRPr/>
-          </a:p>
-          <a:p>
-            <a:pPr indent="-342900" lvl="0" marL="457200" rtl="0" algn="l">
-              <a:spcBef>
-                <a:spcPts val="0"/>
-              </a:spcBef>
-              <a:spcAft>
-                <a:spcPts val="0"/>
-              </a:spcAft>
-              <a:buSzPts val="1800"/>
-              <a:buChar char="●"/>
-            </a:pPr>
-            <a:r>
-              <a:rPr lang="en"/>
-              <a:t>Use a loop to repeatedly prompt the user for options until they choose to exit.</a:t>
+              <a:buNone/>
+            </a:pPr>
+            <a:r>
+              <a:t/>
             </a:r>
             <a:endParaRPr/>
           </a:p>
@@ -13195,28 +13238,12 @@
                 <a:spcPts val="1200"/>
               </a:spcBef>
               <a:spcAft>
-                <a:spcPts val="0"/>
+                <a:spcPts val="1200"/>
               </a:spcAft>
               <a:buNone/>
             </a:pPr>
             <a:r>
               <a:t/>
-            </a:r>
-            <a:endParaRPr/>
-          </a:p>
-          <a:p>
-            <a:pPr indent="0" lvl="0" marL="0" rtl="0" algn="l">
-              <a:spcBef>
-                <a:spcPts val="1200"/>
-              </a:spcBef>
-              <a:spcAft>
-                <a:spcPts val="1200"/>
-              </a:spcAft>
-              <a:buNone/>
-            </a:pPr>
-            <a:r>
-              <a:rPr lang="en"/>
-              <a:t> </a:t>
             </a:r>
             <a:endParaRPr/>
           </a:p>
@@ -13492,6 +13519,180 @@
 </p:sld>
 </file>
 
+<file path=ppt/slides/slide36.xml><?xml version="1.0" encoding="utf-8"?>
+<p:sld xmlns:a="http://schemas.openxmlformats.org/drawingml/2006/main" xmlns:r="http://schemas.openxmlformats.org/officeDocument/2006/relationships" xmlns:mc="http://schemas.openxmlformats.org/markup-compatibility/2006" xmlns:mv="urn:schemas-microsoft-com:mac:vml" xmlns:p="http://schemas.openxmlformats.org/presentationml/2006/main" xmlns:c="http://schemas.openxmlformats.org/drawingml/2006/chart" xmlns:dgm="http://schemas.openxmlformats.org/drawingml/2006/diagram" xmlns:o="urn:schemas-microsoft-com:office:office" xmlns:v="urn:schemas-microsoft-com:vml" xmlns:pvml="urn:schemas-microsoft-com:office:powerpoint" xmlns:com="http://schemas.openxmlformats.org/drawingml/2006/compatibility" xmlns:p14="http://schemas.microsoft.com/office/powerpoint/2010/main" xmlns:p15="http://schemas.microsoft.com/office/powerpoint/2012/main" xmlns:ahyp="http://schemas.microsoft.com/office/drawing/2018/hyperlinkcolor">
+  <p:cSld>
+    <p:spTree>
+      <p:nvGrpSpPr>
+        <p:cNvPr id="282" name="Shape 282"/>
+        <p:cNvGrpSpPr/>
+        <p:nvPr/>
+      </p:nvGrpSpPr>
+      <p:grpSpPr>
+        <a:xfrm>
+          <a:off x="0" y="0"/>
+          <a:ext cx="0" cy="0"/>
+          <a:chOff x="0" y="0"/>
+          <a:chExt cx="0" cy="0"/>
+        </a:xfrm>
+      </p:grpSpPr>
+      <p:sp>
+        <p:nvSpPr>
+          <p:cNvPr id="283" name="Google Shape;283;p48"/>
+          <p:cNvSpPr txBox="1"/>
+          <p:nvPr>
+            <p:ph type="title"/>
+          </p:nvPr>
+        </p:nvSpPr>
+        <p:spPr>
+          <a:xfrm>
+            <a:off x="311700" y="445025"/>
+            <a:ext cx="8520600" cy="572700"/>
+          </a:xfrm>
+          <a:prstGeom prst="rect">
+            <a:avLst/>
+          </a:prstGeom>
+        </p:spPr>
+        <p:txBody>
+          <a:bodyPr anchorCtr="0" anchor="t" bIns="91425" lIns="91425" spcFirstLastPara="1" rIns="91425" wrap="square" tIns="91425">
+            <a:normAutofit fontScale="90000"/>
+          </a:bodyPr>
+          <a:lstStyle/>
+          <a:p>
+            <a:pPr indent="0" lvl="0" marL="0" rtl="0" algn="l">
+              <a:spcBef>
+                <a:spcPts val="0"/>
+              </a:spcBef>
+              <a:spcAft>
+                <a:spcPts val="0"/>
+              </a:spcAft>
+              <a:buNone/>
+            </a:pPr>
+            <a:r>
+              <a:rPr lang="en"/>
+              <a:t>Exercise 2: Word Frequency Analyzer</a:t>
+            </a:r>
+            <a:endParaRPr/>
+          </a:p>
+        </p:txBody>
+      </p:sp>
+      <p:sp>
+        <p:nvSpPr>
+          <p:cNvPr id="284" name="Google Shape;284;p48"/>
+          <p:cNvSpPr txBox="1"/>
+          <p:nvPr>
+            <p:ph idx="1" type="body"/>
+          </p:nvPr>
+        </p:nvSpPr>
+        <p:spPr>
+          <a:xfrm>
+            <a:off x="311700" y="1152475"/>
+            <a:ext cx="8520600" cy="3416400"/>
+          </a:xfrm>
+          <a:prstGeom prst="rect">
+            <a:avLst/>
+          </a:prstGeom>
+        </p:spPr>
+        <p:txBody>
+          <a:bodyPr anchorCtr="0" anchor="t" bIns="91425" lIns="91425" spcFirstLastPara="1" rIns="91425" wrap="square" tIns="91425">
+            <a:normAutofit/>
+          </a:bodyPr>
+          <a:lstStyle/>
+          <a:p>
+            <a:pPr indent="0" lvl="0" marL="0" rtl="0" algn="l">
+              <a:spcBef>
+                <a:spcPts val="0"/>
+              </a:spcBef>
+              <a:spcAft>
+                <a:spcPts val="0"/>
+              </a:spcAft>
+              <a:buNone/>
+            </a:pPr>
+            <a:r>
+              <a:t/>
+            </a:r>
+            <a:endParaRPr/>
+          </a:p>
+          <a:p>
+            <a:pPr indent="0" lvl="0" marL="0" rtl="0" algn="l">
+              <a:spcBef>
+                <a:spcPts val="1200"/>
+              </a:spcBef>
+              <a:spcAft>
+                <a:spcPts val="0"/>
+              </a:spcAft>
+              <a:buNone/>
+            </a:pPr>
+            <a:r>
+              <a:t/>
+            </a:r>
+            <a:endParaRPr/>
+          </a:p>
+          <a:p>
+            <a:pPr indent="0" lvl="0" marL="0" rtl="0" algn="l">
+              <a:spcBef>
+                <a:spcPts val="1200"/>
+              </a:spcBef>
+              <a:spcAft>
+                <a:spcPts val="0"/>
+              </a:spcAft>
+              <a:buNone/>
+            </a:pPr>
+            <a:r>
+              <a:rPr lang="en"/>
+              <a:t>Link: </a:t>
+            </a:r>
+            <a:r>
+              <a:rPr lang="en" u="sng">
+                <a:solidFill>
+                  <a:schemeClr val="hlink"/>
+                </a:solidFill>
+                <a:hlinkClick r:id="rId3"/>
+              </a:rPr>
+              <a:t>https://docs.google.com/document/d/1WlCSMTpFk_z5oq9CF7rmax1b50wFyKiZ5XaR5vIB-Nc/edit?usp=sharing</a:t>
+            </a:r>
+            <a:endParaRPr/>
+          </a:p>
+          <a:p>
+            <a:pPr indent="0" lvl="0" marL="0" rtl="0" algn="l">
+              <a:spcBef>
+                <a:spcPts val="1200"/>
+              </a:spcBef>
+              <a:spcAft>
+                <a:spcPts val="0"/>
+              </a:spcAft>
+              <a:buNone/>
+            </a:pPr>
+            <a:r>
+              <a:t/>
+            </a:r>
+            <a:endParaRPr/>
+          </a:p>
+          <a:p>
+            <a:pPr indent="0" lvl="0" marL="0" rtl="0" algn="l">
+              <a:spcBef>
+                <a:spcPts val="1200"/>
+              </a:spcBef>
+              <a:spcAft>
+                <a:spcPts val="1200"/>
+              </a:spcAft>
+              <a:buNone/>
+            </a:pPr>
+            <a:r>
+              <a:t/>
+            </a:r>
+            <a:endParaRPr/>
+          </a:p>
+        </p:txBody>
+      </p:sp>
+    </p:spTree>
+  </p:cSld>
+  <p:clrMapOvr>
+    <a:masterClrMapping/>
+  </p:clrMapOvr>
+</p:sld>
+</file>
+
 <file path=ppt/slides/slide4.xml><?xml version="1.0" encoding="utf-8"?>
 <p:sld xmlns:a="http://schemas.openxmlformats.org/drawingml/2006/main" xmlns:r="http://schemas.openxmlformats.org/officeDocument/2006/relationships" xmlns:mc="http://schemas.openxmlformats.org/markup-compatibility/2006" xmlns:mv="urn:schemas-microsoft-com:mac:vml" xmlns:p="http://schemas.openxmlformats.org/presentationml/2006/main" xmlns:c="http://schemas.openxmlformats.org/drawingml/2006/chart" xmlns:dgm="http://schemas.openxmlformats.org/drawingml/2006/diagram" xmlns:o="urn:schemas-microsoft-com:office:office" xmlns:v="urn:schemas-microsoft-com:vml" xmlns:pvml="urn:schemas-microsoft-com:office:powerpoint" xmlns:com="http://schemas.openxmlformats.org/drawingml/2006/compatibility" xmlns:p14="http://schemas.microsoft.com/office/powerpoint/2010/main" xmlns:p15="http://schemas.microsoft.com/office/powerpoint/2012/main" xmlns:ahyp="http://schemas.microsoft.com/office/drawing/2018/hyperlinkcolor">
   <p:cSld>
@@ -13543,7 +13744,7 @@
             </a:pPr>
             <a:r>
               <a:rPr lang="en"/>
-              <a:t>Basic Data Types - Example 1</a:t>
+              <a:t>Basic Data Types cont. </a:t>
             </a:r>
             <a:endParaRPr/>
           </a:p>
@@ -13568,265 +13769,81 @@
         </p:spPr>
         <p:txBody>
           <a:bodyPr anchorCtr="0" anchor="t" bIns="91425" lIns="91425" spcFirstLastPara="1" rIns="91425" wrap="square" tIns="91425">
-            <a:noAutofit/>
+            <a:normAutofit/>
           </a:bodyPr>
           <a:lstStyle/>
           <a:p>
-            <a:pPr indent="-338455" lvl="0" marL="457200" rtl="0" algn="l">
-              <a:lnSpc>
-                <a:spcPct val="95000"/>
-              </a:lnSpc>
-              <a:spcBef>
-                <a:spcPts val="0"/>
-              </a:spcBef>
-              <a:spcAft>
-                <a:spcPts val="0"/>
-              </a:spcAft>
-              <a:buSzPts val="1730"/>
+            <a:pPr indent="-342900" lvl="0" marL="457200" rtl="0" algn="l">
+              <a:spcBef>
+                <a:spcPts val="0"/>
+              </a:spcBef>
+              <a:spcAft>
+                <a:spcPts val="0"/>
+              </a:spcAft>
+              <a:buSzPts val="1800"/>
               <a:buChar char="●"/>
             </a:pPr>
             <a:r>
-              <a:rPr lang="en" sz="1729"/>
-              <a:t>Here's a basic exercise involving Python's basic data types. Let's start with some questions and tasks:</a:t>
-            </a:r>
-            <a:endParaRPr sz="1729"/>
-          </a:p>
-          <a:p>
-            <a:pPr indent="0" lvl="0" marL="457200" rtl="0" algn="l">
-              <a:lnSpc>
-                <a:spcPct val="95000"/>
-              </a:lnSpc>
-              <a:spcBef>
-                <a:spcPts val="1200"/>
-              </a:spcBef>
-              <a:spcAft>
-                <a:spcPts val="0"/>
-              </a:spcAft>
-              <a:buSzPts val="935"/>
-              <a:buNone/>
-            </a:pPr>
-            <a:r>
-              <a:t/>
-            </a:r>
-            <a:endParaRPr sz="1729"/>
-          </a:p>
-          <a:p>
-            <a:pPr indent="-316865" lvl="1" marL="914400" rtl="0" algn="l">
-              <a:lnSpc>
-                <a:spcPct val="95000"/>
-              </a:lnSpc>
-              <a:spcBef>
-                <a:spcPts val="1200"/>
-              </a:spcBef>
-              <a:spcAft>
-                <a:spcPts val="0"/>
-              </a:spcAft>
-              <a:buSzPts val="1390"/>
-              <a:buChar char="○"/>
-            </a:pPr>
-            <a:r>
-              <a:rPr lang="en" sz="1390"/>
-              <a:t>Create a variable called </a:t>
-            </a:r>
-            <a:r>
-              <a:rPr b="1" lang="en" sz="1390"/>
-              <a:t>name</a:t>
-            </a:r>
-            <a:r>
-              <a:rPr lang="en" sz="1390"/>
-              <a:t> and assign it your name as a </a:t>
-            </a:r>
-            <a:r>
-              <a:rPr i="1" lang="en" sz="1390">
+              <a:rPr lang="en"/>
+              <a:t>String (</a:t>
+            </a:r>
+            <a:r>
+              <a:rPr lang="en">
                 <a:solidFill>
                   <a:srgbClr val="FF0000"/>
                 </a:solidFill>
               </a:rPr>
-              <a:t>string</a:t>
-            </a:r>
-            <a:r>
-              <a:rPr lang="en" sz="1390"/>
-              <a:t>.</a:t>
-            </a:r>
-            <a:endParaRPr sz="1390"/>
-          </a:p>
-          <a:p>
-            <a:pPr indent="-316865" lvl="1" marL="914400" rtl="0" algn="l">
-              <a:lnSpc>
-                <a:spcPct val="95000"/>
-              </a:lnSpc>
-              <a:spcBef>
-                <a:spcPts val="0"/>
-              </a:spcBef>
-              <a:spcAft>
-                <a:spcPts val="0"/>
-              </a:spcAft>
-              <a:buSzPts val="1390"/>
-              <a:buChar char="○"/>
-            </a:pPr>
-            <a:r>
-              <a:rPr lang="en" sz="1390"/>
-              <a:t>Create a variable called </a:t>
-            </a:r>
-            <a:r>
-              <a:rPr b="1" lang="en" sz="1390"/>
-              <a:t>age</a:t>
-            </a:r>
-            <a:r>
-              <a:rPr lang="en" sz="1390"/>
-              <a:t> and assign it your age as an </a:t>
-            </a:r>
-            <a:r>
-              <a:rPr i="1" lang="en" sz="1390">
+              <a:t>str</a:t>
+            </a:r>
+            <a:r>
+              <a:rPr lang="en"/>
+              <a:t>): Strings are sequences of characters enclosed in single ('') or double ("") quotes. They are used to represent text. For example: "Hello,world!", 'Python'.</a:t>
+            </a:r>
+            <a:endParaRPr/>
+          </a:p>
+          <a:p>
+            <a:pPr indent="0" lvl="0" marL="0" rtl="0" algn="l">
+              <a:spcBef>
+                <a:spcPts val="1200"/>
+              </a:spcBef>
+              <a:spcAft>
+                <a:spcPts val="0"/>
+              </a:spcAft>
+              <a:buNone/>
+            </a:pPr>
+            <a:r>
+              <a:t/>
+            </a:r>
+            <a:endParaRPr/>
+          </a:p>
+          <a:p>
+            <a:pPr indent="-342900" lvl="0" marL="457200" rtl="0" algn="l">
+              <a:spcBef>
+                <a:spcPts val="1200"/>
+              </a:spcBef>
+              <a:spcAft>
+                <a:spcPts val="0"/>
+              </a:spcAft>
+              <a:buSzPts val="1800"/>
+              <a:buChar char="●"/>
+            </a:pPr>
+            <a:r>
+              <a:rPr lang="en"/>
+              <a:t>Boolean (</a:t>
+            </a:r>
+            <a:r>
+              <a:rPr lang="en">
                 <a:solidFill>
                   <a:srgbClr val="FF0000"/>
                 </a:solidFill>
               </a:rPr>
-              <a:t>integer</a:t>
-            </a:r>
-            <a:r>
-              <a:rPr lang="en" sz="1390"/>
-              <a:t>.</a:t>
-            </a:r>
-            <a:endParaRPr sz="1390"/>
-          </a:p>
-          <a:p>
-            <a:pPr indent="-316865" lvl="1" marL="914400" rtl="0" algn="l">
-              <a:lnSpc>
-                <a:spcPct val="95000"/>
-              </a:lnSpc>
-              <a:spcBef>
-                <a:spcPts val="0"/>
-              </a:spcBef>
-              <a:spcAft>
-                <a:spcPts val="0"/>
-              </a:spcAft>
-              <a:buSzPts val="1390"/>
-              <a:buChar char="○"/>
-            </a:pPr>
-            <a:r>
-              <a:rPr lang="en" sz="1390"/>
-              <a:t>Create a variable called </a:t>
-            </a:r>
-            <a:r>
-              <a:rPr b="1" lang="en" sz="1390"/>
-              <a:t>height</a:t>
-            </a:r>
-            <a:r>
-              <a:rPr lang="en" sz="1390"/>
-              <a:t> and assign it your height in meters as a </a:t>
-            </a:r>
-            <a:r>
-              <a:rPr i="1" lang="en" sz="1390">
-                <a:solidFill>
-                  <a:srgbClr val="FF0000"/>
-                </a:solidFill>
-              </a:rPr>
-              <a:t>float</a:t>
-            </a:r>
-            <a:r>
-              <a:rPr lang="en" sz="1390"/>
-              <a:t>.</a:t>
-            </a:r>
-            <a:endParaRPr sz="1390"/>
-          </a:p>
-          <a:p>
-            <a:pPr indent="-316865" lvl="1" marL="914400" rtl="0" algn="l">
-              <a:lnSpc>
-                <a:spcPct val="95000"/>
-              </a:lnSpc>
-              <a:spcBef>
-                <a:spcPts val="0"/>
-              </a:spcBef>
-              <a:spcAft>
-                <a:spcPts val="0"/>
-              </a:spcAft>
-              <a:buSzPts val="1390"/>
-              <a:buChar char="○"/>
-            </a:pPr>
-            <a:r>
-              <a:rPr lang="en" sz="1390"/>
-              <a:t>Create a variable called </a:t>
-            </a:r>
-            <a:r>
-              <a:rPr b="1" lang="en" sz="1390"/>
-              <a:t>is_student</a:t>
-            </a:r>
-            <a:r>
-              <a:rPr lang="en" sz="1390"/>
-              <a:t> and assign it a </a:t>
-            </a:r>
-            <a:r>
-              <a:rPr i="1" lang="en" sz="1390">
-                <a:solidFill>
-                  <a:srgbClr val="FF0000"/>
-                </a:solidFill>
-              </a:rPr>
-              <a:t>boolean</a:t>
-            </a:r>
-            <a:r>
-              <a:rPr lang="en" sz="1390"/>
-              <a:t> value indicating whether or not you are currently a student.</a:t>
-            </a:r>
-            <a:endParaRPr sz="1390"/>
-          </a:p>
-          <a:p>
-            <a:pPr indent="-316865" lvl="1" marL="914400" rtl="0" algn="l">
-              <a:lnSpc>
-                <a:spcPct val="95000"/>
-              </a:lnSpc>
-              <a:spcBef>
-                <a:spcPts val="0"/>
-              </a:spcBef>
-              <a:spcAft>
-                <a:spcPts val="0"/>
-              </a:spcAft>
-              <a:buSzPts val="1390"/>
-              <a:buChar char="○"/>
-            </a:pPr>
-            <a:r>
-              <a:rPr lang="en" sz="1390"/>
-              <a:t>Print the values of all the variables you created in the previous steps.</a:t>
-            </a:r>
-            <a:endParaRPr sz="1729"/>
-          </a:p>
-          <a:p>
-            <a:pPr indent="0" lvl="0" marL="0" rtl="0" algn="l">
-              <a:lnSpc>
-                <a:spcPct val="95000"/>
-              </a:lnSpc>
-              <a:spcBef>
-                <a:spcPts val="1200"/>
-              </a:spcBef>
-              <a:spcAft>
-                <a:spcPts val="0"/>
-              </a:spcAft>
-              <a:buSzPts val="935"/>
-              <a:buNone/>
-            </a:pPr>
-            <a:r>
-              <a:t/>
-            </a:r>
-            <a:endParaRPr sz="1729"/>
-          </a:p>
-          <a:p>
-            <a:pPr indent="0" lvl="0" marL="457200" rtl="0" algn="l">
-              <a:lnSpc>
-                <a:spcPct val="95000"/>
-              </a:lnSpc>
-              <a:spcBef>
-                <a:spcPts val="1200"/>
-              </a:spcBef>
-              <a:spcAft>
-                <a:spcPts val="1200"/>
-              </a:spcAft>
-              <a:buSzPts val="935"/>
-              <a:buNone/>
-            </a:pPr>
-            <a:r>
-              <a:t/>
-            </a:r>
-            <a:endParaRPr sz="1729"/>
+              <a:t>bool</a:t>
+            </a:r>
+            <a:r>
+              <a:rPr lang="en"/>
+              <a:t>): Booleans represent truth values. They can have two possible values: True or False. Booleans are often used in conditional statements and logical operations.</a:t>
+            </a:r>
+            <a:endParaRPr/>
           </a:p>
         </p:txBody>
       </p:sp>
@@ -13888,7 +13905,8 @@
               <a:buNone/>
             </a:pPr>
             <a:r>
-              <a:t/>
+              <a:rPr lang="en"/>
+              <a:t>Basic Data Types - Example 1</a:t>
             </a:r>
             <a:endParaRPr/>
           </a:p>
@@ -13913,54 +13931,268 @@
         </p:spPr>
         <p:txBody>
           <a:bodyPr anchorCtr="0" anchor="t" bIns="91425" lIns="91425" spcFirstLastPara="1" rIns="91425" wrap="square" tIns="91425">
-            <a:normAutofit/>
+            <a:noAutofit/>
           </a:bodyPr>
           <a:lstStyle/>
           <a:p>
+            <a:pPr indent="-338455" lvl="0" marL="457200" rtl="0" algn="l">
+              <a:lnSpc>
+                <a:spcPct val="95000"/>
+              </a:lnSpc>
+              <a:spcBef>
+                <a:spcPts val="0"/>
+              </a:spcBef>
+              <a:spcAft>
+                <a:spcPts val="0"/>
+              </a:spcAft>
+              <a:buSzPts val="1730"/>
+              <a:buChar char="●"/>
+            </a:pPr>
+            <a:r>
+              <a:rPr lang="en" sz="1729"/>
+              <a:t>Here's a basic exercise involving Python's basic data types. Let's start with some questions and tasks:</a:t>
+            </a:r>
+            <a:endParaRPr sz="1729"/>
+          </a:p>
+          <a:p>
+            <a:pPr indent="0" lvl="0" marL="457200" rtl="0" algn="l">
+              <a:lnSpc>
+                <a:spcPct val="95000"/>
+              </a:lnSpc>
+              <a:spcBef>
+                <a:spcPts val="1200"/>
+              </a:spcBef>
+              <a:spcAft>
+                <a:spcPts val="0"/>
+              </a:spcAft>
+              <a:buSzPts val="935"/>
+              <a:buNone/>
+            </a:pPr>
+            <a:r>
+              <a:t/>
+            </a:r>
+            <a:endParaRPr sz="1729"/>
+          </a:p>
+          <a:p>
+            <a:pPr indent="-316865" lvl="1" marL="914400" rtl="0" algn="l">
+              <a:lnSpc>
+                <a:spcPct val="95000"/>
+              </a:lnSpc>
+              <a:spcBef>
+                <a:spcPts val="1200"/>
+              </a:spcBef>
+              <a:spcAft>
+                <a:spcPts val="0"/>
+              </a:spcAft>
+              <a:buSzPts val="1390"/>
+              <a:buChar char="○"/>
+            </a:pPr>
+            <a:r>
+              <a:rPr lang="en" sz="1390"/>
+              <a:t>Create a variable called </a:t>
+            </a:r>
+            <a:r>
+              <a:rPr b="1" lang="en" sz="1390"/>
+              <a:t>name</a:t>
+            </a:r>
+            <a:r>
+              <a:rPr lang="en" sz="1390"/>
+              <a:t> and assign it your name as a </a:t>
+            </a:r>
+            <a:r>
+              <a:rPr i="1" lang="en" sz="1390">
+                <a:solidFill>
+                  <a:srgbClr val="FF0000"/>
+                </a:solidFill>
+              </a:rPr>
+              <a:t>string</a:t>
+            </a:r>
+            <a:r>
+              <a:rPr lang="en" sz="1390"/>
+              <a:t>.</a:t>
+            </a:r>
+            <a:endParaRPr sz="1390"/>
+          </a:p>
+          <a:p>
+            <a:pPr indent="-316865" lvl="1" marL="914400" rtl="0" algn="l">
+              <a:lnSpc>
+                <a:spcPct val="95000"/>
+              </a:lnSpc>
+              <a:spcBef>
+                <a:spcPts val="0"/>
+              </a:spcBef>
+              <a:spcAft>
+                <a:spcPts val="0"/>
+              </a:spcAft>
+              <a:buSzPts val="1390"/>
+              <a:buChar char="○"/>
+            </a:pPr>
+            <a:r>
+              <a:rPr lang="en" sz="1390"/>
+              <a:t>Create a variable called </a:t>
+            </a:r>
+            <a:r>
+              <a:rPr b="1" lang="en" sz="1390"/>
+              <a:t>age</a:t>
+            </a:r>
+            <a:r>
+              <a:rPr lang="en" sz="1390"/>
+              <a:t> and assign it your age as an </a:t>
+            </a:r>
+            <a:r>
+              <a:rPr i="1" lang="en" sz="1390">
+                <a:solidFill>
+                  <a:srgbClr val="FF0000"/>
+                </a:solidFill>
+              </a:rPr>
+              <a:t>integer</a:t>
+            </a:r>
+            <a:r>
+              <a:rPr lang="en" sz="1390"/>
+              <a:t>.</a:t>
+            </a:r>
+            <a:endParaRPr sz="1390"/>
+          </a:p>
+          <a:p>
+            <a:pPr indent="-316865" lvl="1" marL="914400" rtl="0" algn="l">
+              <a:lnSpc>
+                <a:spcPct val="95000"/>
+              </a:lnSpc>
+              <a:spcBef>
+                <a:spcPts val="0"/>
+              </a:spcBef>
+              <a:spcAft>
+                <a:spcPts val="0"/>
+              </a:spcAft>
+              <a:buSzPts val="1390"/>
+              <a:buChar char="○"/>
+            </a:pPr>
+            <a:r>
+              <a:rPr lang="en" sz="1390"/>
+              <a:t>Create a variable called </a:t>
+            </a:r>
+            <a:r>
+              <a:rPr b="1" lang="en" sz="1390"/>
+              <a:t>height</a:t>
+            </a:r>
+            <a:r>
+              <a:rPr lang="en" sz="1390"/>
+              <a:t> and assign it your height in meters as a </a:t>
+            </a:r>
+            <a:r>
+              <a:rPr i="1" lang="en" sz="1390">
+                <a:solidFill>
+                  <a:srgbClr val="FF0000"/>
+                </a:solidFill>
+              </a:rPr>
+              <a:t>float</a:t>
+            </a:r>
+            <a:r>
+              <a:rPr lang="en" sz="1390"/>
+              <a:t>.</a:t>
+            </a:r>
+            <a:endParaRPr sz="1390"/>
+          </a:p>
+          <a:p>
+            <a:pPr indent="-316865" lvl="1" marL="914400" rtl="0" algn="l">
+              <a:lnSpc>
+                <a:spcPct val="95000"/>
+              </a:lnSpc>
+              <a:spcBef>
+                <a:spcPts val="0"/>
+              </a:spcBef>
+              <a:spcAft>
+                <a:spcPts val="0"/>
+              </a:spcAft>
+              <a:buSzPts val="1390"/>
+              <a:buChar char="○"/>
+            </a:pPr>
+            <a:r>
+              <a:rPr lang="en" sz="1390"/>
+              <a:t>Create a variable called </a:t>
+            </a:r>
+            <a:r>
+              <a:rPr b="1" lang="en" sz="1390"/>
+              <a:t>is_student</a:t>
+            </a:r>
+            <a:r>
+              <a:rPr lang="en" sz="1390"/>
+              <a:t> and assign it a </a:t>
+            </a:r>
+            <a:r>
+              <a:rPr i="1" lang="en" sz="1390">
+                <a:solidFill>
+                  <a:srgbClr val="FF0000"/>
+                </a:solidFill>
+              </a:rPr>
+              <a:t>boolean</a:t>
+            </a:r>
+            <a:r>
+              <a:rPr lang="en" sz="1390"/>
+              <a:t> value indicating whether or not you are currently a student.</a:t>
+            </a:r>
+            <a:endParaRPr sz="1390"/>
+          </a:p>
+          <a:p>
+            <a:pPr indent="-316865" lvl="1" marL="914400" rtl="0" algn="l">
+              <a:lnSpc>
+                <a:spcPct val="95000"/>
+              </a:lnSpc>
+              <a:spcBef>
+                <a:spcPts val="0"/>
+              </a:spcBef>
+              <a:spcAft>
+                <a:spcPts val="0"/>
+              </a:spcAft>
+              <a:buSzPts val="1390"/>
+              <a:buChar char="○"/>
+            </a:pPr>
+            <a:r>
+              <a:rPr lang="en" sz="1390"/>
+              <a:t>Print the values of all the variables you created in the previous steps.</a:t>
+            </a:r>
+            <a:endParaRPr sz="1729"/>
+          </a:p>
+          <a:p>
             <a:pPr indent="0" lvl="0" marL="0" rtl="0" algn="l">
-              <a:spcBef>
-                <a:spcPts val="0"/>
-              </a:spcBef>
-              <a:spcAft>
+              <a:lnSpc>
+                <a:spcPct val="95000"/>
+              </a:lnSpc>
+              <a:spcBef>
                 <a:spcPts val="1200"/>
-              </a:spcAft>
+              </a:spcBef>
+              <a:spcAft>
+                <a:spcPts val="0"/>
+              </a:spcAft>
+              <a:buSzPts val="935"/>
               <a:buNone/>
             </a:pPr>
             <a:r>
               <a:t/>
             </a:r>
-            <a:endParaRPr/>
+            <a:endParaRPr sz="1729"/>
+          </a:p>
+          <a:p>
+            <a:pPr indent="0" lvl="0" marL="457200" rtl="0" algn="l">
+              <a:lnSpc>
+                <a:spcPct val="95000"/>
+              </a:lnSpc>
+              <a:spcBef>
+                <a:spcPts val="1200"/>
+              </a:spcBef>
+              <a:spcAft>
+                <a:spcPts val="1200"/>
+              </a:spcAft>
+              <a:buSzPts val="935"/>
+              <a:buNone/>
+            </a:pPr>
+            <a:r>
+              <a:t/>
+            </a:r>
+            <a:endParaRPr sz="1729"/>
           </a:p>
         </p:txBody>
       </p:sp>
-      <p:pic>
-        <p:nvPicPr>
-          <p:cNvPr id="80" name="Google Shape;80;p17"/>
-          <p:cNvPicPr preferRelativeResize="0"/>
-          <p:nvPr/>
-        </p:nvPicPr>
-        <p:blipFill>
-          <a:blip r:embed="rId3">
-            <a:alphaModFix/>
-          </a:blip>
-          <a:stretch>
-            <a:fillRect/>
-          </a:stretch>
-        </p:blipFill>
-        <p:spPr>
-          <a:xfrm>
-            <a:off x="0" y="939850"/>
-            <a:ext cx="9144003" cy="3263802"/>
-          </a:xfrm>
-          <a:prstGeom prst="rect">
-            <a:avLst/>
-          </a:prstGeom>
-          <a:noFill/>
-          <a:ln>
-            <a:noFill/>
-          </a:ln>
-        </p:spPr>
-      </p:pic>
     </p:spTree>
   </p:cSld>
   <p:clrMapOvr>
@@ -13974,7 +14206,7 @@
   <p:cSld>
     <p:spTree>
       <p:nvGrpSpPr>
-        <p:cNvPr id="84" name="Shape 84"/>
+        <p:cNvPr id="83" name="Shape 83"/>
         <p:cNvGrpSpPr/>
         <p:nvPr/>
       </p:nvGrpSpPr>
@@ -13988,7 +14220,7 @@
       </p:grpSpPr>
       <p:sp>
         <p:nvSpPr>
-          <p:cNvPr id="85" name="Google Shape;85;p18"/>
+          <p:cNvPr id="84" name="Google Shape;84;p18"/>
           <p:cNvSpPr txBox="1"/>
           <p:nvPr>
             <p:ph type="title"/>
@@ -14019,8 +14251,7 @@
               <a:buNone/>
             </a:pPr>
             <a:r>
-              <a:rPr lang="en"/>
-              <a:t>Basic Data Types - Example 2</a:t>
+              <a:t/>
             </a:r>
             <a:endParaRPr/>
           </a:p>
@@ -14028,7 +14259,7 @@
       </p:sp>
       <p:sp>
         <p:nvSpPr>
-          <p:cNvPr id="86" name="Google Shape;86;p18"/>
+          <p:cNvPr id="85" name="Google Shape;85;p18"/>
           <p:cNvSpPr txBox="1"/>
           <p:nvPr>
             <p:ph idx="1" type="body"/>
@@ -14045,246 +14276,54 @@
         </p:spPr>
         <p:txBody>
           <a:bodyPr anchorCtr="0" anchor="t" bIns="91425" lIns="91425" spcFirstLastPara="1" rIns="91425" wrap="square" tIns="91425">
-            <a:noAutofit/>
+            <a:normAutofit/>
           </a:bodyPr>
           <a:lstStyle/>
           <a:p>
-            <a:pPr indent="-336232" lvl="0" marL="457200" rtl="0" algn="l">
-              <a:lnSpc>
-                <a:spcPct val="95000"/>
-              </a:lnSpc>
-              <a:spcBef>
-                <a:spcPts val="0"/>
-              </a:spcBef>
-              <a:spcAft>
-                <a:spcPts val="0"/>
-              </a:spcAft>
-              <a:buSzPts val="1695"/>
-              <a:buChar char="●"/>
-            </a:pPr>
-            <a:r>
-              <a:rPr lang="en" sz="1695"/>
-              <a:t> Create a Python program that performs the following tasks:</a:t>
-            </a:r>
-            <a:endParaRPr sz="1695"/>
-          </a:p>
-          <a:p>
             <a:pPr indent="0" lvl="0" marL="0" rtl="0" algn="l">
-              <a:lnSpc>
-                <a:spcPct val="95000"/>
-              </a:lnSpc>
-              <a:spcBef>
+              <a:spcBef>
+                <a:spcPts val="0"/>
+              </a:spcBef>
+              <a:spcAft>
                 <a:spcPts val="1200"/>
-              </a:spcBef>
-              <a:spcAft>
-                <a:spcPts val="0"/>
-              </a:spcAft>
-              <a:buSzPts val="852"/>
+              </a:spcAft>
               <a:buNone/>
             </a:pPr>
             <a:r>
               <a:t/>
             </a:r>
-            <a:endParaRPr sz="1695"/>
-          </a:p>
-          <a:p>
-            <a:pPr indent="-316547" lvl="1" marL="914400" rtl="0" algn="l">
-              <a:lnSpc>
-                <a:spcPct val="95000"/>
-              </a:lnSpc>
-              <a:spcBef>
-                <a:spcPts val="1200"/>
-              </a:spcBef>
-              <a:spcAft>
-                <a:spcPts val="0"/>
-              </a:spcAft>
-              <a:buSzPts val="1385"/>
-              <a:buChar char="○"/>
-            </a:pPr>
-            <a:r>
-              <a:rPr lang="en" sz="1385"/>
-              <a:t>Define three variables: </a:t>
-            </a:r>
-            <a:r>
-              <a:rPr b="1" lang="en" sz="1385"/>
-              <a:t>name</a:t>
-            </a:r>
-            <a:r>
-              <a:rPr lang="en" sz="1385"/>
-              <a:t>, </a:t>
-            </a:r>
-            <a:r>
-              <a:rPr b="1" lang="en" sz="1385"/>
-              <a:t>age</a:t>
-            </a:r>
-            <a:r>
-              <a:rPr lang="en" sz="1385"/>
-              <a:t>, and </a:t>
-            </a:r>
-            <a:r>
-              <a:rPr b="1" lang="en" sz="1385"/>
-              <a:t>height</a:t>
-            </a:r>
-            <a:r>
-              <a:rPr lang="en" sz="1385"/>
-              <a:t>.</a:t>
-            </a:r>
-            <a:endParaRPr sz="1385"/>
-          </a:p>
-          <a:p>
-            <a:pPr indent="-316547" lvl="1" marL="914400" rtl="0" algn="l">
-              <a:lnSpc>
-                <a:spcPct val="95000"/>
-              </a:lnSpc>
-              <a:spcBef>
-                <a:spcPts val="0"/>
-              </a:spcBef>
-              <a:spcAft>
-                <a:spcPts val="0"/>
-              </a:spcAft>
-              <a:buSzPts val="1385"/>
-              <a:buChar char="○"/>
-            </a:pPr>
-            <a:r>
-              <a:rPr lang="en" sz="1385"/>
-              <a:t>Assign your own values to these variables, representing your name, age, and height.</a:t>
-            </a:r>
-            <a:endParaRPr sz="1385"/>
-          </a:p>
-          <a:p>
-            <a:pPr indent="-316547" lvl="1" marL="914400" rtl="0" algn="l">
-              <a:lnSpc>
-                <a:spcPct val="95000"/>
-              </a:lnSpc>
-              <a:spcBef>
-                <a:spcPts val="0"/>
-              </a:spcBef>
-              <a:spcAft>
-                <a:spcPts val="0"/>
-              </a:spcAft>
-              <a:buSzPts val="1385"/>
-              <a:buChar char="○"/>
-            </a:pPr>
-            <a:r>
-              <a:rPr lang="en" sz="1385"/>
-              <a:t>Print out the values of these variables using the </a:t>
-            </a:r>
-            <a:r>
-              <a:rPr b="1" i="1" lang="en" sz="1385"/>
-              <a:t>print</a:t>
-            </a:r>
-            <a:r>
-              <a:rPr lang="en" sz="1385"/>
-              <a:t> function.</a:t>
-            </a:r>
-            <a:endParaRPr sz="1385"/>
-          </a:p>
-          <a:p>
-            <a:pPr indent="-316547" lvl="1" marL="914400" rtl="0" algn="l">
-              <a:lnSpc>
-                <a:spcPct val="95000"/>
-              </a:lnSpc>
-              <a:spcBef>
-                <a:spcPts val="0"/>
-              </a:spcBef>
-              <a:spcAft>
-                <a:spcPts val="0"/>
-              </a:spcAft>
-              <a:buSzPts val="1385"/>
-              <a:buChar char="○"/>
-            </a:pPr>
-            <a:r>
-              <a:rPr lang="en" sz="1385"/>
-              <a:t>Use the </a:t>
-            </a:r>
-            <a:r>
-              <a:rPr b="1" i="1" lang="en" sz="1385"/>
-              <a:t>type</a:t>
-            </a:r>
-            <a:r>
-              <a:rPr lang="en" sz="1385"/>
-              <a:t> function to determine the data type of each variable and print the results.</a:t>
-            </a:r>
-            <a:endParaRPr sz="1385"/>
-          </a:p>
-          <a:p>
-            <a:pPr indent="0" lvl="0" marL="0" rtl="0" algn="l">
-              <a:lnSpc>
-                <a:spcPct val="95000"/>
-              </a:lnSpc>
-              <a:spcBef>
-                <a:spcPts val="1200"/>
-              </a:spcBef>
-              <a:spcAft>
-                <a:spcPts val="0"/>
-              </a:spcAft>
-              <a:buSzPts val="852"/>
-              <a:buNone/>
-            </a:pPr>
-            <a:r>
-              <a:t/>
-            </a:r>
-            <a:endParaRPr sz="1695"/>
-          </a:p>
-          <a:p>
-            <a:pPr indent="0" lvl="0" marL="0" rtl="0" algn="l">
-              <a:lnSpc>
-                <a:spcPct val="95000"/>
-              </a:lnSpc>
-              <a:spcBef>
-                <a:spcPts val="1200"/>
-              </a:spcBef>
-              <a:spcAft>
-                <a:spcPts val="0"/>
-              </a:spcAft>
-              <a:buSzPts val="852"/>
-              <a:buNone/>
-            </a:pPr>
-            <a:r>
-              <a:t/>
-            </a:r>
-            <a:endParaRPr sz="1695"/>
-          </a:p>
-          <a:p>
-            <a:pPr indent="0" lvl="0" marL="0" rtl="0" algn="l">
-              <a:lnSpc>
-                <a:spcPct val="95000"/>
-              </a:lnSpc>
-              <a:spcBef>
-                <a:spcPts val="1200"/>
-              </a:spcBef>
-              <a:spcAft>
-                <a:spcPts val="0"/>
-              </a:spcAft>
-              <a:buSzPts val="852"/>
-              <a:buNone/>
-            </a:pPr>
-            <a:r>
-              <a:t/>
-            </a:r>
-            <a:endParaRPr sz="1695"/>
-          </a:p>
-          <a:p>
-            <a:pPr indent="0" lvl="0" marL="457200" rtl="0" algn="l">
-              <a:lnSpc>
-                <a:spcPct val="95000"/>
-              </a:lnSpc>
-              <a:spcBef>
-                <a:spcPts val="1200"/>
-              </a:spcBef>
-              <a:spcAft>
-                <a:spcPts val="1200"/>
-              </a:spcAft>
-              <a:buSzPts val="852"/>
-              <a:buNone/>
-            </a:pPr>
-            <a:r>
-              <a:t/>
-            </a:r>
-            <a:endParaRPr sz="1695"/>
+            <a:endParaRPr/>
           </a:p>
         </p:txBody>
       </p:sp>
+      <p:pic>
+        <p:nvPicPr>
+          <p:cNvPr id="86" name="Google Shape;86;p18"/>
+          <p:cNvPicPr preferRelativeResize="0"/>
+          <p:nvPr/>
+        </p:nvPicPr>
+        <p:blipFill>
+          <a:blip r:embed="rId3">
+            <a:alphaModFix/>
+          </a:blip>
+          <a:stretch>
+            <a:fillRect/>
+          </a:stretch>
+        </p:blipFill>
+        <p:spPr>
+          <a:xfrm>
+            <a:off x="0" y="939850"/>
+            <a:ext cx="9144003" cy="3263802"/>
+          </a:xfrm>
+          <a:prstGeom prst="rect">
+            <a:avLst/>
+          </a:prstGeom>
+          <a:noFill/>
+          <a:ln>
+            <a:noFill/>
+          </a:ln>
+        </p:spPr>
+      </p:pic>
     </p:spTree>
   </p:cSld>
   <p:clrMapOvr>
@@ -14343,7 +14382,8 @@
               <a:buNone/>
             </a:pPr>
             <a:r>
-              <a:t/>
+              <a:rPr lang="en"/>
+              <a:t>Basic Data Types - Example 2</a:t>
             </a:r>
             <a:endParaRPr/>
           </a:p>
@@ -14368,54 +14408,246 @@
         </p:spPr>
         <p:txBody>
           <a:bodyPr anchorCtr="0" anchor="t" bIns="91425" lIns="91425" spcFirstLastPara="1" rIns="91425" wrap="square" tIns="91425">
-            <a:normAutofit/>
+            <a:noAutofit/>
           </a:bodyPr>
           <a:lstStyle/>
           <a:p>
+            <a:pPr indent="-336232" lvl="0" marL="457200" rtl="0" algn="l">
+              <a:lnSpc>
+                <a:spcPct val="95000"/>
+              </a:lnSpc>
+              <a:spcBef>
+                <a:spcPts val="0"/>
+              </a:spcBef>
+              <a:spcAft>
+                <a:spcPts val="0"/>
+              </a:spcAft>
+              <a:buSzPts val="1695"/>
+              <a:buChar char="●"/>
+            </a:pPr>
+            <a:r>
+              <a:rPr lang="en" sz="1695"/>
+              <a:t> Create a Python program that performs the following tasks:</a:t>
+            </a:r>
+            <a:endParaRPr sz="1695"/>
+          </a:p>
+          <a:p>
             <a:pPr indent="0" lvl="0" marL="0" rtl="0" algn="l">
-              <a:spcBef>
-                <a:spcPts val="0"/>
-              </a:spcBef>
-              <a:spcAft>
+              <a:lnSpc>
+                <a:spcPct val="95000"/>
+              </a:lnSpc>
+              <a:spcBef>
                 <a:spcPts val="1200"/>
-              </a:spcAft>
+              </a:spcBef>
+              <a:spcAft>
+                <a:spcPts val="0"/>
+              </a:spcAft>
+              <a:buSzPts val="852"/>
               <a:buNone/>
             </a:pPr>
             <a:r>
               <a:t/>
             </a:r>
-            <a:endParaRPr/>
+            <a:endParaRPr sz="1695"/>
+          </a:p>
+          <a:p>
+            <a:pPr indent="-316547" lvl="1" marL="914400" rtl="0" algn="l">
+              <a:lnSpc>
+                <a:spcPct val="95000"/>
+              </a:lnSpc>
+              <a:spcBef>
+                <a:spcPts val="1200"/>
+              </a:spcBef>
+              <a:spcAft>
+                <a:spcPts val="0"/>
+              </a:spcAft>
+              <a:buSzPts val="1385"/>
+              <a:buChar char="○"/>
+            </a:pPr>
+            <a:r>
+              <a:rPr lang="en" sz="1385"/>
+              <a:t>Define three variables: </a:t>
+            </a:r>
+            <a:r>
+              <a:rPr b="1" lang="en" sz="1385"/>
+              <a:t>name</a:t>
+            </a:r>
+            <a:r>
+              <a:rPr lang="en" sz="1385"/>
+              <a:t>, </a:t>
+            </a:r>
+            <a:r>
+              <a:rPr b="1" lang="en" sz="1385"/>
+              <a:t>age</a:t>
+            </a:r>
+            <a:r>
+              <a:rPr lang="en" sz="1385"/>
+              <a:t>, and </a:t>
+            </a:r>
+            <a:r>
+              <a:rPr b="1" lang="en" sz="1385"/>
+              <a:t>height</a:t>
+            </a:r>
+            <a:r>
+              <a:rPr lang="en" sz="1385"/>
+              <a:t>.</a:t>
+            </a:r>
+            <a:endParaRPr sz="1385"/>
+          </a:p>
+          <a:p>
+            <a:pPr indent="-316547" lvl="1" marL="914400" rtl="0" algn="l">
+              <a:lnSpc>
+                <a:spcPct val="95000"/>
+              </a:lnSpc>
+              <a:spcBef>
+                <a:spcPts val="0"/>
+              </a:spcBef>
+              <a:spcAft>
+                <a:spcPts val="0"/>
+              </a:spcAft>
+              <a:buSzPts val="1385"/>
+              <a:buChar char="○"/>
+            </a:pPr>
+            <a:r>
+              <a:rPr lang="en" sz="1385"/>
+              <a:t>Assign your own values to these variables, representing your name, age, and height.</a:t>
+            </a:r>
+            <a:endParaRPr sz="1385"/>
+          </a:p>
+          <a:p>
+            <a:pPr indent="-316547" lvl="1" marL="914400" rtl="0" algn="l">
+              <a:lnSpc>
+                <a:spcPct val="95000"/>
+              </a:lnSpc>
+              <a:spcBef>
+                <a:spcPts val="0"/>
+              </a:spcBef>
+              <a:spcAft>
+                <a:spcPts val="0"/>
+              </a:spcAft>
+              <a:buSzPts val="1385"/>
+              <a:buChar char="○"/>
+            </a:pPr>
+            <a:r>
+              <a:rPr lang="en" sz="1385"/>
+              <a:t>Print out the values of these variables using the </a:t>
+            </a:r>
+            <a:r>
+              <a:rPr b="1" i="1" lang="en" sz="1385"/>
+              <a:t>print</a:t>
+            </a:r>
+            <a:r>
+              <a:rPr lang="en" sz="1385"/>
+              <a:t> function.</a:t>
+            </a:r>
+            <a:endParaRPr sz="1385"/>
+          </a:p>
+          <a:p>
+            <a:pPr indent="-316547" lvl="1" marL="914400" rtl="0" algn="l">
+              <a:lnSpc>
+                <a:spcPct val="95000"/>
+              </a:lnSpc>
+              <a:spcBef>
+                <a:spcPts val="0"/>
+              </a:spcBef>
+              <a:spcAft>
+                <a:spcPts val="0"/>
+              </a:spcAft>
+              <a:buSzPts val="1385"/>
+              <a:buChar char="○"/>
+            </a:pPr>
+            <a:r>
+              <a:rPr lang="en" sz="1385"/>
+              <a:t>Use the </a:t>
+            </a:r>
+            <a:r>
+              <a:rPr b="1" i="1" lang="en" sz="1385"/>
+              <a:t>type</a:t>
+            </a:r>
+            <a:r>
+              <a:rPr lang="en" sz="1385"/>
+              <a:t> function to determine the data type of each variable and print the results.</a:t>
+            </a:r>
+            <a:endParaRPr sz="1385"/>
+          </a:p>
+          <a:p>
+            <a:pPr indent="0" lvl="0" marL="0" rtl="0" algn="l">
+              <a:lnSpc>
+                <a:spcPct val="95000"/>
+              </a:lnSpc>
+              <a:spcBef>
+                <a:spcPts val="1200"/>
+              </a:spcBef>
+              <a:spcAft>
+                <a:spcPts val="0"/>
+              </a:spcAft>
+              <a:buSzPts val="852"/>
+              <a:buNone/>
+            </a:pPr>
+            <a:r>
+              <a:t/>
+            </a:r>
+            <a:endParaRPr sz="1695"/>
+          </a:p>
+          <a:p>
+            <a:pPr indent="0" lvl="0" marL="0" rtl="0" algn="l">
+              <a:lnSpc>
+                <a:spcPct val="95000"/>
+              </a:lnSpc>
+              <a:spcBef>
+                <a:spcPts val="1200"/>
+              </a:spcBef>
+              <a:spcAft>
+                <a:spcPts val="0"/>
+              </a:spcAft>
+              <a:buSzPts val="852"/>
+              <a:buNone/>
+            </a:pPr>
+            <a:r>
+              <a:t/>
+            </a:r>
+            <a:endParaRPr sz="1695"/>
+          </a:p>
+          <a:p>
+            <a:pPr indent="0" lvl="0" marL="0" rtl="0" algn="l">
+              <a:lnSpc>
+                <a:spcPct val="95000"/>
+              </a:lnSpc>
+              <a:spcBef>
+                <a:spcPts val="1200"/>
+              </a:spcBef>
+              <a:spcAft>
+                <a:spcPts val="0"/>
+              </a:spcAft>
+              <a:buSzPts val="852"/>
+              <a:buNone/>
+            </a:pPr>
+            <a:r>
+              <a:t/>
+            </a:r>
+            <a:endParaRPr sz="1695"/>
+          </a:p>
+          <a:p>
+            <a:pPr indent="0" lvl="0" marL="457200" rtl="0" algn="l">
+              <a:lnSpc>
+                <a:spcPct val="95000"/>
+              </a:lnSpc>
+              <a:spcBef>
+                <a:spcPts val="1200"/>
+              </a:spcBef>
+              <a:spcAft>
+                <a:spcPts val="1200"/>
+              </a:spcAft>
+              <a:buSzPts val="852"/>
+              <a:buNone/>
+            </a:pPr>
+            <a:r>
+              <a:t/>
+            </a:r>
+            <a:endParaRPr sz="1695"/>
           </a:p>
         </p:txBody>
       </p:sp>
-      <p:pic>
-        <p:nvPicPr>
-          <p:cNvPr id="93" name="Google Shape;93;p19"/>
-          <p:cNvPicPr preferRelativeResize="0"/>
-          <p:nvPr/>
-        </p:nvPicPr>
-        <p:blipFill>
-          <a:blip r:embed="rId3">
-            <a:alphaModFix/>
-          </a:blip>
-          <a:stretch>
-            <a:fillRect/>
-          </a:stretch>
-        </p:blipFill>
-        <p:spPr>
-          <a:xfrm>
-            <a:off x="0" y="1207740"/>
-            <a:ext cx="9144003" cy="2728020"/>
-          </a:xfrm>
-          <a:prstGeom prst="rect">
-            <a:avLst/>
-          </a:prstGeom>
-          <a:noFill/>
-          <a:ln>
-            <a:noFill/>
-          </a:ln>
-        </p:spPr>
-      </p:pic>
     </p:spTree>
   </p:cSld>
   <p:clrMapOvr>
@@ -14429,7 +14661,7 @@
   <p:cSld>
     <p:spTree>
       <p:nvGrpSpPr>
-        <p:cNvPr id="97" name="Shape 97"/>
+        <p:cNvPr id="96" name="Shape 96"/>
         <p:cNvGrpSpPr/>
         <p:nvPr/>
       </p:nvGrpSpPr>
@@ -14443,7 +14675,7 @@
       </p:grpSpPr>
       <p:sp>
         <p:nvSpPr>
-          <p:cNvPr id="98" name="Google Shape;98;p20"/>
+          <p:cNvPr id="97" name="Google Shape;97;p20"/>
           <p:cNvSpPr txBox="1"/>
           <p:nvPr>
             <p:ph type="title"/>
@@ -14474,8 +14706,7 @@
               <a:buNone/>
             </a:pPr>
             <a:r>
-              <a:rPr lang="en"/>
-              <a:t>Data Structures</a:t>
+              <a:t/>
             </a:r>
             <a:endParaRPr/>
           </a:p>
@@ -14483,7 +14714,7 @@
       </p:sp>
       <p:sp>
         <p:nvSpPr>
-          <p:cNvPr id="99" name="Google Shape;99;p20"/>
+          <p:cNvPr id="98" name="Google Shape;98;p20"/>
           <p:cNvSpPr txBox="1"/>
           <p:nvPr>
             <p:ph idx="1" type="body"/>
@@ -14500,194 +14731,54 @@
         </p:spPr>
         <p:txBody>
           <a:bodyPr anchorCtr="0" anchor="t" bIns="91425" lIns="91425" spcFirstLastPara="1" rIns="91425" wrap="square" tIns="91425">
-            <a:noAutofit/>
+            <a:normAutofit/>
           </a:bodyPr>
           <a:lstStyle/>
           <a:p>
-            <a:pPr indent="-321310" lvl="0" marL="457200" rtl="0" algn="l">
-              <a:lnSpc>
-                <a:spcPct val="95000"/>
-              </a:lnSpc>
-              <a:spcBef>
-                <a:spcPts val="0"/>
-              </a:spcBef>
-              <a:spcAft>
-                <a:spcPts val="0"/>
-              </a:spcAft>
-              <a:buSzPts val="1460"/>
-              <a:buChar char="●"/>
-            </a:pPr>
-            <a:r>
-              <a:rPr lang="en" sz="1460"/>
-              <a:t>List: Lists are ordered collections of items, enclosed in square brackets (</a:t>
-            </a:r>
-            <a:r>
-              <a:rPr lang="en" sz="1460">
-                <a:solidFill>
-                  <a:srgbClr val="FF0000"/>
-                </a:solidFill>
-              </a:rPr>
-              <a:t>[]</a:t>
-            </a:r>
-            <a:r>
-              <a:rPr lang="en" sz="1460"/>
-              <a:t>). They can contain elements of </a:t>
-            </a:r>
-            <a:r>
-              <a:rPr b="1" i="1" lang="en" sz="1460"/>
-              <a:t>different types</a:t>
-            </a:r>
-            <a:r>
-              <a:rPr lang="en" sz="1460"/>
-              <a:t> and are </a:t>
-            </a:r>
-            <a:r>
-              <a:rPr b="1" i="1" lang="en" sz="1460"/>
-              <a:t>mutable</a:t>
-            </a:r>
-            <a:r>
-              <a:rPr lang="en" sz="1460"/>
-              <a:t>, meaning you can change, add, or remove items from them.</a:t>
-            </a:r>
-            <a:endParaRPr sz="1460"/>
-          </a:p>
-          <a:p>
-            <a:pPr indent="0" lvl="0" marL="457200" rtl="0" algn="l">
-              <a:lnSpc>
-                <a:spcPct val="95000"/>
-              </a:lnSpc>
-              <a:spcBef>
+            <a:pPr indent="0" lvl="0" marL="0" rtl="0" algn="l">
+              <a:spcBef>
+                <a:spcPts val="0"/>
+              </a:spcBef>
+              <a:spcAft>
                 <a:spcPts val="1200"/>
-              </a:spcBef>
-              <a:spcAft>
-                <a:spcPts val="0"/>
-              </a:spcAft>
-              <a:buSzPts val="770"/>
+              </a:spcAft>
               <a:buNone/>
             </a:pPr>
             <a:r>
               <a:t/>
             </a:r>
-            <a:endParaRPr sz="1460"/>
-          </a:p>
-          <a:p>
-            <a:pPr indent="0" lvl="0" marL="0" rtl="0" algn="l">
-              <a:lnSpc>
-                <a:spcPct val="95000"/>
-              </a:lnSpc>
-              <a:spcBef>
-                <a:spcPts val="1200"/>
-              </a:spcBef>
-              <a:spcAft>
-                <a:spcPts val="0"/>
-              </a:spcAft>
-              <a:buSzPts val="770"/>
-              <a:buNone/>
-            </a:pPr>
-            <a:r>
-              <a:t/>
-            </a:r>
-            <a:endParaRPr sz="1460"/>
-          </a:p>
-          <a:p>
-            <a:pPr indent="-321310" lvl="0" marL="457200" rtl="0" algn="l">
-              <a:lnSpc>
-                <a:spcPct val="95000"/>
-              </a:lnSpc>
-              <a:spcBef>
-                <a:spcPts val="1200"/>
-              </a:spcBef>
-              <a:spcAft>
-                <a:spcPts val="0"/>
-              </a:spcAft>
-              <a:buSzPts val="1460"/>
-              <a:buChar char="●"/>
-            </a:pPr>
-            <a:r>
-              <a:rPr lang="en" sz="1460"/>
-              <a:t>Tuple: Tuples are similar to lists, but they are immutable, meaning they </a:t>
-            </a:r>
-            <a:r>
-              <a:rPr b="1" i="1" lang="en" sz="1460"/>
-              <a:t>cannot be modified once created</a:t>
-            </a:r>
-            <a:r>
-              <a:rPr lang="en" sz="1460"/>
-              <a:t>. Tuples are defined using parentheses (</a:t>
-            </a:r>
-            <a:r>
-              <a:rPr lang="en" sz="1460">
-                <a:solidFill>
-                  <a:srgbClr val="FF0000"/>
-                </a:solidFill>
-              </a:rPr>
-              <a:t>()</a:t>
-            </a:r>
-            <a:r>
-              <a:rPr lang="en" sz="1460"/>
-              <a:t>). </a:t>
-            </a:r>
-            <a:endParaRPr sz="1460"/>
-          </a:p>
-          <a:p>
-            <a:pPr indent="0" lvl="0" marL="457200" rtl="0" algn="l">
-              <a:lnSpc>
-                <a:spcPct val="95000"/>
-              </a:lnSpc>
-              <a:spcBef>
-                <a:spcPts val="1200"/>
-              </a:spcBef>
-              <a:spcAft>
-                <a:spcPts val="0"/>
-              </a:spcAft>
-              <a:buSzPts val="770"/>
-              <a:buNone/>
-            </a:pPr>
-            <a:r>
-              <a:t/>
-            </a:r>
-            <a:endParaRPr sz="1460"/>
-          </a:p>
-          <a:p>
-            <a:pPr indent="0" lvl="0" marL="457200" rtl="0" algn="l">
-              <a:lnSpc>
-                <a:spcPct val="95000"/>
-              </a:lnSpc>
-              <a:spcBef>
-                <a:spcPts val="1200"/>
-              </a:spcBef>
-              <a:spcAft>
-                <a:spcPts val="0"/>
-              </a:spcAft>
-              <a:buSzPts val="770"/>
-              <a:buNone/>
-            </a:pPr>
-            <a:r>
-              <a:t/>
-            </a:r>
-            <a:endParaRPr sz="1460"/>
-          </a:p>
-          <a:p>
-            <a:pPr indent="0" lvl="0" marL="0" rtl="0" algn="l">
-              <a:lnSpc>
-                <a:spcPct val="95000"/>
-              </a:lnSpc>
-              <a:spcBef>
-                <a:spcPts val="1200"/>
-              </a:spcBef>
-              <a:spcAft>
-                <a:spcPts val="1200"/>
-              </a:spcAft>
-              <a:buSzPts val="770"/>
-              <a:buNone/>
-            </a:pPr>
-            <a:r>
-              <a:t/>
-            </a:r>
-            <a:endParaRPr sz="1460"/>
+            <a:endParaRPr/>
           </a:p>
         </p:txBody>
       </p:sp>
+      <p:pic>
+        <p:nvPicPr>
+          <p:cNvPr id="99" name="Google Shape;99;p20"/>
+          <p:cNvPicPr preferRelativeResize="0"/>
+          <p:nvPr/>
+        </p:nvPicPr>
+        <p:blipFill>
+          <a:blip r:embed="rId3">
+            <a:alphaModFix/>
+          </a:blip>
+          <a:stretch>
+            <a:fillRect/>
+          </a:stretch>
+        </p:blipFill>
+        <p:spPr>
+          <a:xfrm>
+            <a:off x="0" y="1207740"/>
+            <a:ext cx="9144003" cy="2728020"/>
+          </a:xfrm>
+          <a:prstGeom prst="rect">
+            <a:avLst/>
+          </a:prstGeom>
+          <a:noFill/>
+          <a:ln>
+            <a:noFill/>
+          </a:ln>
+        </p:spPr>
+      </p:pic>
     </p:spTree>
   </p:cSld>
   <p:clrMapOvr>
@@ -14746,7 +14837,8 @@
               <a:buNone/>
             </a:pPr>
             <a:r>
-              <a:t/>
+              <a:rPr lang="en"/>
+              <a:t>Data Structures</a:t>
             </a:r>
             <a:endParaRPr/>
           </a:p>
@@ -14771,54 +14863,194 @@
         </p:spPr>
         <p:txBody>
           <a:bodyPr anchorCtr="0" anchor="t" bIns="91425" lIns="91425" spcFirstLastPara="1" rIns="91425" wrap="square" tIns="91425">
-            <a:normAutofit/>
+            <a:noAutofit/>
           </a:bodyPr>
           <a:lstStyle/>
           <a:p>
+            <a:pPr indent="-321310" lvl="0" marL="457200" rtl="0" algn="l">
+              <a:lnSpc>
+                <a:spcPct val="95000"/>
+              </a:lnSpc>
+              <a:spcBef>
+                <a:spcPts val="0"/>
+              </a:spcBef>
+              <a:spcAft>
+                <a:spcPts val="0"/>
+              </a:spcAft>
+              <a:buSzPts val="1460"/>
+              <a:buChar char="●"/>
+            </a:pPr>
+            <a:r>
+              <a:rPr lang="en" sz="1460"/>
+              <a:t>List: Lists are ordered collections of items, enclosed in square brackets (</a:t>
+            </a:r>
+            <a:r>
+              <a:rPr lang="en" sz="1460">
+                <a:solidFill>
+                  <a:srgbClr val="FF0000"/>
+                </a:solidFill>
+              </a:rPr>
+              <a:t>[]</a:t>
+            </a:r>
+            <a:r>
+              <a:rPr lang="en" sz="1460"/>
+              <a:t>). They can contain elements of </a:t>
+            </a:r>
+            <a:r>
+              <a:rPr b="1" i="1" lang="en" sz="1460"/>
+              <a:t>different types</a:t>
+            </a:r>
+            <a:r>
+              <a:rPr lang="en" sz="1460"/>
+              <a:t> and are </a:t>
+            </a:r>
+            <a:r>
+              <a:rPr b="1" i="1" lang="en" sz="1460"/>
+              <a:t>mutable</a:t>
+            </a:r>
+            <a:r>
+              <a:rPr lang="en" sz="1460"/>
+              <a:t>, meaning you can change, add, or remove items from them.</a:t>
+            </a:r>
+            <a:endParaRPr sz="1460"/>
+          </a:p>
+          <a:p>
+            <a:pPr indent="0" lvl="0" marL="457200" rtl="0" algn="l">
+              <a:lnSpc>
+                <a:spcPct val="95000"/>
+              </a:lnSpc>
+              <a:spcBef>
+                <a:spcPts val="1200"/>
+              </a:spcBef>
+              <a:spcAft>
+                <a:spcPts val="0"/>
+              </a:spcAft>
+              <a:buSzPts val="770"/>
+              <a:buNone/>
+            </a:pPr>
+            <a:r>
+              <a:t/>
+            </a:r>
+            <a:endParaRPr sz="1460"/>
+          </a:p>
+          <a:p>
             <a:pPr indent="0" lvl="0" marL="0" rtl="0" algn="l">
-              <a:spcBef>
-                <a:spcPts val="0"/>
-              </a:spcBef>
-              <a:spcAft>
+              <a:lnSpc>
+                <a:spcPct val="95000"/>
+              </a:lnSpc>
+              <a:spcBef>
                 <a:spcPts val="1200"/>
-              </a:spcAft>
+              </a:spcBef>
+              <a:spcAft>
+                <a:spcPts val="0"/>
+              </a:spcAft>
+              <a:buSzPts val="770"/>
               <a:buNone/>
             </a:pPr>
             <a:r>
               <a:t/>
             </a:r>
-            <a:endParaRPr/>
+            <a:endParaRPr sz="1460"/>
+          </a:p>
+          <a:p>
+            <a:pPr indent="-321310" lvl="0" marL="457200" rtl="0" algn="l">
+              <a:lnSpc>
+                <a:spcPct val="95000"/>
+              </a:lnSpc>
+              <a:spcBef>
+                <a:spcPts val="1200"/>
+              </a:spcBef>
+              <a:spcAft>
+                <a:spcPts val="0"/>
+              </a:spcAft>
+              <a:buSzPts val="1460"/>
+              <a:buChar char="●"/>
+            </a:pPr>
+            <a:r>
+              <a:rPr lang="en" sz="1460"/>
+              <a:t>Tuple: Tuples are similar to lists, but they are immutable, meaning they </a:t>
+            </a:r>
+            <a:r>
+              <a:rPr b="1" i="1" lang="en" sz="1460"/>
+              <a:t>cannot be modified once created</a:t>
+            </a:r>
+            <a:r>
+              <a:rPr lang="en" sz="1460"/>
+              <a:t>. Tuples are defined using parentheses (</a:t>
+            </a:r>
+            <a:r>
+              <a:rPr lang="en" sz="1460">
+                <a:solidFill>
+                  <a:srgbClr val="FF0000"/>
+                </a:solidFill>
+              </a:rPr>
+              <a:t>()</a:t>
+            </a:r>
+            <a:r>
+              <a:rPr lang="en" sz="1460"/>
+              <a:t>). </a:t>
+            </a:r>
+            <a:endParaRPr sz="1460"/>
+          </a:p>
+          <a:p>
+            <a:pPr indent="0" lvl="0" marL="457200" rtl="0" algn="l">
+              <a:lnSpc>
+                <a:spcPct val="95000"/>
+              </a:lnSpc>
+              <a:spcBef>
+                <a:spcPts val="1200"/>
+              </a:spcBef>
+              <a:spcAft>
+                <a:spcPts val="0"/>
+              </a:spcAft>
+              <a:buSzPts val="770"/>
+              <a:buNone/>
+            </a:pPr>
+            <a:r>
+              <a:t/>
+            </a:r>
+            <a:endParaRPr sz="1460"/>
+          </a:p>
+          <a:p>
+            <a:pPr indent="0" lvl="0" marL="457200" rtl="0" algn="l">
+              <a:lnSpc>
+                <a:spcPct val="95000"/>
+              </a:lnSpc>
+              <a:spcBef>
+                <a:spcPts val="1200"/>
+              </a:spcBef>
+              <a:spcAft>
+                <a:spcPts val="0"/>
+              </a:spcAft>
+              <a:buSzPts val="770"/>
+              <a:buNone/>
+            </a:pPr>
+            <a:r>
+              <a:t/>
+            </a:r>
+            <a:endParaRPr sz="1460"/>
+          </a:p>
+          <a:p>
+            <a:pPr indent="0" lvl="0" marL="0" rtl="0" algn="l">
+              <a:lnSpc>
+                <a:spcPct val="95000"/>
+              </a:lnSpc>
+              <a:spcBef>
+                <a:spcPts val="1200"/>
+              </a:spcBef>
+              <a:spcAft>
+                <a:spcPts val="1200"/>
+              </a:spcAft>
+              <a:buSzPts val="770"/>
+              <a:buNone/>
+            </a:pPr>
+            <a:r>
+              <a:t/>
+            </a:r>
+            <a:endParaRPr sz="1460"/>
           </a:p>
         </p:txBody>
       </p:sp>
-      <p:pic>
-        <p:nvPicPr>
-          <p:cNvPr id="106" name="Google Shape;106;p21"/>
-          <p:cNvPicPr preferRelativeResize="0"/>
-          <p:nvPr/>
-        </p:nvPicPr>
-        <p:blipFill>
-          <a:blip r:embed="rId3">
-            <a:alphaModFix/>
-          </a:blip>
-          <a:stretch>
-            <a:fillRect/>
-          </a:stretch>
-        </p:blipFill>
-        <p:spPr>
-          <a:xfrm>
-            <a:off x="60983" y="0"/>
-            <a:ext cx="9022035" cy="5143501"/>
-          </a:xfrm>
-          <a:prstGeom prst="rect">
-            <a:avLst/>
-          </a:prstGeom>
-          <a:noFill/>
-          <a:ln>
-            <a:noFill/>
-          </a:ln>
-        </p:spPr>
-      </p:pic>
     </p:spTree>
   </p:cSld>
   <p:clrMapOvr>

--- a/python_fundamentals/day_one/slides/Day 1.pptx
+++ b/python_fundamentals/day_one/slides/Day 1.pptx
@@ -44,6 +44,7 @@
     <p:sldId id="289" r:id="rId39"/>
     <p:sldId id="290" r:id="rId40"/>
     <p:sldId id="291" r:id="rId41"/>
+    <p:sldId id="292" r:id="rId42"/>
   </p:sldIdLst>
   <p:sldSz cy="5143500" cx="9144000"/>
   <p:notesSz cx="6858000" cy="9144000"/>
@@ -3647,6 +3648,105 @@
       <p:sp>
         <p:nvSpPr>
           <p:cNvPr id="281" name="Google Shape;281;g225ba201504_0_6:notes"/>
+          <p:cNvSpPr txBox="1"/>
+          <p:nvPr>
+            <p:ph idx="1" type="body"/>
+          </p:nvPr>
+        </p:nvSpPr>
+        <p:spPr>
+          <a:xfrm>
+            <a:off x="685800" y="4343400"/>
+            <a:ext cx="5486400" cy="4114800"/>
+          </a:xfrm>
+          <a:prstGeom prst="rect">
+            <a:avLst/>
+          </a:prstGeom>
+        </p:spPr>
+        <p:txBody>
+          <a:bodyPr anchorCtr="0" anchor="t" bIns="91425" lIns="91425" spcFirstLastPara="1" rIns="91425" wrap="square" tIns="91425">
+            <a:noAutofit/>
+          </a:bodyPr>
+          <a:lstStyle/>
+          <a:p>
+            <a:pPr indent="0" lvl="0" marL="0" rtl="0" algn="l">
+              <a:spcBef>
+                <a:spcPts val="0"/>
+              </a:spcBef>
+              <a:spcAft>
+                <a:spcPts val="0"/>
+              </a:spcAft>
+              <a:buNone/>
+            </a:pPr>
+            <a:r>
+              <a:t/>
+            </a:r>
+            <a:endParaRPr/>
+          </a:p>
+        </p:txBody>
+      </p:sp>
+    </p:spTree>
+  </p:cSld>
+  <p:clrMapOvr>
+    <a:masterClrMapping/>
+  </p:clrMapOvr>
+</p:notes>
+</file>
+
+<file path=ppt/notesSlides/notesSlide37.xml><?xml version="1.0" encoding="utf-8"?>
+<p:notes xmlns:a="http://schemas.openxmlformats.org/drawingml/2006/main" xmlns:r="http://schemas.openxmlformats.org/officeDocument/2006/relationships" xmlns:mc="http://schemas.openxmlformats.org/markup-compatibility/2006" xmlns:mv="urn:schemas-microsoft-com:mac:vml" xmlns:p="http://schemas.openxmlformats.org/presentationml/2006/main" xmlns:c="http://schemas.openxmlformats.org/drawingml/2006/chart" xmlns:dgm="http://schemas.openxmlformats.org/drawingml/2006/diagram" xmlns:o="urn:schemas-microsoft-com:office:office" xmlns:v="urn:schemas-microsoft-com:vml" xmlns:pvml="urn:schemas-microsoft-com:office:powerpoint" xmlns:com="http://schemas.openxmlformats.org/drawingml/2006/compatibility" xmlns:p14="http://schemas.microsoft.com/office/powerpoint/2010/main" xmlns:p15="http://schemas.microsoft.com/office/powerpoint/2012/main" xmlns:ahyp="http://schemas.microsoft.com/office/drawing/2018/hyperlinkcolor" showMasterPhAnim="0" showMasterSp="0">
+  <p:cSld>
+    <p:spTree>
+      <p:nvGrpSpPr>
+        <p:cNvPr id="285" name="Shape 285"/>
+        <p:cNvGrpSpPr/>
+        <p:nvPr/>
+      </p:nvGrpSpPr>
+      <p:grpSpPr>
+        <a:xfrm>
+          <a:off x="0" y="0"/>
+          <a:ext cx="0" cy="0"/>
+          <a:chOff x="0" y="0"/>
+          <a:chExt cx="0" cy="0"/>
+        </a:xfrm>
+      </p:grpSpPr>
+      <p:sp>
+        <p:nvSpPr>
+          <p:cNvPr id="286" name="Google Shape;286;g225d5431f1d_0_12:notes"/>
+          <p:cNvSpPr/>
+          <p:nvPr>
+            <p:ph idx="2" type="sldImg"/>
+          </p:nvPr>
+        </p:nvSpPr>
+        <p:spPr>
+          <a:xfrm>
+            <a:off x="381300" y="685800"/>
+            <a:ext cx="6096000" cy="3429000"/>
+          </a:xfrm>
+          <a:custGeom>
+            <a:rect b="b" l="l" r="r" t="t"/>
+            <a:pathLst>
+              <a:path extrusionOk="0" h="120000" w="120000">
+                <a:moveTo>
+                  <a:pt x="0" y="0"/>
+                </a:moveTo>
+                <a:lnTo>
+                  <a:pt x="120000" y="0"/>
+                </a:lnTo>
+                <a:lnTo>
+                  <a:pt x="120000" y="120000"/>
+                </a:lnTo>
+                <a:lnTo>
+                  <a:pt x="0" y="120000"/>
+                </a:lnTo>
+                <a:close/>
+              </a:path>
+            </a:pathLst>
+          </a:custGeom>
+        </p:spPr>
+      </p:sp>
+      <p:sp>
+        <p:nvSpPr>
+          <p:cNvPr id="287" name="Google Shape;287;g225d5431f1d_0_12:notes"/>
           <p:cNvSpPr txBox="1"/>
           <p:nvPr>
             <p:ph idx="1" type="body"/>
@@ -13693,6 +13793,180 @@
 </p:sld>
 </file>
 
+<file path=ppt/slides/slide37.xml><?xml version="1.0" encoding="utf-8"?>
+<p:sld xmlns:a="http://schemas.openxmlformats.org/drawingml/2006/main" xmlns:r="http://schemas.openxmlformats.org/officeDocument/2006/relationships" xmlns:mc="http://schemas.openxmlformats.org/markup-compatibility/2006" xmlns:mv="urn:schemas-microsoft-com:mac:vml" xmlns:p="http://schemas.openxmlformats.org/presentationml/2006/main" xmlns:c="http://schemas.openxmlformats.org/drawingml/2006/chart" xmlns:dgm="http://schemas.openxmlformats.org/drawingml/2006/diagram" xmlns:o="urn:schemas-microsoft-com:office:office" xmlns:v="urn:schemas-microsoft-com:vml" xmlns:pvml="urn:schemas-microsoft-com:office:powerpoint" xmlns:com="http://schemas.openxmlformats.org/drawingml/2006/compatibility" xmlns:p14="http://schemas.microsoft.com/office/powerpoint/2010/main" xmlns:p15="http://schemas.microsoft.com/office/powerpoint/2012/main" xmlns:ahyp="http://schemas.microsoft.com/office/drawing/2018/hyperlinkcolor">
+  <p:cSld>
+    <p:spTree>
+      <p:nvGrpSpPr>
+        <p:cNvPr id="288" name="Shape 288"/>
+        <p:cNvGrpSpPr/>
+        <p:nvPr/>
+      </p:nvGrpSpPr>
+      <p:grpSpPr>
+        <a:xfrm>
+          <a:off x="0" y="0"/>
+          <a:ext cx="0" cy="0"/>
+          <a:chOff x="0" y="0"/>
+          <a:chExt cx="0" cy="0"/>
+        </a:xfrm>
+      </p:grpSpPr>
+      <p:sp>
+        <p:nvSpPr>
+          <p:cNvPr id="289" name="Google Shape;289;p49"/>
+          <p:cNvSpPr txBox="1"/>
+          <p:nvPr>
+            <p:ph type="title"/>
+          </p:nvPr>
+        </p:nvSpPr>
+        <p:spPr>
+          <a:xfrm>
+            <a:off x="311700" y="445025"/>
+            <a:ext cx="8520600" cy="572700"/>
+          </a:xfrm>
+          <a:prstGeom prst="rect">
+            <a:avLst/>
+          </a:prstGeom>
+        </p:spPr>
+        <p:txBody>
+          <a:bodyPr anchorCtr="0" anchor="t" bIns="91425" lIns="91425" spcFirstLastPara="1" rIns="91425" wrap="square" tIns="91425">
+            <a:normAutofit fontScale="90000"/>
+          </a:bodyPr>
+          <a:lstStyle/>
+          <a:p>
+            <a:pPr indent="0" lvl="0" marL="0" rtl="0" algn="l">
+              <a:spcBef>
+                <a:spcPts val="0"/>
+              </a:spcBef>
+              <a:spcAft>
+                <a:spcPts val="0"/>
+              </a:spcAft>
+              <a:buNone/>
+            </a:pPr>
+            <a:r>
+              <a:rPr lang="en"/>
+              <a:t>Exercise 3: Task List </a:t>
+            </a:r>
+            <a:endParaRPr/>
+          </a:p>
+        </p:txBody>
+      </p:sp>
+      <p:sp>
+        <p:nvSpPr>
+          <p:cNvPr id="290" name="Google Shape;290;p49"/>
+          <p:cNvSpPr txBox="1"/>
+          <p:nvPr>
+            <p:ph idx="1" type="body"/>
+          </p:nvPr>
+        </p:nvSpPr>
+        <p:spPr>
+          <a:xfrm>
+            <a:off x="311700" y="1152475"/>
+            <a:ext cx="8520600" cy="3416400"/>
+          </a:xfrm>
+          <a:prstGeom prst="rect">
+            <a:avLst/>
+          </a:prstGeom>
+        </p:spPr>
+        <p:txBody>
+          <a:bodyPr anchorCtr="0" anchor="t" bIns="91425" lIns="91425" spcFirstLastPara="1" rIns="91425" wrap="square" tIns="91425">
+            <a:normAutofit/>
+          </a:bodyPr>
+          <a:lstStyle/>
+          <a:p>
+            <a:pPr indent="0" lvl="0" marL="0" rtl="0" algn="l">
+              <a:spcBef>
+                <a:spcPts val="0"/>
+              </a:spcBef>
+              <a:spcAft>
+                <a:spcPts val="0"/>
+              </a:spcAft>
+              <a:buNone/>
+            </a:pPr>
+            <a:r>
+              <a:t/>
+            </a:r>
+            <a:endParaRPr/>
+          </a:p>
+          <a:p>
+            <a:pPr indent="0" lvl="0" marL="0" rtl="0" algn="l">
+              <a:spcBef>
+                <a:spcPts val="1200"/>
+              </a:spcBef>
+              <a:spcAft>
+                <a:spcPts val="0"/>
+              </a:spcAft>
+              <a:buNone/>
+            </a:pPr>
+            <a:r>
+              <a:t/>
+            </a:r>
+            <a:endParaRPr/>
+          </a:p>
+          <a:p>
+            <a:pPr indent="0" lvl="0" marL="0" rtl="0" algn="l">
+              <a:spcBef>
+                <a:spcPts val="1200"/>
+              </a:spcBef>
+              <a:spcAft>
+                <a:spcPts val="0"/>
+              </a:spcAft>
+              <a:buNone/>
+            </a:pPr>
+            <a:r>
+              <a:rPr lang="en"/>
+              <a:t>Link: </a:t>
+            </a:r>
+            <a:r>
+              <a:rPr lang="en" u="sng">
+                <a:solidFill>
+                  <a:schemeClr val="hlink"/>
+                </a:solidFill>
+                <a:hlinkClick r:id="rId3"/>
+              </a:rPr>
+              <a:t>https://docs.google.com/document/d/1fHczgGEWIXkFFTc5jJWMX5IgVH_KmuV_17Uqwm5h-6A/edit?usp=sharing</a:t>
+            </a:r>
+            <a:endParaRPr/>
+          </a:p>
+          <a:p>
+            <a:pPr indent="0" lvl="0" marL="0" rtl="0" algn="l">
+              <a:spcBef>
+                <a:spcPts val="1200"/>
+              </a:spcBef>
+              <a:spcAft>
+                <a:spcPts val="0"/>
+              </a:spcAft>
+              <a:buNone/>
+            </a:pPr>
+            <a:r>
+              <a:t/>
+            </a:r>
+            <a:endParaRPr/>
+          </a:p>
+          <a:p>
+            <a:pPr indent="0" lvl="0" marL="0" rtl="0" algn="l">
+              <a:spcBef>
+                <a:spcPts val="1200"/>
+              </a:spcBef>
+              <a:spcAft>
+                <a:spcPts val="1200"/>
+              </a:spcAft>
+              <a:buNone/>
+            </a:pPr>
+            <a:r>
+              <a:t/>
+            </a:r>
+            <a:endParaRPr/>
+          </a:p>
+        </p:txBody>
+      </p:sp>
+    </p:spTree>
+  </p:cSld>
+  <p:clrMapOvr>
+    <a:masterClrMapping/>
+  </p:clrMapOvr>
+</p:sld>
+</file>
+
 <file path=ppt/slides/slide4.xml><?xml version="1.0" encoding="utf-8"?>
 <p:sld xmlns:a="http://schemas.openxmlformats.org/drawingml/2006/main" xmlns:r="http://schemas.openxmlformats.org/officeDocument/2006/relationships" xmlns:mc="http://schemas.openxmlformats.org/markup-compatibility/2006" xmlns:mv="urn:schemas-microsoft-com:mac:vml" xmlns:p="http://schemas.openxmlformats.org/presentationml/2006/main" xmlns:c="http://schemas.openxmlformats.org/drawingml/2006/chart" xmlns:dgm="http://schemas.openxmlformats.org/drawingml/2006/diagram" xmlns:o="urn:schemas-microsoft-com:office:office" xmlns:v="urn:schemas-microsoft-com:vml" xmlns:pvml="urn:schemas-microsoft-com:office:powerpoint" xmlns:com="http://schemas.openxmlformats.org/drawingml/2006/compatibility" xmlns:p14="http://schemas.microsoft.com/office/powerpoint/2010/main" xmlns:p15="http://schemas.microsoft.com/office/powerpoint/2012/main" xmlns:ahyp="http://schemas.microsoft.com/office/drawing/2018/hyperlinkcolor">
   <p:cSld>
